--- a/8520 Final Presentation.pptx
+++ b/8520 Final Presentation.pptx
@@ -7,15 +7,14 @@
   <p:sldIdLst>
     <p:sldId id="256" r:id="rId2"/>
     <p:sldId id="257" r:id="rId3"/>
-    <p:sldId id="266" r:id="rId4"/>
-    <p:sldId id="258" r:id="rId5"/>
-    <p:sldId id="259" r:id="rId6"/>
-    <p:sldId id="260" r:id="rId7"/>
-    <p:sldId id="265" r:id="rId8"/>
-    <p:sldId id="261" r:id="rId9"/>
-    <p:sldId id="262" r:id="rId10"/>
-    <p:sldId id="263" r:id="rId11"/>
-    <p:sldId id="264" r:id="rId12"/>
+    <p:sldId id="258" r:id="rId4"/>
+    <p:sldId id="259" r:id="rId5"/>
+    <p:sldId id="260" r:id="rId6"/>
+    <p:sldId id="265" r:id="rId7"/>
+    <p:sldId id="261" r:id="rId8"/>
+    <p:sldId id="262" r:id="rId9"/>
+    <p:sldId id="263" r:id="rId10"/>
+    <p:sldId id="264" r:id="rId11"/>
   </p:sldIdLst>
   <p:sldSz cx="12192000" cy="6858000"/>
   <p:notesSz cx="6858000" cy="9144000"/>
@@ -3603,8 +3602,8 @@
         </p:nvSpPr>
         <p:spPr>
           <a:xfrm>
-            <a:off x="7331383" y="5227455"/>
-            <a:ext cx="3876085" cy="857461"/>
+            <a:off x="7331383" y="4737253"/>
+            <a:ext cx="3876085" cy="1347663"/>
           </a:xfrm>
         </p:spPr>
         <p:txBody>
@@ -3615,34 +3614,27 @@
           <a:p>
             <a:pPr algn="l"/>
             <a:r>
-              <a:rPr lang="en-US" sz="600"/>
+              <a:rPr lang="en-US" sz="1600" i="1" dirty="0"/>
               <a:t>Alexander </a:t>
             </a:r>
             <a:r>
-              <a:rPr lang="en-US" sz="600" err="1"/>
+              <a:rPr lang="en-US" sz="1600" i="1" dirty="0" err="1"/>
               <a:t>Billinis</a:t>
             </a:r>
-            <a:endParaRPr lang="en-US" sz="600"/>
+            <a:endParaRPr lang="en-US" sz="1600" i="1" dirty="0"/>
           </a:p>
           <a:p>
             <a:pPr algn="l"/>
             <a:r>
-              <a:rPr lang="en-US" sz="600"/>
-              <a:t>Digital Methods 8510</a:t>
+              <a:rPr lang="en-US" sz="1600" i="1" dirty="0"/>
+              <a:t>Digital Methods Final Project</a:t>
             </a:r>
           </a:p>
           <a:p>
             <a:pPr algn="l"/>
             <a:r>
-              <a:rPr lang="en-US" sz="600"/>
-              <a:t>Spring 2024</a:t>
-            </a:r>
-          </a:p>
-          <a:p>
-            <a:pPr algn="l"/>
-            <a:r>
-              <a:rPr lang="en-US" sz="600"/>
-              <a:t>Final Project: Presentation Portion</a:t>
+              <a:rPr lang="en-US" sz="1600" i="1" dirty="0"/>
+              <a:t>May 1, 2024</a:t>
             </a:r>
           </a:p>
         </p:txBody>
@@ -3761,6 +3753,3474 @@
 </file>
 
 <file path=ppt/slides/slide10.xml><?xml version="1.0" encoding="utf-8"?>
+<p:sld xmlns:a="http://schemas.openxmlformats.org/drawingml/2006/main" xmlns:r="http://schemas.openxmlformats.org/officeDocument/2006/relationships" xmlns:p="http://schemas.openxmlformats.org/presentationml/2006/main">
+  <p:cSld>
+    <p:bg>
+      <p:bgPr>
+        <a:solidFill>
+          <a:schemeClr val="bg1"/>
+        </a:solidFill>
+        <a:effectLst/>
+      </p:bgPr>
+    </p:bg>
+    <p:spTree>
+      <p:nvGrpSpPr>
+        <p:cNvPr id="1" name=""/>
+        <p:cNvGrpSpPr/>
+        <p:nvPr/>
+      </p:nvGrpSpPr>
+      <p:grpSpPr>
+        <a:xfrm>
+          <a:off x="0" y="0"/>
+          <a:ext cx="0" cy="0"/>
+          <a:chOff x="0" y="0"/>
+          <a:chExt cx="0" cy="0"/>
+        </a:xfrm>
+      </p:grpSpPr>
+      <p:sp useBgFill="1">
+        <p:nvSpPr>
+          <p:cNvPr id="10" name="Rectangle 9">
+            <a:extLst>
+              <a:ext uri="{FF2B5EF4-FFF2-40B4-BE49-F238E27FC236}">
+                <a16:creationId xmlns:a16="http://schemas.microsoft.com/office/drawing/2014/main" id="{201CC55D-ED54-4C5C-95E6-10947BD1103B}"/>
+              </a:ext>
+              <a:ext uri="{C183D7F6-B498-43B3-948B-1728B52AA6E4}">
+                <adec:decorative xmlns:adec="http://schemas.microsoft.com/office/drawing/2017/decorative" val="1"/>
+              </a:ext>
+            </a:extLst>
+          </p:cNvPr>
+          <p:cNvSpPr>
+            <a:spLocks noGrp="1" noRot="1" noChangeAspect="1" noMove="1" noResize="1" noEditPoints="1" noAdjustHandles="1" noChangeArrowheads="1" noChangeShapeType="1" noTextEdit="1"/>
+          </p:cNvSpPr>
+          <p:nvPr>
+            <p:extLst>
+              <p:ext uri="{386F3935-93C4-4BCD-93E2-E3B085C9AB24}">
+                <p16:designElem xmlns:p16="http://schemas.microsoft.com/office/powerpoint/2015/main" val="1"/>
+              </p:ext>
+            </p:extLst>
+          </p:nvPr>
+        </p:nvSpPr>
+        <p:spPr>
+          <a:xfrm>
+            <a:off x="0" y="0"/>
+            <a:ext cx="12191999" cy="6857365"/>
+          </a:xfrm>
+          <a:prstGeom prst="rect">
+            <a:avLst/>
+          </a:prstGeom>
+          <a:ln>
+            <a:noFill/>
+          </a:ln>
+        </p:spPr>
+        <p:style>
+          <a:lnRef idx="2">
+            <a:schemeClr val="accent1">
+              <a:shade val="50000"/>
+            </a:schemeClr>
+          </a:lnRef>
+          <a:fillRef idx="1">
+            <a:schemeClr val="accent1"/>
+          </a:fillRef>
+          <a:effectRef idx="0">
+            <a:schemeClr val="accent1"/>
+          </a:effectRef>
+          <a:fontRef idx="minor">
+            <a:schemeClr val="lt1"/>
+          </a:fontRef>
+        </p:style>
+        <p:txBody>
+          <a:bodyPr rtlCol="0" anchor="ctr"/>
+          <a:lstStyle/>
+          <a:p>
+            <a:pPr algn="ctr"/>
+            <a:endParaRPr lang="en-US"/>
+          </a:p>
+        </p:txBody>
+      </p:sp>
+      <p:sp>
+        <p:nvSpPr>
+          <p:cNvPr id="2" name="Title 1">
+            <a:extLst>
+              <a:ext uri="{FF2B5EF4-FFF2-40B4-BE49-F238E27FC236}">
+                <a16:creationId xmlns:a16="http://schemas.microsoft.com/office/drawing/2014/main" id="{CD7EFA22-9434-9C54-4752-C35D37326A74}"/>
+              </a:ext>
+            </a:extLst>
+          </p:cNvPr>
+          <p:cNvSpPr>
+            <a:spLocks noGrp="1"/>
+          </p:cNvSpPr>
+          <p:nvPr>
+            <p:ph type="title"/>
+          </p:nvPr>
+        </p:nvSpPr>
+        <p:spPr>
+          <a:xfrm>
+            <a:off x="589560" y="856180"/>
+            <a:ext cx="4560584" cy="1128068"/>
+          </a:xfrm>
+        </p:spPr>
+        <p:txBody>
+          <a:bodyPr anchor="ctr">
+            <a:normAutofit/>
+          </a:bodyPr>
+          <a:lstStyle/>
+          <a:p>
+            <a:r>
+              <a:rPr lang="en-US" sz="4000"/>
+              <a:t>Conclusions</a:t>
+            </a:r>
+          </a:p>
+        </p:txBody>
+      </p:sp>
+      <p:grpSp>
+        <p:nvGrpSpPr>
+          <p:cNvPr id="12" name="Group 11">
+            <a:extLst>
+              <a:ext uri="{FF2B5EF4-FFF2-40B4-BE49-F238E27FC236}">
+                <a16:creationId xmlns:a16="http://schemas.microsoft.com/office/drawing/2014/main" id="{1DE889C7-FAD6-4397-98E2-05D503484459}"/>
+              </a:ext>
+              <a:ext uri="{C183D7F6-B498-43B3-948B-1728B52AA6E4}">
+                <adec:decorative xmlns:adec="http://schemas.microsoft.com/office/drawing/2017/decorative" val="1"/>
+              </a:ext>
+            </a:extLst>
+          </p:cNvPr>
+          <p:cNvGrpSpPr>
+            <a:grpSpLocks noGrp="1" noUngrp="1" noRot="1" noChangeAspect="1" noMove="1" noResize="1"/>
+          </p:cNvGrpSpPr>
+          <p:nvPr>
+            <p:extLst>
+              <p:ext uri="{386F3935-93C4-4BCD-93E2-E3B085C9AB24}">
+                <p16:designElem xmlns:p16="http://schemas.microsoft.com/office/powerpoint/2015/main" val="1"/>
+              </p:ext>
+            </p:extLst>
+          </p:nvPr>
+        </p:nvGrpSpPr>
+        <p:grpSpPr>
+          <a:xfrm>
+            <a:off x="0" y="1083484"/>
+            <a:ext cx="355196" cy="673460"/>
+            <a:chOff x="0" y="823811"/>
+            <a:chExt cx="355196" cy="673460"/>
+          </a:xfrm>
+        </p:grpSpPr>
+        <p:sp>
+          <p:nvSpPr>
+            <p:cNvPr id="13" name="Rectangle 12">
+              <a:extLst>
+                <a:ext uri="{FF2B5EF4-FFF2-40B4-BE49-F238E27FC236}">
+                  <a16:creationId xmlns:a16="http://schemas.microsoft.com/office/drawing/2014/main" id="{F399A70F-F8CD-4992-9EF5-6CF15472E73F}"/>
+                </a:ext>
+                <a:ext uri="{C183D7F6-B498-43B3-948B-1728B52AA6E4}">
+                  <adec:decorative xmlns:adec="http://schemas.microsoft.com/office/drawing/2017/decorative" val="1"/>
+                </a:ext>
+              </a:extLst>
+            </p:cNvPr>
+            <p:cNvSpPr/>
+            <p:nvPr>
+              <p:extLst>
+                <p:ext uri="{386F3935-93C4-4BCD-93E2-E3B085C9AB24}">
+                  <p16:designElem xmlns:p16="http://schemas.microsoft.com/office/powerpoint/2015/main" val="1"/>
+                </p:ext>
+              </p:extLst>
+            </p:nvPr>
+          </p:nvSpPr>
+          <p:spPr>
+            <a:xfrm>
+              <a:off x="0" y="823811"/>
+              <a:ext cx="87363" cy="673460"/>
+            </a:xfrm>
+            <a:prstGeom prst="rect">
+              <a:avLst/>
+            </a:prstGeom>
+            <a:solidFill>
+              <a:schemeClr val="accent4"/>
+            </a:solidFill>
+            <a:ln>
+              <a:noFill/>
+            </a:ln>
+          </p:spPr>
+          <p:style>
+            <a:lnRef idx="2">
+              <a:schemeClr val="accent1">
+                <a:shade val="50000"/>
+              </a:schemeClr>
+            </a:lnRef>
+            <a:fillRef idx="1">
+              <a:schemeClr val="accent1"/>
+            </a:fillRef>
+            <a:effectRef idx="0">
+              <a:schemeClr val="accent1"/>
+            </a:effectRef>
+            <a:fontRef idx="minor">
+              <a:schemeClr val="lt1"/>
+            </a:fontRef>
+          </p:style>
+          <p:txBody>
+            <a:bodyPr rtlCol="0" anchor="ctr"/>
+            <a:lstStyle/>
+            <a:p>
+              <a:pPr algn="ctr"/>
+              <a:endParaRPr lang="en-US"/>
+            </a:p>
+          </p:txBody>
+        </p:sp>
+        <p:sp>
+          <p:nvSpPr>
+            <p:cNvPr id="14" name="Rectangle 13">
+              <a:extLst>
+                <a:ext uri="{FF2B5EF4-FFF2-40B4-BE49-F238E27FC236}">
+                  <a16:creationId xmlns:a16="http://schemas.microsoft.com/office/drawing/2014/main" id="{48F4FEDC-6D80-458C-A665-075D9B9500FD}"/>
+                </a:ext>
+                <a:ext uri="{C183D7F6-B498-43B3-948B-1728B52AA6E4}">
+                  <adec:decorative xmlns:adec="http://schemas.microsoft.com/office/drawing/2017/decorative" val="1"/>
+                </a:ext>
+              </a:extLst>
+            </p:cNvPr>
+            <p:cNvSpPr/>
+            <p:nvPr>
+              <p:extLst>
+                <p:ext uri="{386F3935-93C4-4BCD-93E2-E3B085C9AB24}">
+                  <p16:designElem xmlns:p16="http://schemas.microsoft.com/office/powerpoint/2015/main" val="1"/>
+                </p:ext>
+              </p:extLst>
+            </p:nvPr>
+          </p:nvSpPr>
+          <p:spPr>
+            <a:xfrm>
+              <a:off x="159341" y="823811"/>
+              <a:ext cx="195855" cy="673460"/>
+            </a:xfrm>
+            <a:prstGeom prst="rect">
+              <a:avLst/>
+            </a:prstGeom>
+            <a:solidFill>
+              <a:schemeClr val="accent4"/>
+            </a:solidFill>
+            <a:ln>
+              <a:noFill/>
+            </a:ln>
+          </p:spPr>
+          <p:style>
+            <a:lnRef idx="2">
+              <a:schemeClr val="accent1">
+                <a:shade val="50000"/>
+              </a:schemeClr>
+            </a:lnRef>
+            <a:fillRef idx="1">
+              <a:schemeClr val="accent1"/>
+            </a:fillRef>
+            <a:effectRef idx="0">
+              <a:schemeClr val="accent1"/>
+            </a:effectRef>
+            <a:fontRef idx="minor">
+              <a:schemeClr val="lt1"/>
+            </a:fontRef>
+          </p:style>
+          <p:txBody>
+            <a:bodyPr rtlCol="0" anchor="ctr"/>
+            <a:lstStyle/>
+            <a:p>
+              <a:pPr algn="ctr"/>
+              <a:endParaRPr lang="en-US"/>
+            </a:p>
+          </p:txBody>
+        </p:sp>
+      </p:grpSp>
+      <p:sp>
+        <p:nvSpPr>
+          <p:cNvPr id="16" name="Rectangle 15">
+            <a:extLst>
+              <a:ext uri="{FF2B5EF4-FFF2-40B4-BE49-F238E27FC236}">
+                <a16:creationId xmlns:a16="http://schemas.microsoft.com/office/drawing/2014/main" id="{3873B707-463F-40B0-8227-E8CC6C67EB25}"/>
+              </a:ext>
+              <a:ext uri="{C183D7F6-B498-43B3-948B-1728B52AA6E4}">
+                <adec:decorative xmlns:adec="http://schemas.microsoft.com/office/drawing/2017/decorative" val="1"/>
+              </a:ext>
+            </a:extLst>
+          </p:cNvPr>
+          <p:cNvSpPr>
+            <a:spLocks noGrp="1" noRot="1" noChangeAspect="1" noMove="1" noResize="1" noEditPoints="1" noAdjustHandles="1" noChangeArrowheads="1" noChangeShapeType="1" noTextEdit="1"/>
+          </p:cNvSpPr>
+          <p:nvPr>
+            <p:extLst>
+              <p:ext uri="{386F3935-93C4-4BCD-93E2-E3B085C9AB24}">
+                <p16:designElem xmlns:p16="http://schemas.microsoft.com/office/powerpoint/2015/main" val="1"/>
+              </p:ext>
+            </p:extLst>
+          </p:nvPr>
+        </p:nvSpPr>
+        <p:spPr>
+          <a:xfrm flipH="1">
+            <a:off x="665085" y="2090569"/>
+            <a:ext cx="4297680" cy="27432"/>
+          </a:xfrm>
+          <a:prstGeom prst="rect">
+            <a:avLst/>
+          </a:prstGeom>
+          <a:solidFill>
+            <a:schemeClr val="accent4"/>
+          </a:solidFill>
+          <a:ln>
+            <a:noFill/>
+          </a:ln>
+        </p:spPr>
+        <p:style>
+          <a:lnRef idx="2">
+            <a:schemeClr val="accent1">
+              <a:shade val="50000"/>
+            </a:schemeClr>
+          </a:lnRef>
+          <a:fillRef idx="1">
+            <a:schemeClr val="accent1"/>
+          </a:fillRef>
+          <a:effectRef idx="0">
+            <a:schemeClr val="accent1"/>
+          </a:effectRef>
+          <a:fontRef idx="minor">
+            <a:schemeClr val="lt1"/>
+          </a:fontRef>
+        </p:style>
+        <p:txBody>
+          <a:bodyPr rtlCol="0" anchor="ctr"/>
+          <a:lstStyle/>
+          <a:p>
+            <a:pPr algn="ctr"/>
+            <a:endParaRPr lang="en-US"/>
+          </a:p>
+        </p:txBody>
+      </p:sp>
+      <p:sp>
+        <p:nvSpPr>
+          <p:cNvPr id="3" name="Content Placeholder 2">
+            <a:extLst>
+              <a:ext uri="{FF2B5EF4-FFF2-40B4-BE49-F238E27FC236}">
+                <a16:creationId xmlns:a16="http://schemas.microsoft.com/office/drawing/2014/main" id="{F0E09590-DF5A-6107-AE9F-BD6AB7F86D74}"/>
+              </a:ext>
+            </a:extLst>
+          </p:cNvPr>
+          <p:cNvSpPr>
+            <a:spLocks noGrp="1"/>
+          </p:cNvSpPr>
+          <p:nvPr>
+            <p:ph idx="1"/>
+          </p:nvPr>
+        </p:nvSpPr>
+        <p:spPr>
+          <a:xfrm>
+            <a:off x="590719" y="2330505"/>
+            <a:ext cx="4559425" cy="3979585"/>
+          </a:xfrm>
+        </p:spPr>
+        <p:txBody>
+          <a:bodyPr anchor="ctr">
+            <a:normAutofit fontScale="85000" lnSpcReduction="10000"/>
+          </a:bodyPr>
+          <a:lstStyle/>
+          <a:p>
+            <a:r>
+              <a:rPr lang="en-US" sz="2000" dirty="0"/>
+              <a:t>Some Neutrals are more equal than others.</a:t>
+            </a:r>
+          </a:p>
+          <a:p>
+            <a:r>
+              <a:rPr lang="en-US" sz="2000" dirty="0"/>
+              <a:t>But Greek ships actively carried war materials and supplies for the Allies in spite of the country’s early neutrality before the country was attacked.</a:t>
+            </a:r>
+          </a:p>
+          <a:p>
+            <a:r>
+              <a:rPr lang="en-US" sz="2000" dirty="0"/>
+              <a:t>Air Attacks played a key role in the destruction of the Greek merchant fleet.</a:t>
+            </a:r>
+          </a:p>
+          <a:p>
+            <a:r>
+              <a:rPr lang="en-US" sz="2000" dirty="0"/>
+              <a:t>Dataset-derived information can play a key role in understanding events.</a:t>
+            </a:r>
+          </a:p>
+          <a:p>
+            <a:r>
+              <a:rPr lang="en-US" sz="2000" dirty="0"/>
+              <a:t>Beyond the data, there are faces and names, and wives, sons, daughters . . . And Grandsons.</a:t>
+            </a:r>
+          </a:p>
+          <a:p>
+            <a:r>
+              <a:rPr lang="en-US" sz="2000" dirty="0"/>
+              <a:t>Alexandros Constantinou </a:t>
+            </a:r>
+            <a:r>
+              <a:rPr lang="en-US" sz="2000" dirty="0" err="1"/>
+              <a:t>Billinis</a:t>
+            </a:r>
+            <a:r>
+              <a:rPr lang="en-US" sz="2000" dirty="0"/>
+              <a:t>, martyred at sea February 6, 1942.</a:t>
+            </a:r>
+          </a:p>
+        </p:txBody>
+      </p:sp>
+      <p:sp>
+        <p:nvSpPr>
+          <p:cNvPr id="18" name="Rectangle 17">
+            <a:extLst>
+              <a:ext uri="{FF2B5EF4-FFF2-40B4-BE49-F238E27FC236}">
+                <a16:creationId xmlns:a16="http://schemas.microsoft.com/office/drawing/2014/main" id="{C13237C8-E62C-4F0D-A318-BD6FB6C2D138}"/>
+              </a:ext>
+              <a:ext uri="{C183D7F6-B498-43B3-948B-1728B52AA6E4}">
+                <adec:decorative xmlns:adec="http://schemas.microsoft.com/office/drawing/2017/decorative" val="1"/>
+              </a:ext>
+            </a:extLst>
+          </p:cNvPr>
+          <p:cNvSpPr>
+            <a:spLocks noGrp="1" noRot="1" noChangeAspect="1" noMove="1" noResize="1" noEditPoints="1" noAdjustHandles="1" noChangeArrowheads="1" noChangeShapeType="1" noTextEdit="1"/>
+          </p:cNvSpPr>
+          <p:nvPr>
+            <p:extLst>
+              <p:ext uri="{386F3935-93C4-4BCD-93E2-E3B085C9AB24}">
+                <p16:designElem xmlns:p16="http://schemas.microsoft.com/office/powerpoint/2015/main" val="1"/>
+              </p:ext>
+            </p:extLst>
+          </p:nvPr>
+        </p:nvSpPr>
+        <p:spPr>
+          <a:xfrm flipH="1">
+            <a:off x="10697670" y="0"/>
+            <a:ext cx="1494330" cy="6858000"/>
+          </a:xfrm>
+          <a:prstGeom prst="rect">
+            <a:avLst/>
+          </a:prstGeom>
+          <a:solidFill>
+            <a:schemeClr val="accent4"/>
+          </a:solidFill>
+          <a:ln>
+            <a:noFill/>
+          </a:ln>
+        </p:spPr>
+        <p:style>
+          <a:lnRef idx="2">
+            <a:schemeClr val="accent1">
+              <a:shade val="50000"/>
+            </a:schemeClr>
+          </a:lnRef>
+          <a:fillRef idx="1">
+            <a:schemeClr val="accent1"/>
+          </a:fillRef>
+          <a:effectRef idx="0">
+            <a:schemeClr val="accent1"/>
+          </a:effectRef>
+          <a:fontRef idx="minor">
+            <a:schemeClr val="lt1"/>
+          </a:fontRef>
+        </p:style>
+        <p:txBody>
+          <a:bodyPr rtlCol="0" anchor="ctr"/>
+          <a:lstStyle/>
+          <a:p>
+            <a:pPr algn="ctr"/>
+            <a:endParaRPr lang="en-US"/>
+          </a:p>
+        </p:txBody>
+      </p:sp>
+      <p:sp>
+        <p:nvSpPr>
+          <p:cNvPr id="20" name="Rectangle 19">
+            <a:extLst>
+              <a:ext uri="{FF2B5EF4-FFF2-40B4-BE49-F238E27FC236}">
+                <a16:creationId xmlns:a16="http://schemas.microsoft.com/office/drawing/2014/main" id="{19C9EAEA-39D0-4B0E-A0EB-51E7B26740B1}"/>
+              </a:ext>
+              <a:ext uri="{C183D7F6-B498-43B3-948B-1728B52AA6E4}">
+                <adec:decorative xmlns:adec="http://schemas.microsoft.com/office/drawing/2017/decorative" val="1"/>
+              </a:ext>
+            </a:extLst>
+          </p:cNvPr>
+          <p:cNvSpPr>
+            <a:spLocks noGrp="1" noRot="1" noChangeAspect="1" noMove="1" noResize="1" noEditPoints="1" noAdjustHandles="1" noChangeArrowheads="1" noChangeShapeType="1" noTextEdit="1"/>
+          </p:cNvSpPr>
+          <p:nvPr>
+            <p:extLst>
+              <p:ext uri="{386F3935-93C4-4BCD-93E2-E3B085C9AB24}">
+                <p16:designElem xmlns:p16="http://schemas.microsoft.com/office/powerpoint/2015/main" val="1"/>
+              </p:ext>
+            </p:extLst>
+          </p:nvPr>
+        </p:nvSpPr>
+        <p:spPr>
+          <a:xfrm>
+            <a:off x="5685810" y="513853"/>
+            <a:ext cx="6009366" cy="5834577"/>
+          </a:xfrm>
+          <a:prstGeom prst="rect">
+            <a:avLst/>
+          </a:prstGeom>
+          <a:solidFill>
+            <a:schemeClr val="bg1"/>
+          </a:solidFill>
+          <a:ln>
+            <a:noFill/>
+          </a:ln>
+          <a:effectLst>
+            <a:outerShdw blurRad="139700" dist="127000" dir="5400000" algn="t" rotWithShape="0">
+              <a:prstClr val="black">
+                <a:alpha val="15000"/>
+              </a:prstClr>
+            </a:outerShdw>
+          </a:effectLst>
+        </p:spPr>
+        <p:style>
+          <a:lnRef idx="2">
+            <a:schemeClr val="accent1">
+              <a:shade val="50000"/>
+            </a:schemeClr>
+          </a:lnRef>
+          <a:fillRef idx="1">
+            <a:schemeClr val="accent1"/>
+          </a:fillRef>
+          <a:effectRef idx="0">
+            <a:schemeClr val="accent1"/>
+          </a:effectRef>
+          <a:fontRef idx="minor">
+            <a:schemeClr val="lt1"/>
+          </a:fontRef>
+        </p:style>
+        <p:txBody>
+          <a:bodyPr rtlCol="0" anchor="ctr"/>
+          <a:lstStyle/>
+          <a:p>
+            <a:pPr algn="ctr"/>
+            <a:endParaRPr lang="en-US"/>
+          </a:p>
+        </p:txBody>
+      </p:sp>
+      <p:pic>
+        <p:nvPicPr>
+          <p:cNvPr id="5" name="Picture 4">
+            <a:extLst>
+              <a:ext uri="{FF2B5EF4-FFF2-40B4-BE49-F238E27FC236}">
+                <a16:creationId xmlns:a16="http://schemas.microsoft.com/office/drawing/2014/main" id="{A44EBEC8-E330-F214-2CB3-143898653393}"/>
+              </a:ext>
+            </a:extLst>
+          </p:cNvPr>
+          <p:cNvPicPr>
+            <a:picLocks noChangeAspect="1"/>
+          </p:cNvPicPr>
+          <p:nvPr/>
+        </p:nvPicPr>
+        <p:blipFill rotWithShape="1">
+          <a:blip r:embed="rId2"/>
+          <a:srcRect t="1531" r="-1" b="1530"/>
+          <a:stretch/>
+        </p:blipFill>
+        <p:spPr>
+          <a:xfrm>
+            <a:off x="5977788" y="799352"/>
+            <a:ext cx="5425410" cy="5259296"/>
+          </a:xfrm>
+          <a:prstGeom prst="rect">
+            <a:avLst/>
+          </a:prstGeom>
+        </p:spPr>
+      </p:pic>
+    </p:spTree>
+    <p:extLst>
+      <p:ext uri="{BB962C8B-B14F-4D97-AF65-F5344CB8AC3E}">
+        <p14:creationId xmlns:p14="http://schemas.microsoft.com/office/powerpoint/2010/main" val="1775625063"/>
+      </p:ext>
+    </p:extLst>
+  </p:cSld>
+  <p:clrMapOvr>
+    <a:masterClrMapping/>
+  </p:clrMapOvr>
+</p:sld>
+</file>
+
+<file path=ppt/slides/slide2.xml><?xml version="1.0" encoding="utf-8"?>
+<p:sld xmlns:a="http://schemas.openxmlformats.org/drawingml/2006/main" xmlns:r="http://schemas.openxmlformats.org/officeDocument/2006/relationships" xmlns:p="http://schemas.openxmlformats.org/presentationml/2006/main">
+  <p:cSld>
+    <p:bg>
+      <p:bgPr>
+        <a:solidFill>
+          <a:schemeClr val="bg1"/>
+        </a:solidFill>
+        <a:effectLst/>
+      </p:bgPr>
+    </p:bg>
+    <p:spTree>
+      <p:nvGrpSpPr>
+        <p:cNvPr id="1" name=""/>
+        <p:cNvGrpSpPr/>
+        <p:nvPr/>
+      </p:nvGrpSpPr>
+      <p:grpSpPr>
+        <a:xfrm>
+          <a:off x="0" y="0"/>
+          <a:ext cx="0" cy="0"/>
+          <a:chOff x="0" y="0"/>
+          <a:chExt cx="0" cy="0"/>
+        </a:xfrm>
+      </p:grpSpPr>
+      <p:sp useBgFill="1">
+        <p:nvSpPr>
+          <p:cNvPr id="12" name="Rectangle 11">
+            <a:extLst>
+              <a:ext uri="{FF2B5EF4-FFF2-40B4-BE49-F238E27FC236}">
+                <a16:creationId xmlns:a16="http://schemas.microsoft.com/office/drawing/2014/main" id="{058A14AF-9FB5-4CC7-BA35-E8E85D3EDF0E}"/>
+              </a:ext>
+              <a:ext uri="{C183D7F6-B498-43B3-948B-1728B52AA6E4}">
+                <adec:decorative xmlns:adec="http://schemas.microsoft.com/office/drawing/2017/decorative" val="1"/>
+              </a:ext>
+            </a:extLst>
+          </p:cNvPr>
+          <p:cNvSpPr>
+            <a:spLocks noGrp="1" noRot="1" noChangeAspect="1" noMove="1" noResize="1" noEditPoints="1" noAdjustHandles="1" noChangeArrowheads="1" noChangeShapeType="1" noTextEdit="1"/>
+          </p:cNvSpPr>
+          <p:nvPr>
+            <p:extLst>
+              <p:ext uri="{386F3935-93C4-4BCD-93E2-E3B085C9AB24}">
+                <p16:designElem xmlns:p16="http://schemas.microsoft.com/office/powerpoint/2015/main" val="1"/>
+              </p:ext>
+            </p:extLst>
+          </p:nvPr>
+        </p:nvSpPr>
+        <p:spPr>
+          <a:xfrm>
+            <a:off x="0" y="0"/>
+            <a:ext cx="12191999" cy="6857365"/>
+          </a:xfrm>
+          <a:prstGeom prst="rect">
+            <a:avLst/>
+          </a:prstGeom>
+          <a:ln>
+            <a:noFill/>
+          </a:ln>
+        </p:spPr>
+        <p:style>
+          <a:lnRef idx="2">
+            <a:schemeClr val="accent1">
+              <a:shade val="50000"/>
+            </a:schemeClr>
+          </a:lnRef>
+          <a:fillRef idx="1">
+            <a:schemeClr val="accent1"/>
+          </a:fillRef>
+          <a:effectRef idx="0">
+            <a:schemeClr val="accent1"/>
+          </a:effectRef>
+          <a:fontRef idx="minor">
+            <a:schemeClr val="lt1"/>
+          </a:fontRef>
+        </p:style>
+        <p:txBody>
+          <a:bodyPr rtlCol="0" anchor="ctr"/>
+          <a:lstStyle/>
+          <a:p>
+            <a:pPr algn="ctr"/>
+            <a:endParaRPr lang="en-US"/>
+          </a:p>
+        </p:txBody>
+      </p:sp>
+      <p:sp>
+        <p:nvSpPr>
+          <p:cNvPr id="2" name="Title 1">
+            <a:extLst>
+              <a:ext uri="{FF2B5EF4-FFF2-40B4-BE49-F238E27FC236}">
+                <a16:creationId xmlns:a16="http://schemas.microsoft.com/office/drawing/2014/main" id="{38083BA3-550C-396B-1B76-57A9D7A6C473}"/>
+              </a:ext>
+            </a:extLst>
+          </p:cNvPr>
+          <p:cNvSpPr>
+            <a:spLocks noGrp="1"/>
+          </p:cNvSpPr>
+          <p:nvPr>
+            <p:ph type="title"/>
+          </p:nvPr>
+        </p:nvSpPr>
+        <p:spPr>
+          <a:xfrm>
+            <a:off x="793662" y="386930"/>
+            <a:ext cx="10066122" cy="1298448"/>
+          </a:xfrm>
+        </p:spPr>
+        <p:txBody>
+          <a:bodyPr anchor="b">
+            <a:normAutofit/>
+          </a:bodyPr>
+          <a:lstStyle/>
+          <a:p>
+            <a:r>
+              <a:rPr lang="en-US" sz="4100"/>
+              <a:t>The Dataset: Greek Merchant Ships Sunk in World War Two</a:t>
+            </a:r>
+          </a:p>
+        </p:txBody>
+      </p:sp>
+      <p:sp>
+        <p:nvSpPr>
+          <p:cNvPr id="14" name="Rectangle 13">
+            <a:extLst>
+              <a:ext uri="{FF2B5EF4-FFF2-40B4-BE49-F238E27FC236}">
+                <a16:creationId xmlns:a16="http://schemas.microsoft.com/office/drawing/2014/main" id="{3A9A4357-BD1D-4622-A4FE-766E6AB8DE84}"/>
+              </a:ext>
+              <a:ext uri="{C183D7F6-B498-43B3-948B-1728B52AA6E4}">
+                <adec:decorative xmlns:adec="http://schemas.microsoft.com/office/drawing/2017/decorative" val="1"/>
+              </a:ext>
+            </a:extLst>
+          </p:cNvPr>
+          <p:cNvSpPr>
+            <a:spLocks noGrp="1" noRot="1" noChangeAspect="1" noMove="1" noResize="1" noEditPoints="1" noAdjustHandles="1" noChangeArrowheads="1" noChangeShapeType="1" noTextEdit="1"/>
+          </p:cNvSpPr>
+          <p:nvPr>
+            <p:extLst>
+              <p:ext uri="{386F3935-93C4-4BCD-93E2-E3B085C9AB24}">
+                <p16:designElem xmlns:p16="http://schemas.microsoft.com/office/powerpoint/2015/main" val="1"/>
+              </p:ext>
+            </p:extLst>
+          </p:nvPr>
+        </p:nvSpPr>
+        <p:spPr>
+          <a:xfrm flipH="1" flipV="1">
+            <a:off x="-2" y="1998845"/>
+            <a:ext cx="11454595" cy="781699"/>
+          </a:xfrm>
+          <a:prstGeom prst="rect">
+            <a:avLst/>
+          </a:prstGeom>
+          <a:solidFill>
+            <a:schemeClr val="accent4"/>
+          </a:solidFill>
+          <a:ln>
+            <a:noFill/>
+          </a:ln>
+        </p:spPr>
+        <p:style>
+          <a:lnRef idx="2">
+            <a:schemeClr val="accent1">
+              <a:shade val="50000"/>
+            </a:schemeClr>
+          </a:lnRef>
+          <a:fillRef idx="1">
+            <a:schemeClr val="accent1"/>
+          </a:fillRef>
+          <a:effectRef idx="0">
+            <a:schemeClr val="accent1"/>
+          </a:effectRef>
+          <a:fontRef idx="minor">
+            <a:schemeClr val="lt1"/>
+          </a:fontRef>
+        </p:style>
+        <p:txBody>
+          <a:bodyPr rtlCol="0" anchor="ctr"/>
+          <a:lstStyle/>
+          <a:p>
+            <a:pPr algn="ctr"/>
+            <a:endParaRPr lang="en-US"/>
+          </a:p>
+        </p:txBody>
+      </p:sp>
+      <p:sp>
+        <p:nvSpPr>
+          <p:cNvPr id="16" name="Rectangle 15">
+            <a:extLst>
+              <a:ext uri="{FF2B5EF4-FFF2-40B4-BE49-F238E27FC236}">
+                <a16:creationId xmlns:a16="http://schemas.microsoft.com/office/drawing/2014/main" id="{E659831F-0D9A-4C63-9EBB-8435B85A440F}"/>
+              </a:ext>
+              <a:ext uri="{C183D7F6-B498-43B3-948B-1728B52AA6E4}">
+                <adec:decorative xmlns:adec="http://schemas.microsoft.com/office/drawing/2017/decorative" val="1"/>
+              </a:ext>
+            </a:extLst>
+          </p:cNvPr>
+          <p:cNvSpPr>
+            <a:spLocks noGrp="1" noRot="1" noChangeAspect="1" noMove="1" noResize="1" noEditPoints="1" noAdjustHandles="1" noChangeArrowheads="1" noChangeShapeType="1" noTextEdit="1"/>
+          </p:cNvSpPr>
+          <p:nvPr>
+            <p:extLst>
+              <p:ext uri="{386F3935-93C4-4BCD-93E2-E3B085C9AB24}">
+                <p16:designElem xmlns:p16="http://schemas.microsoft.com/office/powerpoint/2015/main" val="1"/>
+              </p:ext>
+            </p:extLst>
+          </p:nvPr>
+        </p:nvSpPr>
+        <p:spPr>
+          <a:xfrm>
+            <a:off x="0" y="2203079"/>
+            <a:ext cx="11383362" cy="4267991"/>
+          </a:xfrm>
+          <a:prstGeom prst="rect">
+            <a:avLst/>
+          </a:prstGeom>
+          <a:solidFill>
+            <a:schemeClr val="bg1"/>
+          </a:solidFill>
+          <a:ln>
+            <a:noFill/>
+          </a:ln>
+          <a:effectLst>
+            <a:outerShdw blurRad="139700" dist="127000" dir="5400000" algn="t" rotWithShape="0">
+              <a:prstClr val="black">
+                <a:alpha val="15000"/>
+              </a:prstClr>
+            </a:outerShdw>
+          </a:effectLst>
+        </p:spPr>
+        <p:style>
+          <a:lnRef idx="2">
+            <a:schemeClr val="accent1">
+              <a:shade val="50000"/>
+            </a:schemeClr>
+          </a:lnRef>
+          <a:fillRef idx="1">
+            <a:schemeClr val="accent1"/>
+          </a:fillRef>
+          <a:effectRef idx="0">
+            <a:schemeClr val="accent1"/>
+          </a:effectRef>
+          <a:fontRef idx="minor">
+            <a:schemeClr val="lt1"/>
+          </a:fontRef>
+        </p:style>
+        <p:txBody>
+          <a:bodyPr rtlCol="0" anchor="ctr"/>
+          <a:lstStyle/>
+          <a:p>
+            <a:pPr algn="ctr"/>
+            <a:endParaRPr lang="en-US"/>
+          </a:p>
+        </p:txBody>
+      </p:sp>
+      <p:sp>
+        <p:nvSpPr>
+          <p:cNvPr id="9" name="Content Placeholder 8">
+            <a:extLst>
+              <a:ext uri="{FF2B5EF4-FFF2-40B4-BE49-F238E27FC236}">
+                <a16:creationId xmlns:a16="http://schemas.microsoft.com/office/drawing/2014/main" id="{BA06B507-9BC0-6F3A-2629-4B2E650A004D}"/>
+              </a:ext>
+            </a:extLst>
+          </p:cNvPr>
+          <p:cNvSpPr>
+            <a:spLocks noGrp="1"/>
+          </p:cNvSpPr>
+          <p:nvPr>
+            <p:ph idx="1"/>
+          </p:nvPr>
+        </p:nvSpPr>
+        <p:spPr>
+          <a:xfrm>
+            <a:off x="793661" y="2599509"/>
+            <a:ext cx="4530898" cy="3639450"/>
+          </a:xfrm>
+        </p:spPr>
+        <p:txBody>
+          <a:bodyPr anchor="ctr">
+            <a:normAutofit/>
+          </a:bodyPr>
+          <a:lstStyle/>
+          <a:p>
+            <a:r>
+              <a:rPr lang="en-US" sz="2000" dirty="0"/>
+              <a:t>Though Neutral until 1940/1941, Greek Ships were attacked.</a:t>
+            </a:r>
+          </a:p>
+          <a:p>
+            <a:r>
+              <a:rPr lang="en-US" sz="2000" dirty="0"/>
+              <a:t>American Ships were rarely attacked while America was neutral.</a:t>
+            </a:r>
+          </a:p>
+          <a:p>
+            <a:r>
+              <a:rPr lang="en-US" sz="2000" dirty="0"/>
+              <a:t>Why the Difference? What do the Historiography and Narratives say?</a:t>
+            </a:r>
+          </a:p>
+          <a:p>
+            <a:r>
+              <a:rPr lang="en-US" sz="2000" dirty="0"/>
+              <a:t>What was the role of Aerial Bombing?</a:t>
+            </a:r>
+          </a:p>
+          <a:p>
+            <a:r>
+              <a:rPr lang="en-US" sz="2000" dirty="0"/>
+              <a:t>Some quick figures.</a:t>
+            </a:r>
+          </a:p>
+          <a:p>
+            <a:r>
+              <a:rPr lang="en-US" sz="2000" dirty="0"/>
+              <a:t>Conclusions . . . .</a:t>
+            </a:r>
+          </a:p>
+          <a:p>
+            <a:endParaRPr lang="en-US" sz="2000" dirty="0"/>
+          </a:p>
+        </p:txBody>
+      </p:sp>
+      <p:pic>
+        <p:nvPicPr>
+          <p:cNvPr id="5" name="Content Placeholder 4">
+            <a:extLst>
+              <a:ext uri="{FF2B5EF4-FFF2-40B4-BE49-F238E27FC236}">
+                <a16:creationId xmlns:a16="http://schemas.microsoft.com/office/drawing/2014/main" id="{A82DEA8A-7C3F-3005-AB49-2689DBE5C565}"/>
+              </a:ext>
+            </a:extLst>
+          </p:cNvPr>
+          <p:cNvPicPr>
+            <a:picLocks noChangeAspect="1"/>
+          </p:cNvPicPr>
+          <p:nvPr/>
+        </p:nvPicPr>
+        <p:blipFill>
+          <a:blip r:embed="rId2"/>
+          <a:stretch>
+            <a:fillRect/>
+          </a:stretch>
+        </p:blipFill>
+        <p:spPr>
+          <a:xfrm>
+            <a:off x="5911532" y="2558094"/>
+            <a:ext cx="5150277" cy="3566565"/>
+          </a:xfrm>
+          <a:prstGeom prst="rect">
+            <a:avLst/>
+          </a:prstGeom>
+        </p:spPr>
+      </p:pic>
+      <p:sp>
+        <p:nvSpPr>
+          <p:cNvPr id="18" name="Rectangle 17">
+            <a:extLst>
+              <a:ext uri="{FF2B5EF4-FFF2-40B4-BE49-F238E27FC236}">
+                <a16:creationId xmlns:a16="http://schemas.microsoft.com/office/drawing/2014/main" id="{E6995CE5-F890-4ABA-82A2-26507CE8D2A3}"/>
+              </a:ext>
+              <a:ext uri="{C183D7F6-B498-43B3-948B-1728B52AA6E4}">
+                <adec:decorative xmlns:adec="http://schemas.microsoft.com/office/drawing/2017/decorative" val="1"/>
+              </a:ext>
+            </a:extLst>
+          </p:cNvPr>
+          <p:cNvSpPr>
+            <a:spLocks noGrp="1" noRot="1" noChangeAspect="1" noMove="1" noResize="1" noEditPoints="1" noAdjustHandles="1" noChangeArrowheads="1" noChangeShapeType="1" noTextEdit="1"/>
+          </p:cNvSpPr>
+          <p:nvPr>
+            <p:extLst>
+              <p:ext uri="{386F3935-93C4-4BCD-93E2-E3B085C9AB24}">
+                <p16:designElem xmlns:p16="http://schemas.microsoft.com/office/powerpoint/2015/main" val="1"/>
+              </p:ext>
+            </p:extLst>
+          </p:nvPr>
+        </p:nvSpPr>
+        <p:spPr>
+          <a:xfrm rot="5400000">
+            <a:off x="11228040" y="2313027"/>
+            <a:ext cx="781700" cy="152382"/>
+          </a:xfrm>
+          <a:prstGeom prst="rect">
+            <a:avLst/>
+          </a:prstGeom>
+          <a:solidFill>
+            <a:schemeClr val="accent4"/>
+          </a:solidFill>
+          <a:ln>
+            <a:noFill/>
+          </a:ln>
+        </p:spPr>
+        <p:style>
+          <a:lnRef idx="2">
+            <a:schemeClr val="accent1">
+              <a:shade val="50000"/>
+            </a:schemeClr>
+          </a:lnRef>
+          <a:fillRef idx="1">
+            <a:schemeClr val="accent1"/>
+          </a:fillRef>
+          <a:effectRef idx="0">
+            <a:schemeClr val="accent1"/>
+          </a:effectRef>
+          <a:fontRef idx="minor">
+            <a:schemeClr val="lt1"/>
+          </a:fontRef>
+        </p:style>
+        <p:txBody>
+          <a:bodyPr rtlCol="0" anchor="ctr"/>
+          <a:lstStyle/>
+          <a:p>
+            <a:pPr algn="ctr"/>
+            <a:endParaRPr lang="en-US"/>
+          </a:p>
+        </p:txBody>
+      </p:sp>
+    </p:spTree>
+    <p:extLst>
+      <p:ext uri="{BB962C8B-B14F-4D97-AF65-F5344CB8AC3E}">
+        <p14:creationId xmlns:p14="http://schemas.microsoft.com/office/powerpoint/2010/main" val="1415010200"/>
+      </p:ext>
+    </p:extLst>
+  </p:cSld>
+  <p:clrMapOvr>
+    <a:masterClrMapping/>
+  </p:clrMapOvr>
+</p:sld>
+</file>
+
+<file path=ppt/slides/slide3.xml><?xml version="1.0" encoding="utf-8"?>
+<p:sld xmlns:a="http://schemas.openxmlformats.org/drawingml/2006/main" xmlns:r="http://schemas.openxmlformats.org/officeDocument/2006/relationships" xmlns:p="http://schemas.openxmlformats.org/presentationml/2006/main">
+  <p:cSld>
+    <p:bg>
+      <p:bgPr>
+        <a:solidFill>
+          <a:schemeClr val="bg1"/>
+        </a:solidFill>
+        <a:effectLst/>
+      </p:bgPr>
+    </p:bg>
+    <p:spTree>
+      <p:nvGrpSpPr>
+        <p:cNvPr id="1" name=""/>
+        <p:cNvGrpSpPr/>
+        <p:nvPr/>
+      </p:nvGrpSpPr>
+      <p:grpSpPr>
+        <a:xfrm>
+          <a:off x="0" y="0"/>
+          <a:ext cx="0" cy="0"/>
+          <a:chOff x="0" y="0"/>
+          <a:chExt cx="0" cy="0"/>
+        </a:xfrm>
+      </p:grpSpPr>
+      <p:sp useBgFill="1">
+        <p:nvSpPr>
+          <p:cNvPr id="9" name="Rectangle 8">
+            <a:extLst>
+              <a:ext uri="{FF2B5EF4-FFF2-40B4-BE49-F238E27FC236}">
+                <a16:creationId xmlns:a16="http://schemas.microsoft.com/office/drawing/2014/main" id="{19D32F93-50AC-4C46-A5DB-291C60DDB7BD}"/>
+              </a:ext>
+              <a:ext uri="{C183D7F6-B498-43B3-948B-1728B52AA6E4}">
+                <adec:decorative xmlns:adec="http://schemas.microsoft.com/office/drawing/2017/decorative" val="1"/>
+              </a:ext>
+            </a:extLst>
+          </p:cNvPr>
+          <p:cNvSpPr>
+            <a:spLocks noGrp="1" noRot="1" noChangeAspect="1" noMove="1" noResize="1" noEditPoints="1" noAdjustHandles="1" noChangeArrowheads="1" noChangeShapeType="1" noTextEdit="1"/>
+          </p:cNvSpPr>
+          <p:nvPr>
+            <p:extLst>
+              <p:ext uri="{386F3935-93C4-4BCD-93E2-E3B085C9AB24}">
+                <p16:designElem xmlns:p16="http://schemas.microsoft.com/office/powerpoint/2015/main" val="1"/>
+              </p:ext>
+            </p:extLst>
+          </p:nvPr>
+        </p:nvSpPr>
+        <p:spPr>
+          <a:xfrm>
+            <a:off x="0" y="0"/>
+            <a:ext cx="12192000" cy="6858000"/>
+          </a:xfrm>
+          <a:prstGeom prst="rect">
+            <a:avLst/>
+          </a:prstGeom>
+          <a:ln>
+            <a:noFill/>
+          </a:ln>
+        </p:spPr>
+        <p:style>
+          <a:lnRef idx="2">
+            <a:schemeClr val="accent1">
+              <a:shade val="50000"/>
+            </a:schemeClr>
+          </a:lnRef>
+          <a:fillRef idx="1">
+            <a:schemeClr val="accent1"/>
+          </a:fillRef>
+          <a:effectRef idx="0">
+            <a:schemeClr val="accent1"/>
+          </a:effectRef>
+          <a:fontRef idx="minor">
+            <a:schemeClr val="lt1"/>
+          </a:fontRef>
+        </p:style>
+        <p:txBody>
+          <a:bodyPr rtlCol="0" anchor="ctr"/>
+          <a:lstStyle/>
+          <a:p>
+            <a:pPr algn="ctr"/>
+            <a:endParaRPr lang="en-US"/>
+          </a:p>
+        </p:txBody>
+      </p:sp>
+      <p:sp>
+        <p:nvSpPr>
+          <p:cNvPr id="11" name="Freeform: Shape 10">
+            <a:extLst>
+              <a:ext uri="{FF2B5EF4-FFF2-40B4-BE49-F238E27FC236}">
+                <a16:creationId xmlns:a16="http://schemas.microsoft.com/office/drawing/2014/main" id="{86FD7672-78BE-4D6F-A711-2CDB79B52DFF}"/>
+              </a:ext>
+              <a:ext uri="{C183D7F6-B498-43B3-948B-1728B52AA6E4}">
+                <adec:decorative xmlns:adec="http://schemas.microsoft.com/office/drawing/2017/decorative" val="1"/>
+              </a:ext>
+            </a:extLst>
+          </p:cNvPr>
+          <p:cNvSpPr>
+            <a:spLocks noGrp="1" noRot="1" noChangeAspect="1" noMove="1" noResize="1" noEditPoints="1" noAdjustHandles="1" noChangeArrowheads="1" noChangeShapeType="1" noTextEdit="1"/>
+          </p:cNvSpPr>
+          <p:nvPr>
+            <p:extLst>
+              <p:ext uri="{386F3935-93C4-4BCD-93E2-E3B085C9AB24}">
+                <p16:designElem xmlns:p16="http://schemas.microsoft.com/office/powerpoint/2015/main" val="1"/>
+              </p:ext>
+            </p:extLst>
+          </p:nvPr>
+        </p:nvSpPr>
+        <p:spPr>
+          <a:xfrm>
+            <a:off x="7544662" y="323519"/>
+            <a:ext cx="4323899" cy="6212748"/>
+          </a:xfrm>
+          <a:custGeom>
+            <a:avLst/>
+            <a:gdLst>
+              <a:gd name="connsiteX0" fmla="*/ 0 w 4323899"/>
+              <a:gd name="connsiteY0" fmla="*/ 0 h 6212748"/>
+              <a:gd name="connsiteX1" fmla="*/ 742501 w 4323899"/>
+              <a:gd name="connsiteY1" fmla="*/ 0 h 6212748"/>
+              <a:gd name="connsiteX2" fmla="*/ 4323899 w 4323899"/>
+              <a:gd name="connsiteY2" fmla="*/ 0 h 6212748"/>
+              <a:gd name="connsiteX3" fmla="*/ 4323899 w 4323899"/>
+              <a:gd name="connsiteY3" fmla="*/ 2864954 h 6212748"/>
+              <a:gd name="connsiteX4" fmla="*/ 880454 w 4323899"/>
+              <a:gd name="connsiteY4" fmla="*/ 6212748 h 6212748"/>
+              <a:gd name="connsiteX5" fmla="*/ 0 w 4323899"/>
+              <a:gd name="connsiteY5" fmla="*/ 6212748 h 6212748"/>
+              <a:gd name="connsiteX6" fmla="*/ 0 w 4323899"/>
+              <a:gd name="connsiteY6" fmla="*/ 6210962 h 6212748"/>
+            </a:gdLst>
+            <a:ahLst/>
+            <a:cxnLst>
+              <a:cxn ang="0">
+                <a:pos x="connsiteX0" y="connsiteY0"/>
+              </a:cxn>
+              <a:cxn ang="0">
+                <a:pos x="connsiteX1" y="connsiteY1"/>
+              </a:cxn>
+              <a:cxn ang="0">
+                <a:pos x="connsiteX2" y="connsiteY2"/>
+              </a:cxn>
+              <a:cxn ang="0">
+                <a:pos x="connsiteX3" y="connsiteY3"/>
+              </a:cxn>
+              <a:cxn ang="0">
+                <a:pos x="connsiteX4" y="connsiteY4"/>
+              </a:cxn>
+              <a:cxn ang="0">
+                <a:pos x="connsiteX5" y="connsiteY5"/>
+              </a:cxn>
+              <a:cxn ang="0">
+                <a:pos x="connsiteX6" y="connsiteY6"/>
+              </a:cxn>
+            </a:cxnLst>
+            <a:rect l="l" t="t" r="r" b="b"/>
+            <a:pathLst>
+              <a:path w="4323899" h="6212748">
+                <a:moveTo>
+                  <a:pt x="0" y="0"/>
+                </a:moveTo>
+                <a:lnTo>
+                  <a:pt x="742501" y="0"/>
+                </a:lnTo>
+                <a:lnTo>
+                  <a:pt x="4323899" y="0"/>
+                </a:lnTo>
+                <a:lnTo>
+                  <a:pt x="4323899" y="2864954"/>
+                </a:lnTo>
+                <a:lnTo>
+                  <a:pt x="880454" y="6212748"/>
+                </a:lnTo>
+                <a:lnTo>
+                  <a:pt x="0" y="6212748"/>
+                </a:lnTo>
+                <a:lnTo>
+                  <a:pt x="0" y="6210962"/>
+                </a:lnTo>
+                <a:close/>
+              </a:path>
+            </a:pathLst>
+          </a:custGeom>
+          <a:solidFill>
+            <a:schemeClr val="tx1">
+              <a:lumMod val="50000"/>
+              <a:lumOff val="50000"/>
+              <a:alpha val="25000"/>
+            </a:schemeClr>
+          </a:solidFill>
+          <a:ln>
+            <a:noFill/>
+          </a:ln>
+        </p:spPr>
+        <p:style>
+          <a:lnRef idx="2">
+            <a:schemeClr val="accent1">
+              <a:shade val="50000"/>
+            </a:schemeClr>
+          </a:lnRef>
+          <a:fillRef idx="1">
+            <a:schemeClr val="accent1"/>
+          </a:fillRef>
+          <a:effectRef idx="0">
+            <a:schemeClr val="accent1"/>
+          </a:effectRef>
+          <a:fontRef idx="minor">
+            <a:schemeClr val="lt1"/>
+          </a:fontRef>
+        </p:style>
+        <p:txBody>
+          <a:bodyPr wrap="square" rtlCol="0" anchor="ctr">
+            <a:noAutofit/>
+          </a:bodyPr>
+          <a:lstStyle/>
+          <a:p>
+            <a:pPr algn="ctr"/>
+            <a:endParaRPr lang="en-US"/>
+          </a:p>
+        </p:txBody>
+      </p:sp>
+      <p:sp>
+        <p:nvSpPr>
+          <p:cNvPr id="13" name="Right Triangle 12">
+            <a:extLst>
+              <a:ext uri="{FF2B5EF4-FFF2-40B4-BE49-F238E27FC236}">
+                <a16:creationId xmlns:a16="http://schemas.microsoft.com/office/drawing/2014/main" id="{827DC2C4-B485-428A-BF4A-472D2967F47F}"/>
+              </a:ext>
+              <a:ext uri="{C183D7F6-B498-43B3-948B-1728B52AA6E4}">
+                <adec:decorative xmlns:adec="http://schemas.microsoft.com/office/drawing/2017/decorative" val="1"/>
+              </a:ext>
+            </a:extLst>
+          </p:cNvPr>
+          <p:cNvSpPr>
+            <a:spLocks noGrp="1" noRot="1" noChangeAspect="1" noMove="1" noResize="1" noEditPoints="1" noAdjustHandles="1" noChangeArrowheads="1" noChangeShapeType="1" noTextEdit="1"/>
+          </p:cNvSpPr>
+          <p:nvPr>
+            <p:extLst>
+              <p:ext uri="{386F3935-93C4-4BCD-93E2-E3B085C9AB24}">
+                <p16:designElem xmlns:p16="http://schemas.microsoft.com/office/powerpoint/2015/main" val="1"/>
+              </p:ext>
+            </p:extLst>
+          </p:nvPr>
+        </p:nvSpPr>
+        <p:spPr>
+          <a:xfrm flipH="1">
+            <a:off x="8576720" y="3335867"/>
+            <a:ext cx="3291840" cy="3200400"/>
+          </a:xfrm>
+          <a:prstGeom prst="rtTriangle">
+            <a:avLst/>
+          </a:prstGeom>
+          <a:solidFill>
+            <a:schemeClr val="accent4"/>
+          </a:solidFill>
+          <a:ln>
+            <a:noFill/>
+          </a:ln>
+        </p:spPr>
+        <p:style>
+          <a:lnRef idx="2">
+            <a:schemeClr val="accent1">
+              <a:shade val="50000"/>
+            </a:schemeClr>
+          </a:lnRef>
+          <a:fillRef idx="1">
+            <a:schemeClr val="accent1"/>
+          </a:fillRef>
+          <a:effectRef idx="0">
+            <a:schemeClr val="accent1"/>
+          </a:effectRef>
+          <a:fontRef idx="minor">
+            <a:schemeClr val="lt1"/>
+          </a:fontRef>
+        </p:style>
+        <p:txBody>
+          <a:bodyPr rtlCol="0" anchor="ctr"/>
+          <a:lstStyle/>
+          <a:p>
+            <a:pPr algn="ctr"/>
+            <a:endParaRPr lang="en-US" dirty="0"/>
+          </a:p>
+        </p:txBody>
+      </p:sp>
+      <p:sp>
+        <p:nvSpPr>
+          <p:cNvPr id="15" name="Rectangle 14">
+            <a:extLst>
+              <a:ext uri="{FF2B5EF4-FFF2-40B4-BE49-F238E27FC236}">
+                <a16:creationId xmlns:a16="http://schemas.microsoft.com/office/drawing/2014/main" id="{4A62647B-1222-407C-8740-5A497612B1F5}"/>
+              </a:ext>
+              <a:ext uri="{C183D7F6-B498-43B3-948B-1728B52AA6E4}">
+                <adec:decorative xmlns:adec="http://schemas.microsoft.com/office/drawing/2017/decorative" val="1"/>
+              </a:ext>
+            </a:extLst>
+          </p:cNvPr>
+          <p:cNvSpPr>
+            <a:spLocks noGrp="1" noRot="1" noChangeAspect="1" noMove="1" noResize="1" noEditPoints="1" noAdjustHandles="1" noChangeArrowheads="1" noChangeShapeType="1" noTextEdit="1"/>
+          </p:cNvSpPr>
+          <p:nvPr>
+            <p:extLst>
+              <p:ext uri="{386F3935-93C4-4BCD-93E2-E3B085C9AB24}">
+                <p16:designElem xmlns:p16="http://schemas.microsoft.com/office/powerpoint/2015/main" val="1"/>
+              </p:ext>
+            </p:extLst>
+          </p:nvPr>
+        </p:nvSpPr>
+        <p:spPr>
+          <a:xfrm>
+            <a:off x="641774" y="623275"/>
+            <a:ext cx="10905053" cy="5607882"/>
+          </a:xfrm>
+          <a:prstGeom prst="rect">
+            <a:avLst/>
+          </a:prstGeom>
+          <a:noFill/>
+          <a:ln w="19050">
+            <a:solidFill>
+              <a:schemeClr val="tx1">
+                <a:lumMod val="75000"/>
+                <a:lumOff val="25000"/>
+              </a:schemeClr>
+            </a:solidFill>
+          </a:ln>
+        </p:spPr>
+        <p:style>
+          <a:lnRef idx="2">
+            <a:schemeClr val="accent1">
+              <a:shade val="50000"/>
+            </a:schemeClr>
+          </a:lnRef>
+          <a:fillRef idx="1">
+            <a:schemeClr val="accent1"/>
+          </a:fillRef>
+          <a:effectRef idx="0">
+            <a:schemeClr val="accent1"/>
+          </a:effectRef>
+          <a:fontRef idx="minor">
+            <a:schemeClr val="lt1"/>
+          </a:fontRef>
+        </p:style>
+        <p:txBody>
+          <a:bodyPr rtlCol="0" anchor="ctr"/>
+          <a:lstStyle/>
+          <a:p>
+            <a:pPr algn="ctr"/>
+            <a:endParaRPr lang="en-US"/>
+          </a:p>
+        </p:txBody>
+      </p:sp>
+      <p:sp>
+        <p:nvSpPr>
+          <p:cNvPr id="2" name="Title 1">
+            <a:extLst>
+              <a:ext uri="{FF2B5EF4-FFF2-40B4-BE49-F238E27FC236}">
+                <a16:creationId xmlns:a16="http://schemas.microsoft.com/office/drawing/2014/main" id="{E4450448-23BB-7DAC-6ED2-9F47DB789957}"/>
+              </a:ext>
+            </a:extLst>
+          </p:cNvPr>
+          <p:cNvSpPr>
+            <a:spLocks noGrp="1"/>
+          </p:cNvSpPr>
+          <p:nvPr>
+            <p:ph type="title"/>
+          </p:nvPr>
+        </p:nvSpPr>
+        <p:spPr>
+          <a:xfrm>
+            <a:off x="8029293" y="806364"/>
+            <a:ext cx="3354636" cy="2847413"/>
+          </a:xfrm>
+        </p:spPr>
+        <p:txBody>
+          <a:bodyPr vert="horz" lIns="91440" tIns="45720" rIns="91440" bIns="45720" rtlCol="0" anchor="b">
+            <a:normAutofit/>
+          </a:bodyPr>
+          <a:lstStyle/>
+          <a:p>
+            <a:r>
+              <a:rPr lang="en-US" sz="4700" kern="1200" dirty="0">
+                <a:solidFill>
+                  <a:schemeClr val="tx1"/>
+                </a:solidFill>
+                <a:latin typeface="+mj-lt"/>
+                <a:ea typeface="+mj-ea"/>
+                <a:cs typeface="+mj-cs"/>
+              </a:rPr>
+              <a:t>Greek Ships Sunk, prior to Italian Invasion: 45</a:t>
+            </a:r>
+          </a:p>
+        </p:txBody>
+      </p:sp>
+      <p:pic>
+        <p:nvPicPr>
+          <p:cNvPr id="4" name="Picture 3">
+            <a:extLst>
+              <a:ext uri="{FF2B5EF4-FFF2-40B4-BE49-F238E27FC236}">
+                <a16:creationId xmlns:a16="http://schemas.microsoft.com/office/drawing/2014/main" id="{2A1F6140-0D2B-8BF6-471B-B19DCF8C6234}"/>
+              </a:ext>
+            </a:extLst>
+          </p:cNvPr>
+          <p:cNvPicPr>
+            <a:picLocks noChangeAspect="1"/>
+          </p:cNvPicPr>
+          <p:nvPr/>
+        </p:nvPicPr>
+        <p:blipFill>
+          <a:blip r:embed="rId2"/>
+          <a:stretch>
+            <a:fillRect/>
+          </a:stretch>
+        </p:blipFill>
+        <p:spPr>
+          <a:xfrm>
+            <a:off x="1296558" y="1689810"/>
+            <a:ext cx="5604636" cy="3460862"/>
+          </a:xfrm>
+          <a:prstGeom prst="rect">
+            <a:avLst/>
+          </a:prstGeom>
+        </p:spPr>
+      </p:pic>
+    </p:spTree>
+    <p:extLst>
+      <p:ext uri="{BB962C8B-B14F-4D97-AF65-F5344CB8AC3E}">
+        <p14:creationId xmlns:p14="http://schemas.microsoft.com/office/powerpoint/2010/main" val="3333307330"/>
+      </p:ext>
+    </p:extLst>
+  </p:cSld>
+  <p:clrMapOvr>
+    <a:masterClrMapping/>
+  </p:clrMapOvr>
+</p:sld>
+</file>
+
+<file path=ppt/slides/slide4.xml><?xml version="1.0" encoding="utf-8"?>
+<p:sld xmlns:a="http://schemas.openxmlformats.org/drawingml/2006/main" xmlns:r="http://schemas.openxmlformats.org/officeDocument/2006/relationships" xmlns:p="http://schemas.openxmlformats.org/presentationml/2006/main">
+  <p:cSld>
+    <p:bg>
+      <p:bgPr>
+        <a:solidFill>
+          <a:schemeClr val="bg1"/>
+        </a:solidFill>
+        <a:effectLst/>
+      </p:bgPr>
+    </p:bg>
+    <p:spTree>
+      <p:nvGrpSpPr>
+        <p:cNvPr id="1" name=""/>
+        <p:cNvGrpSpPr/>
+        <p:nvPr/>
+      </p:nvGrpSpPr>
+      <p:grpSpPr>
+        <a:xfrm>
+          <a:off x="0" y="0"/>
+          <a:ext cx="0" cy="0"/>
+          <a:chOff x="0" y="0"/>
+          <a:chExt cx="0" cy="0"/>
+        </a:xfrm>
+      </p:grpSpPr>
+      <p:sp useBgFill="1">
+        <p:nvSpPr>
+          <p:cNvPr id="9" name="Rectangle 8">
+            <a:extLst>
+              <a:ext uri="{FF2B5EF4-FFF2-40B4-BE49-F238E27FC236}">
+                <a16:creationId xmlns:a16="http://schemas.microsoft.com/office/drawing/2014/main" id="{19D32F93-50AC-4C46-A5DB-291C60DDB7BD}"/>
+              </a:ext>
+              <a:ext uri="{C183D7F6-B498-43B3-948B-1728B52AA6E4}">
+                <adec:decorative xmlns:adec="http://schemas.microsoft.com/office/drawing/2017/decorative" val="1"/>
+              </a:ext>
+            </a:extLst>
+          </p:cNvPr>
+          <p:cNvSpPr>
+            <a:spLocks noGrp="1" noRot="1" noChangeAspect="1" noMove="1" noResize="1" noEditPoints="1" noAdjustHandles="1" noChangeArrowheads="1" noChangeShapeType="1" noTextEdit="1"/>
+          </p:cNvSpPr>
+          <p:nvPr>
+            <p:extLst>
+              <p:ext uri="{386F3935-93C4-4BCD-93E2-E3B085C9AB24}">
+                <p16:designElem xmlns:p16="http://schemas.microsoft.com/office/powerpoint/2015/main" val="1"/>
+              </p:ext>
+            </p:extLst>
+          </p:nvPr>
+        </p:nvSpPr>
+        <p:spPr>
+          <a:xfrm>
+            <a:off x="0" y="0"/>
+            <a:ext cx="12192000" cy="6858000"/>
+          </a:xfrm>
+          <a:prstGeom prst="rect">
+            <a:avLst/>
+          </a:prstGeom>
+          <a:ln>
+            <a:noFill/>
+          </a:ln>
+        </p:spPr>
+        <p:style>
+          <a:lnRef idx="2">
+            <a:schemeClr val="accent1">
+              <a:shade val="50000"/>
+            </a:schemeClr>
+          </a:lnRef>
+          <a:fillRef idx="1">
+            <a:schemeClr val="accent1"/>
+          </a:fillRef>
+          <a:effectRef idx="0">
+            <a:schemeClr val="accent1"/>
+          </a:effectRef>
+          <a:fontRef idx="minor">
+            <a:schemeClr val="lt1"/>
+          </a:fontRef>
+        </p:style>
+        <p:txBody>
+          <a:bodyPr rtlCol="0" anchor="ctr"/>
+          <a:lstStyle/>
+          <a:p>
+            <a:pPr algn="ctr"/>
+            <a:endParaRPr lang="en-US"/>
+          </a:p>
+        </p:txBody>
+      </p:sp>
+      <p:sp>
+        <p:nvSpPr>
+          <p:cNvPr id="11" name="Freeform: Shape 10">
+            <a:extLst>
+              <a:ext uri="{FF2B5EF4-FFF2-40B4-BE49-F238E27FC236}">
+                <a16:creationId xmlns:a16="http://schemas.microsoft.com/office/drawing/2014/main" id="{86FD7672-78BE-4D6F-A711-2CDB79B52DFF}"/>
+              </a:ext>
+              <a:ext uri="{C183D7F6-B498-43B3-948B-1728B52AA6E4}">
+                <adec:decorative xmlns:adec="http://schemas.microsoft.com/office/drawing/2017/decorative" val="1"/>
+              </a:ext>
+            </a:extLst>
+          </p:cNvPr>
+          <p:cNvSpPr>
+            <a:spLocks noGrp="1" noRot="1" noChangeAspect="1" noMove="1" noResize="1" noEditPoints="1" noAdjustHandles="1" noChangeArrowheads="1" noChangeShapeType="1" noTextEdit="1"/>
+          </p:cNvSpPr>
+          <p:nvPr>
+            <p:extLst>
+              <p:ext uri="{386F3935-93C4-4BCD-93E2-E3B085C9AB24}">
+                <p16:designElem xmlns:p16="http://schemas.microsoft.com/office/powerpoint/2015/main" val="1"/>
+              </p:ext>
+            </p:extLst>
+          </p:nvPr>
+        </p:nvSpPr>
+        <p:spPr>
+          <a:xfrm>
+            <a:off x="7544662" y="323519"/>
+            <a:ext cx="4323899" cy="6212748"/>
+          </a:xfrm>
+          <a:custGeom>
+            <a:avLst/>
+            <a:gdLst>
+              <a:gd name="connsiteX0" fmla="*/ 0 w 4323899"/>
+              <a:gd name="connsiteY0" fmla="*/ 0 h 6212748"/>
+              <a:gd name="connsiteX1" fmla="*/ 742501 w 4323899"/>
+              <a:gd name="connsiteY1" fmla="*/ 0 h 6212748"/>
+              <a:gd name="connsiteX2" fmla="*/ 4323899 w 4323899"/>
+              <a:gd name="connsiteY2" fmla="*/ 0 h 6212748"/>
+              <a:gd name="connsiteX3" fmla="*/ 4323899 w 4323899"/>
+              <a:gd name="connsiteY3" fmla="*/ 2864954 h 6212748"/>
+              <a:gd name="connsiteX4" fmla="*/ 880454 w 4323899"/>
+              <a:gd name="connsiteY4" fmla="*/ 6212748 h 6212748"/>
+              <a:gd name="connsiteX5" fmla="*/ 0 w 4323899"/>
+              <a:gd name="connsiteY5" fmla="*/ 6212748 h 6212748"/>
+              <a:gd name="connsiteX6" fmla="*/ 0 w 4323899"/>
+              <a:gd name="connsiteY6" fmla="*/ 6210962 h 6212748"/>
+            </a:gdLst>
+            <a:ahLst/>
+            <a:cxnLst>
+              <a:cxn ang="0">
+                <a:pos x="connsiteX0" y="connsiteY0"/>
+              </a:cxn>
+              <a:cxn ang="0">
+                <a:pos x="connsiteX1" y="connsiteY1"/>
+              </a:cxn>
+              <a:cxn ang="0">
+                <a:pos x="connsiteX2" y="connsiteY2"/>
+              </a:cxn>
+              <a:cxn ang="0">
+                <a:pos x="connsiteX3" y="connsiteY3"/>
+              </a:cxn>
+              <a:cxn ang="0">
+                <a:pos x="connsiteX4" y="connsiteY4"/>
+              </a:cxn>
+              <a:cxn ang="0">
+                <a:pos x="connsiteX5" y="connsiteY5"/>
+              </a:cxn>
+              <a:cxn ang="0">
+                <a:pos x="connsiteX6" y="connsiteY6"/>
+              </a:cxn>
+            </a:cxnLst>
+            <a:rect l="l" t="t" r="r" b="b"/>
+            <a:pathLst>
+              <a:path w="4323899" h="6212748">
+                <a:moveTo>
+                  <a:pt x="0" y="0"/>
+                </a:moveTo>
+                <a:lnTo>
+                  <a:pt x="742501" y="0"/>
+                </a:lnTo>
+                <a:lnTo>
+                  <a:pt x="4323899" y="0"/>
+                </a:lnTo>
+                <a:lnTo>
+                  <a:pt x="4323899" y="2864954"/>
+                </a:lnTo>
+                <a:lnTo>
+                  <a:pt x="880454" y="6212748"/>
+                </a:lnTo>
+                <a:lnTo>
+                  <a:pt x="0" y="6212748"/>
+                </a:lnTo>
+                <a:lnTo>
+                  <a:pt x="0" y="6210962"/>
+                </a:lnTo>
+                <a:close/>
+              </a:path>
+            </a:pathLst>
+          </a:custGeom>
+          <a:solidFill>
+            <a:schemeClr val="tx1">
+              <a:lumMod val="50000"/>
+              <a:lumOff val="50000"/>
+              <a:alpha val="25000"/>
+            </a:schemeClr>
+          </a:solidFill>
+          <a:ln>
+            <a:noFill/>
+          </a:ln>
+        </p:spPr>
+        <p:style>
+          <a:lnRef idx="2">
+            <a:schemeClr val="accent1">
+              <a:shade val="50000"/>
+            </a:schemeClr>
+          </a:lnRef>
+          <a:fillRef idx="1">
+            <a:schemeClr val="accent1"/>
+          </a:fillRef>
+          <a:effectRef idx="0">
+            <a:schemeClr val="accent1"/>
+          </a:effectRef>
+          <a:fontRef idx="minor">
+            <a:schemeClr val="lt1"/>
+          </a:fontRef>
+        </p:style>
+        <p:txBody>
+          <a:bodyPr wrap="square" rtlCol="0" anchor="ctr">
+            <a:noAutofit/>
+          </a:bodyPr>
+          <a:lstStyle/>
+          <a:p>
+            <a:pPr algn="ctr"/>
+            <a:endParaRPr lang="en-US"/>
+          </a:p>
+        </p:txBody>
+      </p:sp>
+      <p:sp>
+        <p:nvSpPr>
+          <p:cNvPr id="13" name="Right Triangle 12">
+            <a:extLst>
+              <a:ext uri="{FF2B5EF4-FFF2-40B4-BE49-F238E27FC236}">
+                <a16:creationId xmlns:a16="http://schemas.microsoft.com/office/drawing/2014/main" id="{827DC2C4-B485-428A-BF4A-472D2967F47F}"/>
+              </a:ext>
+              <a:ext uri="{C183D7F6-B498-43B3-948B-1728B52AA6E4}">
+                <adec:decorative xmlns:adec="http://schemas.microsoft.com/office/drawing/2017/decorative" val="1"/>
+              </a:ext>
+            </a:extLst>
+          </p:cNvPr>
+          <p:cNvSpPr>
+            <a:spLocks noGrp="1" noRot="1" noChangeAspect="1" noMove="1" noResize="1" noEditPoints="1" noAdjustHandles="1" noChangeArrowheads="1" noChangeShapeType="1" noTextEdit="1"/>
+          </p:cNvSpPr>
+          <p:nvPr>
+            <p:extLst>
+              <p:ext uri="{386F3935-93C4-4BCD-93E2-E3B085C9AB24}">
+                <p16:designElem xmlns:p16="http://schemas.microsoft.com/office/powerpoint/2015/main" val="1"/>
+              </p:ext>
+            </p:extLst>
+          </p:nvPr>
+        </p:nvSpPr>
+        <p:spPr>
+          <a:xfrm flipH="1">
+            <a:off x="8576720" y="3335867"/>
+            <a:ext cx="3291840" cy="3200400"/>
+          </a:xfrm>
+          <a:prstGeom prst="rtTriangle">
+            <a:avLst/>
+          </a:prstGeom>
+          <a:solidFill>
+            <a:schemeClr val="accent4"/>
+          </a:solidFill>
+          <a:ln>
+            <a:noFill/>
+          </a:ln>
+        </p:spPr>
+        <p:style>
+          <a:lnRef idx="2">
+            <a:schemeClr val="accent1">
+              <a:shade val="50000"/>
+            </a:schemeClr>
+          </a:lnRef>
+          <a:fillRef idx="1">
+            <a:schemeClr val="accent1"/>
+          </a:fillRef>
+          <a:effectRef idx="0">
+            <a:schemeClr val="accent1"/>
+          </a:effectRef>
+          <a:fontRef idx="minor">
+            <a:schemeClr val="lt1"/>
+          </a:fontRef>
+        </p:style>
+        <p:txBody>
+          <a:bodyPr rtlCol="0" anchor="ctr"/>
+          <a:lstStyle/>
+          <a:p>
+            <a:pPr algn="ctr"/>
+            <a:endParaRPr lang="en-US" dirty="0"/>
+          </a:p>
+        </p:txBody>
+      </p:sp>
+      <p:sp>
+        <p:nvSpPr>
+          <p:cNvPr id="15" name="Rectangle 14">
+            <a:extLst>
+              <a:ext uri="{FF2B5EF4-FFF2-40B4-BE49-F238E27FC236}">
+                <a16:creationId xmlns:a16="http://schemas.microsoft.com/office/drawing/2014/main" id="{4A62647B-1222-407C-8740-5A497612B1F5}"/>
+              </a:ext>
+              <a:ext uri="{C183D7F6-B498-43B3-948B-1728B52AA6E4}">
+                <adec:decorative xmlns:adec="http://schemas.microsoft.com/office/drawing/2017/decorative" val="1"/>
+              </a:ext>
+            </a:extLst>
+          </p:cNvPr>
+          <p:cNvSpPr>
+            <a:spLocks noGrp="1" noRot="1" noChangeAspect="1" noMove="1" noResize="1" noEditPoints="1" noAdjustHandles="1" noChangeArrowheads="1" noChangeShapeType="1" noTextEdit="1"/>
+          </p:cNvSpPr>
+          <p:nvPr>
+            <p:extLst>
+              <p:ext uri="{386F3935-93C4-4BCD-93E2-E3B085C9AB24}">
+                <p16:designElem xmlns:p16="http://schemas.microsoft.com/office/powerpoint/2015/main" val="1"/>
+              </p:ext>
+            </p:extLst>
+          </p:nvPr>
+        </p:nvSpPr>
+        <p:spPr>
+          <a:xfrm>
+            <a:off x="641774" y="623275"/>
+            <a:ext cx="10905053" cy="5607882"/>
+          </a:xfrm>
+          <a:prstGeom prst="rect">
+            <a:avLst/>
+          </a:prstGeom>
+          <a:noFill/>
+          <a:ln w="19050">
+            <a:solidFill>
+              <a:schemeClr val="tx1">
+                <a:lumMod val="75000"/>
+                <a:lumOff val="25000"/>
+              </a:schemeClr>
+            </a:solidFill>
+          </a:ln>
+        </p:spPr>
+        <p:style>
+          <a:lnRef idx="2">
+            <a:schemeClr val="accent1">
+              <a:shade val="50000"/>
+            </a:schemeClr>
+          </a:lnRef>
+          <a:fillRef idx="1">
+            <a:schemeClr val="accent1"/>
+          </a:fillRef>
+          <a:effectRef idx="0">
+            <a:schemeClr val="accent1"/>
+          </a:effectRef>
+          <a:fontRef idx="minor">
+            <a:schemeClr val="lt1"/>
+          </a:fontRef>
+        </p:style>
+        <p:txBody>
+          <a:bodyPr rtlCol="0" anchor="ctr"/>
+          <a:lstStyle/>
+          <a:p>
+            <a:pPr algn="ctr"/>
+            <a:endParaRPr lang="en-US"/>
+          </a:p>
+        </p:txBody>
+      </p:sp>
+      <p:sp>
+        <p:nvSpPr>
+          <p:cNvPr id="2" name="Title 1">
+            <a:extLst>
+              <a:ext uri="{FF2B5EF4-FFF2-40B4-BE49-F238E27FC236}">
+                <a16:creationId xmlns:a16="http://schemas.microsoft.com/office/drawing/2014/main" id="{0DF5570C-29EA-FC66-A7EF-4F0DB90914AE}"/>
+              </a:ext>
+            </a:extLst>
+          </p:cNvPr>
+          <p:cNvSpPr>
+            <a:spLocks noGrp="1"/>
+          </p:cNvSpPr>
+          <p:nvPr>
+            <p:ph type="title"/>
+          </p:nvPr>
+        </p:nvSpPr>
+        <p:spPr>
+          <a:xfrm>
+            <a:off x="8029293" y="806364"/>
+            <a:ext cx="3354636" cy="2847413"/>
+          </a:xfrm>
+        </p:spPr>
+        <p:txBody>
+          <a:bodyPr vert="horz" lIns="91440" tIns="45720" rIns="91440" bIns="45720" rtlCol="0" anchor="b">
+            <a:normAutofit/>
+          </a:bodyPr>
+          <a:lstStyle/>
+          <a:p>
+            <a:r>
+              <a:rPr lang="en-US" sz="4700" kern="1200" dirty="0">
+                <a:solidFill>
+                  <a:schemeClr val="tx1"/>
+                </a:solidFill>
+                <a:latin typeface="+mj-lt"/>
+                <a:ea typeface="+mj-ea"/>
+                <a:cs typeface="+mj-cs"/>
+              </a:rPr>
+              <a:t>Greek Ships Sunk, prior to German Invasion: 58</a:t>
+            </a:r>
+          </a:p>
+        </p:txBody>
+      </p:sp>
+      <p:pic>
+        <p:nvPicPr>
+          <p:cNvPr id="4" name="Picture 3">
+            <a:extLst>
+              <a:ext uri="{FF2B5EF4-FFF2-40B4-BE49-F238E27FC236}">
+                <a16:creationId xmlns:a16="http://schemas.microsoft.com/office/drawing/2014/main" id="{366664F3-99A0-FC03-DDF3-8694FC12F624}"/>
+              </a:ext>
+            </a:extLst>
+          </p:cNvPr>
+          <p:cNvPicPr>
+            <a:picLocks noChangeAspect="1"/>
+          </p:cNvPicPr>
+          <p:nvPr/>
+        </p:nvPicPr>
+        <p:blipFill>
+          <a:blip r:embed="rId2"/>
+          <a:stretch>
+            <a:fillRect/>
+          </a:stretch>
+        </p:blipFill>
+        <p:spPr>
+          <a:xfrm>
+            <a:off x="1296558" y="1689810"/>
+            <a:ext cx="5604636" cy="3460862"/>
+          </a:xfrm>
+          <a:prstGeom prst="rect">
+            <a:avLst/>
+          </a:prstGeom>
+        </p:spPr>
+      </p:pic>
+    </p:spTree>
+    <p:extLst>
+      <p:ext uri="{BB962C8B-B14F-4D97-AF65-F5344CB8AC3E}">
+        <p14:creationId xmlns:p14="http://schemas.microsoft.com/office/powerpoint/2010/main" val="4122426507"/>
+      </p:ext>
+    </p:extLst>
+  </p:cSld>
+  <p:clrMapOvr>
+    <a:masterClrMapping/>
+  </p:clrMapOvr>
+</p:sld>
+</file>
+
+<file path=ppt/slides/slide5.xml><?xml version="1.0" encoding="utf-8"?>
+<p:sld xmlns:a="http://schemas.openxmlformats.org/drawingml/2006/main" xmlns:r="http://schemas.openxmlformats.org/officeDocument/2006/relationships" xmlns:p="http://schemas.openxmlformats.org/presentationml/2006/main">
+  <p:cSld>
+    <p:bg>
+      <p:bgPr>
+        <a:solidFill>
+          <a:schemeClr val="bg1"/>
+        </a:solidFill>
+        <a:effectLst/>
+      </p:bgPr>
+    </p:bg>
+    <p:spTree>
+      <p:nvGrpSpPr>
+        <p:cNvPr id="1" name=""/>
+        <p:cNvGrpSpPr/>
+        <p:nvPr/>
+      </p:nvGrpSpPr>
+      <p:grpSpPr>
+        <a:xfrm>
+          <a:off x="0" y="0"/>
+          <a:ext cx="0" cy="0"/>
+          <a:chOff x="0" y="0"/>
+          <a:chExt cx="0" cy="0"/>
+        </a:xfrm>
+      </p:grpSpPr>
+      <p:sp useBgFill="1">
+        <p:nvSpPr>
+          <p:cNvPr id="9" name="Rectangle 8">
+            <a:extLst>
+              <a:ext uri="{FF2B5EF4-FFF2-40B4-BE49-F238E27FC236}">
+                <a16:creationId xmlns:a16="http://schemas.microsoft.com/office/drawing/2014/main" id="{19D32F93-50AC-4C46-A5DB-291C60DDB7BD}"/>
+              </a:ext>
+              <a:ext uri="{C183D7F6-B498-43B3-948B-1728B52AA6E4}">
+                <adec:decorative xmlns:adec="http://schemas.microsoft.com/office/drawing/2017/decorative" val="1"/>
+              </a:ext>
+            </a:extLst>
+          </p:cNvPr>
+          <p:cNvSpPr>
+            <a:spLocks noGrp="1" noRot="1" noChangeAspect="1" noMove="1" noResize="1" noEditPoints="1" noAdjustHandles="1" noChangeArrowheads="1" noChangeShapeType="1" noTextEdit="1"/>
+          </p:cNvSpPr>
+          <p:nvPr>
+            <p:extLst>
+              <p:ext uri="{386F3935-93C4-4BCD-93E2-E3B085C9AB24}">
+                <p16:designElem xmlns:p16="http://schemas.microsoft.com/office/powerpoint/2015/main" val="1"/>
+              </p:ext>
+            </p:extLst>
+          </p:nvPr>
+        </p:nvSpPr>
+        <p:spPr>
+          <a:xfrm>
+            <a:off x="0" y="0"/>
+            <a:ext cx="12192000" cy="6858000"/>
+          </a:xfrm>
+          <a:prstGeom prst="rect">
+            <a:avLst/>
+          </a:prstGeom>
+          <a:ln>
+            <a:noFill/>
+          </a:ln>
+        </p:spPr>
+        <p:style>
+          <a:lnRef idx="2">
+            <a:schemeClr val="accent1">
+              <a:shade val="50000"/>
+            </a:schemeClr>
+          </a:lnRef>
+          <a:fillRef idx="1">
+            <a:schemeClr val="accent1"/>
+          </a:fillRef>
+          <a:effectRef idx="0">
+            <a:schemeClr val="accent1"/>
+          </a:effectRef>
+          <a:fontRef idx="minor">
+            <a:schemeClr val="lt1"/>
+          </a:fontRef>
+        </p:style>
+        <p:txBody>
+          <a:bodyPr rtlCol="0" anchor="ctr"/>
+          <a:lstStyle/>
+          <a:p>
+            <a:pPr algn="ctr"/>
+            <a:endParaRPr lang="en-US"/>
+          </a:p>
+        </p:txBody>
+      </p:sp>
+      <p:sp>
+        <p:nvSpPr>
+          <p:cNvPr id="11" name="Freeform: Shape 10">
+            <a:extLst>
+              <a:ext uri="{FF2B5EF4-FFF2-40B4-BE49-F238E27FC236}">
+                <a16:creationId xmlns:a16="http://schemas.microsoft.com/office/drawing/2014/main" id="{86FD7672-78BE-4D6F-A711-2CDB79B52DFF}"/>
+              </a:ext>
+              <a:ext uri="{C183D7F6-B498-43B3-948B-1728B52AA6E4}">
+                <adec:decorative xmlns:adec="http://schemas.microsoft.com/office/drawing/2017/decorative" val="1"/>
+              </a:ext>
+            </a:extLst>
+          </p:cNvPr>
+          <p:cNvSpPr>
+            <a:spLocks noGrp="1" noRot="1" noChangeAspect="1" noMove="1" noResize="1" noEditPoints="1" noAdjustHandles="1" noChangeArrowheads="1" noChangeShapeType="1" noTextEdit="1"/>
+          </p:cNvSpPr>
+          <p:nvPr>
+            <p:extLst>
+              <p:ext uri="{386F3935-93C4-4BCD-93E2-E3B085C9AB24}">
+                <p16:designElem xmlns:p16="http://schemas.microsoft.com/office/powerpoint/2015/main" val="1"/>
+              </p:ext>
+            </p:extLst>
+          </p:nvPr>
+        </p:nvSpPr>
+        <p:spPr>
+          <a:xfrm>
+            <a:off x="7544662" y="323519"/>
+            <a:ext cx="4323899" cy="6212748"/>
+          </a:xfrm>
+          <a:custGeom>
+            <a:avLst/>
+            <a:gdLst>
+              <a:gd name="connsiteX0" fmla="*/ 0 w 4323899"/>
+              <a:gd name="connsiteY0" fmla="*/ 0 h 6212748"/>
+              <a:gd name="connsiteX1" fmla="*/ 742501 w 4323899"/>
+              <a:gd name="connsiteY1" fmla="*/ 0 h 6212748"/>
+              <a:gd name="connsiteX2" fmla="*/ 4323899 w 4323899"/>
+              <a:gd name="connsiteY2" fmla="*/ 0 h 6212748"/>
+              <a:gd name="connsiteX3" fmla="*/ 4323899 w 4323899"/>
+              <a:gd name="connsiteY3" fmla="*/ 2864954 h 6212748"/>
+              <a:gd name="connsiteX4" fmla="*/ 880454 w 4323899"/>
+              <a:gd name="connsiteY4" fmla="*/ 6212748 h 6212748"/>
+              <a:gd name="connsiteX5" fmla="*/ 0 w 4323899"/>
+              <a:gd name="connsiteY5" fmla="*/ 6212748 h 6212748"/>
+              <a:gd name="connsiteX6" fmla="*/ 0 w 4323899"/>
+              <a:gd name="connsiteY6" fmla="*/ 6210962 h 6212748"/>
+            </a:gdLst>
+            <a:ahLst/>
+            <a:cxnLst>
+              <a:cxn ang="0">
+                <a:pos x="connsiteX0" y="connsiteY0"/>
+              </a:cxn>
+              <a:cxn ang="0">
+                <a:pos x="connsiteX1" y="connsiteY1"/>
+              </a:cxn>
+              <a:cxn ang="0">
+                <a:pos x="connsiteX2" y="connsiteY2"/>
+              </a:cxn>
+              <a:cxn ang="0">
+                <a:pos x="connsiteX3" y="connsiteY3"/>
+              </a:cxn>
+              <a:cxn ang="0">
+                <a:pos x="connsiteX4" y="connsiteY4"/>
+              </a:cxn>
+              <a:cxn ang="0">
+                <a:pos x="connsiteX5" y="connsiteY5"/>
+              </a:cxn>
+              <a:cxn ang="0">
+                <a:pos x="connsiteX6" y="connsiteY6"/>
+              </a:cxn>
+            </a:cxnLst>
+            <a:rect l="l" t="t" r="r" b="b"/>
+            <a:pathLst>
+              <a:path w="4323899" h="6212748">
+                <a:moveTo>
+                  <a:pt x="0" y="0"/>
+                </a:moveTo>
+                <a:lnTo>
+                  <a:pt x="742501" y="0"/>
+                </a:lnTo>
+                <a:lnTo>
+                  <a:pt x="4323899" y="0"/>
+                </a:lnTo>
+                <a:lnTo>
+                  <a:pt x="4323899" y="2864954"/>
+                </a:lnTo>
+                <a:lnTo>
+                  <a:pt x="880454" y="6212748"/>
+                </a:lnTo>
+                <a:lnTo>
+                  <a:pt x="0" y="6212748"/>
+                </a:lnTo>
+                <a:lnTo>
+                  <a:pt x="0" y="6210962"/>
+                </a:lnTo>
+                <a:close/>
+              </a:path>
+            </a:pathLst>
+          </a:custGeom>
+          <a:solidFill>
+            <a:schemeClr val="tx1">
+              <a:lumMod val="50000"/>
+              <a:lumOff val="50000"/>
+              <a:alpha val="25000"/>
+            </a:schemeClr>
+          </a:solidFill>
+          <a:ln>
+            <a:noFill/>
+          </a:ln>
+        </p:spPr>
+        <p:style>
+          <a:lnRef idx="2">
+            <a:schemeClr val="accent1">
+              <a:shade val="50000"/>
+            </a:schemeClr>
+          </a:lnRef>
+          <a:fillRef idx="1">
+            <a:schemeClr val="accent1"/>
+          </a:fillRef>
+          <a:effectRef idx="0">
+            <a:schemeClr val="accent1"/>
+          </a:effectRef>
+          <a:fontRef idx="minor">
+            <a:schemeClr val="lt1"/>
+          </a:fontRef>
+        </p:style>
+        <p:txBody>
+          <a:bodyPr wrap="square" rtlCol="0" anchor="ctr">
+            <a:noAutofit/>
+          </a:bodyPr>
+          <a:lstStyle/>
+          <a:p>
+            <a:pPr algn="ctr"/>
+            <a:endParaRPr lang="en-US"/>
+          </a:p>
+        </p:txBody>
+      </p:sp>
+      <p:sp>
+        <p:nvSpPr>
+          <p:cNvPr id="13" name="Right Triangle 12">
+            <a:extLst>
+              <a:ext uri="{FF2B5EF4-FFF2-40B4-BE49-F238E27FC236}">
+                <a16:creationId xmlns:a16="http://schemas.microsoft.com/office/drawing/2014/main" id="{827DC2C4-B485-428A-BF4A-472D2967F47F}"/>
+              </a:ext>
+              <a:ext uri="{C183D7F6-B498-43B3-948B-1728B52AA6E4}">
+                <adec:decorative xmlns:adec="http://schemas.microsoft.com/office/drawing/2017/decorative" val="1"/>
+              </a:ext>
+            </a:extLst>
+          </p:cNvPr>
+          <p:cNvSpPr>
+            <a:spLocks noGrp="1" noRot="1" noChangeAspect="1" noMove="1" noResize="1" noEditPoints="1" noAdjustHandles="1" noChangeArrowheads="1" noChangeShapeType="1" noTextEdit="1"/>
+          </p:cNvSpPr>
+          <p:nvPr>
+            <p:extLst>
+              <p:ext uri="{386F3935-93C4-4BCD-93E2-E3B085C9AB24}">
+                <p16:designElem xmlns:p16="http://schemas.microsoft.com/office/powerpoint/2015/main" val="1"/>
+              </p:ext>
+            </p:extLst>
+          </p:nvPr>
+        </p:nvSpPr>
+        <p:spPr>
+          <a:xfrm flipH="1">
+            <a:off x="8576720" y="3335867"/>
+            <a:ext cx="3291840" cy="3200400"/>
+          </a:xfrm>
+          <a:prstGeom prst="rtTriangle">
+            <a:avLst/>
+          </a:prstGeom>
+          <a:solidFill>
+            <a:schemeClr val="accent4"/>
+          </a:solidFill>
+          <a:ln>
+            <a:noFill/>
+          </a:ln>
+        </p:spPr>
+        <p:style>
+          <a:lnRef idx="2">
+            <a:schemeClr val="accent1">
+              <a:shade val="50000"/>
+            </a:schemeClr>
+          </a:lnRef>
+          <a:fillRef idx="1">
+            <a:schemeClr val="accent1"/>
+          </a:fillRef>
+          <a:effectRef idx="0">
+            <a:schemeClr val="accent1"/>
+          </a:effectRef>
+          <a:fontRef idx="minor">
+            <a:schemeClr val="lt1"/>
+          </a:fontRef>
+        </p:style>
+        <p:txBody>
+          <a:bodyPr rtlCol="0" anchor="ctr"/>
+          <a:lstStyle/>
+          <a:p>
+            <a:pPr algn="ctr"/>
+            <a:endParaRPr lang="en-US" dirty="0"/>
+          </a:p>
+        </p:txBody>
+      </p:sp>
+      <p:sp>
+        <p:nvSpPr>
+          <p:cNvPr id="15" name="Rectangle 14">
+            <a:extLst>
+              <a:ext uri="{FF2B5EF4-FFF2-40B4-BE49-F238E27FC236}">
+                <a16:creationId xmlns:a16="http://schemas.microsoft.com/office/drawing/2014/main" id="{4A62647B-1222-407C-8740-5A497612B1F5}"/>
+              </a:ext>
+              <a:ext uri="{C183D7F6-B498-43B3-948B-1728B52AA6E4}">
+                <adec:decorative xmlns:adec="http://schemas.microsoft.com/office/drawing/2017/decorative" val="1"/>
+              </a:ext>
+            </a:extLst>
+          </p:cNvPr>
+          <p:cNvSpPr>
+            <a:spLocks noGrp="1" noRot="1" noChangeAspect="1" noMove="1" noResize="1" noEditPoints="1" noAdjustHandles="1" noChangeArrowheads="1" noChangeShapeType="1" noTextEdit="1"/>
+          </p:cNvSpPr>
+          <p:nvPr>
+            <p:extLst>
+              <p:ext uri="{386F3935-93C4-4BCD-93E2-E3B085C9AB24}">
+                <p16:designElem xmlns:p16="http://schemas.microsoft.com/office/powerpoint/2015/main" val="1"/>
+              </p:ext>
+            </p:extLst>
+          </p:nvPr>
+        </p:nvSpPr>
+        <p:spPr>
+          <a:xfrm>
+            <a:off x="641774" y="623275"/>
+            <a:ext cx="10905053" cy="5607882"/>
+          </a:xfrm>
+          <a:prstGeom prst="rect">
+            <a:avLst/>
+          </a:prstGeom>
+          <a:noFill/>
+          <a:ln w="19050">
+            <a:solidFill>
+              <a:schemeClr val="tx1">
+                <a:lumMod val="75000"/>
+                <a:lumOff val="25000"/>
+              </a:schemeClr>
+            </a:solidFill>
+          </a:ln>
+        </p:spPr>
+        <p:style>
+          <a:lnRef idx="2">
+            <a:schemeClr val="accent1">
+              <a:shade val="50000"/>
+            </a:schemeClr>
+          </a:lnRef>
+          <a:fillRef idx="1">
+            <a:schemeClr val="accent1"/>
+          </a:fillRef>
+          <a:effectRef idx="0">
+            <a:schemeClr val="accent1"/>
+          </a:effectRef>
+          <a:fontRef idx="minor">
+            <a:schemeClr val="lt1"/>
+          </a:fontRef>
+        </p:style>
+        <p:txBody>
+          <a:bodyPr rtlCol="0" anchor="ctr"/>
+          <a:lstStyle/>
+          <a:p>
+            <a:pPr algn="ctr"/>
+            <a:endParaRPr lang="en-US"/>
+          </a:p>
+        </p:txBody>
+      </p:sp>
+      <p:sp>
+        <p:nvSpPr>
+          <p:cNvPr id="2" name="Title 1">
+            <a:extLst>
+              <a:ext uri="{FF2B5EF4-FFF2-40B4-BE49-F238E27FC236}">
+                <a16:creationId xmlns:a16="http://schemas.microsoft.com/office/drawing/2014/main" id="{98C1078C-003B-5DCF-7023-21AF78CADB40}"/>
+              </a:ext>
+            </a:extLst>
+          </p:cNvPr>
+          <p:cNvSpPr>
+            <a:spLocks noGrp="1"/>
+          </p:cNvSpPr>
+          <p:nvPr>
+            <p:ph type="title"/>
+          </p:nvPr>
+        </p:nvSpPr>
+        <p:spPr>
+          <a:xfrm>
+            <a:off x="8029293" y="806364"/>
+            <a:ext cx="3354636" cy="2847413"/>
+          </a:xfrm>
+        </p:spPr>
+        <p:txBody>
+          <a:bodyPr vert="horz" lIns="91440" tIns="45720" rIns="91440" bIns="45720" rtlCol="0" anchor="b">
+            <a:normAutofit fontScale="90000"/>
+          </a:bodyPr>
+          <a:lstStyle/>
+          <a:p>
+            <a:r>
+              <a:rPr lang="en-US" sz="4700" kern="1200" dirty="0">
+                <a:solidFill>
+                  <a:schemeClr val="tx1"/>
+                </a:solidFill>
+                <a:latin typeface="+mj-lt"/>
+                <a:ea typeface="+mj-ea"/>
+                <a:cs typeface="+mj-cs"/>
+              </a:rPr>
+              <a:t>US Ships Sunk prior to Japanese Attack: 7 + 9 (Non-US Flag)</a:t>
+            </a:r>
+          </a:p>
+        </p:txBody>
+      </p:sp>
+      <p:pic>
+        <p:nvPicPr>
+          <p:cNvPr id="4" name="Picture 3">
+            <a:extLst>
+              <a:ext uri="{FF2B5EF4-FFF2-40B4-BE49-F238E27FC236}">
+                <a16:creationId xmlns:a16="http://schemas.microsoft.com/office/drawing/2014/main" id="{F0877E77-B8B0-87BA-1344-8A85090B014A}"/>
+              </a:ext>
+            </a:extLst>
+          </p:cNvPr>
+          <p:cNvPicPr>
+            <a:picLocks noChangeAspect="1"/>
+          </p:cNvPicPr>
+          <p:nvPr/>
+        </p:nvPicPr>
+        <p:blipFill>
+          <a:blip r:embed="rId2"/>
+          <a:stretch>
+            <a:fillRect/>
+          </a:stretch>
+        </p:blipFill>
+        <p:spPr>
+          <a:xfrm>
+            <a:off x="1296558" y="1689810"/>
+            <a:ext cx="5604636" cy="3460862"/>
+          </a:xfrm>
+          <a:prstGeom prst="rect">
+            <a:avLst/>
+          </a:prstGeom>
+        </p:spPr>
+      </p:pic>
+    </p:spTree>
+    <p:extLst>
+      <p:ext uri="{BB962C8B-B14F-4D97-AF65-F5344CB8AC3E}">
+        <p14:creationId xmlns:p14="http://schemas.microsoft.com/office/powerpoint/2010/main" val="2460202744"/>
+      </p:ext>
+    </p:extLst>
+  </p:cSld>
+  <p:clrMapOvr>
+    <a:masterClrMapping/>
+  </p:clrMapOvr>
+</p:sld>
+</file>
+
+<file path=ppt/slides/slide6.xml><?xml version="1.0" encoding="utf-8"?>
+<p:sld xmlns:a="http://schemas.openxmlformats.org/drawingml/2006/main" xmlns:r="http://schemas.openxmlformats.org/officeDocument/2006/relationships" xmlns:p="http://schemas.openxmlformats.org/presentationml/2006/main">
+  <p:cSld>
+    <p:bg>
+      <p:bgPr>
+        <a:solidFill>
+          <a:schemeClr val="bg1"/>
+        </a:solidFill>
+        <a:effectLst/>
+      </p:bgPr>
+    </p:bg>
+    <p:spTree>
+      <p:nvGrpSpPr>
+        <p:cNvPr id="1" name=""/>
+        <p:cNvGrpSpPr/>
+        <p:nvPr/>
+      </p:nvGrpSpPr>
+      <p:grpSpPr>
+        <a:xfrm>
+          <a:off x="0" y="0"/>
+          <a:ext cx="0" cy="0"/>
+          <a:chOff x="0" y="0"/>
+          <a:chExt cx="0" cy="0"/>
+        </a:xfrm>
+      </p:grpSpPr>
+      <p:sp useBgFill="1">
+        <p:nvSpPr>
+          <p:cNvPr id="11" name="Rectangle 10">
+            <a:extLst>
+              <a:ext uri="{FF2B5EF4-FFF2-40B4-BE49-F238E27FC236}">
+                <a16:creationId xmlns:a16="http://schemas.microsoft.com/office/drawing/2014/main" id="{2F687420-BEB4-45CD-8226-339BE553B8E6}"/>
+              </a:ext>
+              <a:ext uri="{C183D7F6-B498-43B3-948B-1728B52AA6E4}">
+                <adec:decorative xmlns:adec="http://schemas.microsoft.com/office/drawing/2017/decorative" val="1"/>
+              </a:ext>
+            </a:extLst>
+          </p:cNvPr>
+          <p:cNvSpPr>
+            <a:spLocks noGrp="1" noRot="1" noChangeAspect="1" noMove="1" noResize="1" noEditPoints="1" noAdjustHandles="1" noChangeArrowheads="1" noChangeShapeType="1" noTextEdit="1"/>
+          </p:cNvSpPr>
+          <p:nvPr>
+            <p:extLst>
+              <p:ext uri="{386F3935-93C4-4BCD-93E2-E3B085C9AB24}">
+                <p16:designElem xmlns:p16="http://schemas.microsoft.com/office/powerpoint/2015/main" val="1"/>
+              </p:ext>
+            </p:extLst>
+          </p:nvPr>
+        </p:nvSpPr>
+        <p:spPr>
+          <a:xfrm>
+            <a:off x="0" y="0"/>
+            <a:ext cx="12191999" cy="6857365"/>
+          </a:xfrm>
+          <a:prstGeom prst="rect">
+            <a:avLst/>
+          </a:prstGeom>
+          <a:ln>
+            <a:noFill/>
+          </a:ln>
+        </p:spPr>
+        <p:style>
+          <a:lnRef idx="2">
+            <a:schemeClr val="accent1">
+              <a:shade val="50000"/>
+            </a:schemeClr>
+          </a:lnRef>
+          <a:fillRef idx="1">
+            <a:schemeClr val="accent1"/>
+          </a:fillRef>
+          <a:effectRef idx="0">
+            <a:schemeClr val="accent1"/>
+          </a:effectRef>
+          <a:fontRef idx="minor">
+            <a:schemeClr val="lt1"/>
+          </a:fontRef>
+        </p:style>
+        <p:txBody>
+          <a:bodyPr rtlCol="0" anchor="ctr"/>
+          <a:lstStyle/>
+          <a:p>
+            <a:pPr algn="ctr"/>
+            <a:endParaRPr lang="en-US"/>
+          </a:p>
+        </p:txBody>
+      </p:sp>
+      <p:sp>
+        <p:nvSpPr>
+          <p:cNvPr id="2" name="Title 1">
+            <a:extLst>
+              <a:ext uri="{FF2B5EF4-FFF2-40B4-BE49-F238E27FC236}">
+                <a16:creationId xmlns:a16="http://schemas.microsoft.com/office/drawing/2014/main" id="{2B993828-E530-43D5-0FF0-5AE433E365B0}"/>
+              </a:ext>
+            </a:extLst>
+          </p:cNvPr>
+          <p:cNvSpPr>
+            <a:spLocks noGrp="1"/>
+          </p:cNvSpPr>
+          <p:nvPr>
+            <p:ph type="title"/>
+          </p:nvPr>
+        </p:nvSpPr>
+        <p:spPr>
+          <a:xfrm>
+            <a:off x="645064" y="525982"/>
+            <a:ext cx="4282983" cy="1200361"/>
+          </a:xfrm>
+        </p:spPr>
+        <p:txBody>
+          <a:bodyPr anchor="b">
+            <a:normAutofit/>
+          </a:bodyPr>
+          <a:lstStyle/>
+          <a:p>
+            <a:r>
+              <a:rPr lang="en-US" sz="3600" dirty="0"/>
+              <a:t>Why The Difference?</a:t>
+            </a:r>
+          </a:p>
+        </p:txBody>
+      </p:sp>
+      <p:sp>
+        <p:nvSpPr>
+          <p:cNvPr id="13" name="Rectangle 12">
+            <a:extLst>
+              <a:ext uri="{FF2B5EF4-FFF2-40B4-BE49-F238E27FC236}">
+                <a16:creationId xmlns:a16="http://schemas.microsoft.com/office/drawing/2014/main" id="{169CC832-2974-4E8D-90ED-3E2941BA7336}"/>
+              </a:ext>
+              <a:ext uri="{C183D7F6-B498-43B3-948B-1728B52AA6E4}">
+                <adec:decorative xmlns:adec="http://schemas.microsoft.com/office/drawing/2017/decorative" val="1"/>
+              </a:ext>
+            </a:extLst>
+          </p:cNvPr>
+          <p:cNvSpPr>
+            <a:spLocks noGrp="1" noRot="1" noChangeAspect="1" noMove="1" noResize="1" noEditPoints="1" noAdjustHandles="1" noChangeArrowheads="1" noChangeShapeType="1" noTextEdit="1"/>
+          </p:cNvSpPr>
+          <p:nvPr>
+            <p:extLst>
+              <p:ext uri="{386F3935-93C4-4BCD-93E2-E3B085C9AB24}">
+                <p16:designElem xmlns:p16="http://schemas.microsoft.com/office/powerpoint/2015/main" val="1"/>
+              </p:ext>
+            </p:extLst>
+          </p:nvPr>
+        </p:nvSpPr>
+        <p:spPr>
+          <a:xfrm flipH="1">
+            <a:off x="616533" y="1944913"/>
+            <a:ext cx="4023360" cy="27432"/>
+          </a:xfrm>
+          <a:prstGeom prst="rect">
+            <a:avLst/>
+          </a:prstGeom>
+          <a:solidFill>
+            <a:schemeClr val="accent4"/>
+          </a:solidFill>
+          <a:ln>
+            <a:noFill/>
+          </a:ln>
+        </p:spPr>
+        <p:style>
+          <a:lnRef idx="2">
+            <a:schemeClr val="accent1">
+              <a:shade val="50000"/>
+            </a:schemeClr>
+          </a:lnRef>
+          <a:fillRef idx="1">
+            <a:schemeClr val="accent1"/>
+          </a:fillRef>
+          <a:effectRef idx="0">
+            <a:schemeClr val="accent1"/>
+          </a:effectRef>
+          <a:fontRef idx="minor">
+            <a:schemeClr val="lt1"/>
+          </a:fontRef>
+        </p:style>
+        <p:txBody>
+          <a:bodyPr rtlCol="0" anchor="ctr"/>
+          <a:lstStyle/>
+          <a:p>
+            <a:pPr algn="ctr"/>
+            <a:endParaRPr lang="en-US"/>
+          </a:p>
+        </p:txBody>
+      </p:sp>
+      <p:sp>
+        <p:nvSpPr>
+          <p:cNvPr id="3" name="Content Placeholder 2">
+            <a:extLst>
+              <a:ext uri="{FF2B5EF4-FFF2-40B4-BE49-F238E27FC236}">
+                <a16:creationId xmlns:a16="http://schemas.microsoft.com/office/drawing/2014/main" id="{90266016-68D6-BBD2-D619-69DF5012B398}"/>
+              </a:ext>
+            </a:extLst>
+          </p:cNvPr>
+          <p:cNvSpPr>
+            <a:spLocks noGrp="1"/>
+          </p:cNvSpPr>
+          <p:nvPr>
+            <p:ph idx="1"/>
+          </p:nvPr>
+        </p:nvSpPr>
+        <p:spPr>
+          <a:xfrm>
+            <a:off x="645066" y="2031101"/>
+            <a:ext cx="4282984" cy="3511943"/>
+          </a:xfrm>
+        </p:spPr>
+        <p:txBody>
+          <a:bodyPr anchor="ctr">
+            <a:normAutofit/>
+          </a:bodyPr>
+          <a:lstStyle/>
+          <a:p>
+            <a:r>
+              <a:rPr lang="en-US" sz="1500" dirty="0"/>
+              <a:t>Greece was small and poor but with a massive fleet.</a:t>
+            </a:r>
+          </a:p>
+          <a:p>
+            <a:r>
+              <a:rPr lang="en-US" sz="1500" dirty="0"/>
+              <a:t>The British needed the Greek fleet, and basically forced Greek ships to be part of the British supply effort.</a:t>
+            </a:r>
+          </a:p>
+          <a:p>
+            <a:r>
+              <a:rPr lang="en-US" sz="1500" dirty="0"/>
+              <a:t>The US Neutrality Act of 1939 restricted war commerce to “Cash and Carry.”</a:t>
+            </a:r>
+          </a:p>
+          <a:p>
+            <a:r>
+              <a:rPr lang="en-US" sz="1500" dirty="0"/>
+              <a:t>And the US had the second largest navy in the world and was the world’s premier industrial power.</a:t>
+            </a:r>
+          </a:p>
+          <a:p>
+            <a:r>
+              <a:rPr lang="en-US" sz="1500" dirty="0"/>
+              <a:t>Nearly half of the Greek losses occurred before Greece and Germany were at war.</a:t>
+            </a:r>
+          </a:p>
+          <a:p>
+            <a:r>
+              <a:rPr lang="en-US" sz="1500" dirty="0"/>
+              <a:t>“The Weak suffer what they must.” –Thucydides </a:t>
+            </a:r>
+          </a:p>
+        </p:txBody>
+      </p:sp>
+      <p:sp>
+        <p:nvSpPr>
+          <p:cNvPr id="15" name="Rectangle 14">
+            <a:extLst>
+              <a:ext uri="{FF2B5EF4-FFF2-40B4-BE49-F238E27FC236}">
+                <a16:creationId xmlns:a16="http://schemas.microsoft.com/office/drawing/2014/main" id="{55222F96-971A-4F90-B841-6BAB416C7AC1}"/>
+              </a:ext>
+              <a:ext uri="{C183D7F6-B498-43B3-948B-1728B52AA6E4}">
+                <adec:decorative xmlns:adec="http://schemas.microsoft.com/office/drawing/2017/decorative" val="1"/>
+              </a:ext>
+            </a:extLst>
+          </p:cNvPr>
+          <p:cNvSpPr>
+            <a:spLocks noGrp="1" noRot="1" noChangeAspect="1" noMove="1" noResize="1" noEditPoints="1" noAdjustHandles="1" noChangeArrowheads="1" noChangeShapeType="1" noTextEdit="1"/>
+          </p:cNvSpPr>
+          <p:nvPr>
+            <p:extLst>
+              <p:ext uri="{386F3935-93C4-4BCD-93E2-E3B085C9AB24}">
+                <p16:designElem xmlns:p16="http://schemas.microsoft.com/office/powerpoint/2015/main" val="1"/>
+              </p:ext>
+            </p:extLst>
+          </p:nvPr>
+        </p:nvSpPr>
+        <p:spPr>
+          <a:xfrm rot="5400000">
+            <a:off x="-225843" y="6053360"/>
+            <a:ext cx="740664" cy="154124"/>
+          </a:xfrm>
+          <a:prstGeom prst="rect">
+            <a:avLst/>
+          </a:prstGeom>
+          <a:solidFill>
+            <a:schemeClr val="accent4"/>
+          </a:solidFill>
+          <a:ln>
+            <a:noFill/>
+          </a:ln>
+        </p:spPr>
+        <p:style>
+          <a:lnRef idx="2">
+            <a:schemeClr val="accent1">
+              <a:shade val="50000"/>
+            </a:schemeClr>
+          </a:lnRef>
+          <a:fillRef idx="1">
+            <a:schemeClr val="accent1"/>
+          </a:fillRef>
+          <a:effectRef idx="0">
+            <a:schemeClr val="accent1"/>
+          </a:effectRef>
+          <a:fontRef idx="minor">
+            <a:schemeClr val="lt1"/>
+          </a:fontRef>
+        </p:style>
+        <p:txBody>
+          <a:bodyPr rtlCol="0" anchor="ctr"/>
+          <a:lstStyle/>
+          <a:p>
+            <a:pPr algn="ctr"/>
+            <a:endParaRPr lang="en-US"/>
+          </a:p>
+        </p:txBody>
+      </p:sp>
+      <p:sp>
+        <p:nvSpPr>
+          <p:cNvPr id="17" name="Rectangle 16">
+            <a:extLst>
+              <a:ext uri="{FF2B5EF4-FFF2-40B4-BE49-F238E27FC236}">
+                <a16:creationId xmlns:a16="http://schemas.microsoft.com/office/drawing/2014/main" id="{08980754-6F4B-43C9-B9BE-127B6BED6586}"/>
+              </a:ext>
+              <a:ext uri="{C183D7F6-B498-43B3-948B-1728B52AA6E4}">
+                <adec:decorative xmlns:adec="http://schemas.microsoft.com/office/drawing/2017/decorative" val="1"/>
+              </a:ext>
+            </a:extLst>
+          </p:cNvPr>
+          <p:cNvSpPr>
+            <a:spLocks noGrp="1" noRot="1" noChangeAspect="1" noMove="1" noResize="1" noEditPoints="1" noAdjustHandles="1" noChangeArrowheads="1" noChangeShapeType="1" noTextEdit="1"/>
+          </p:cNvSpPr>
+          <p:nvPr>
+            <p:extLst>
+              <p:ext uri="{386F3935-93C4-4BCD-93E2-E3B085C9AB24}">
+                <p16:designElem xmlns:p16="http://schemas.microsoft.com/office/powerpoint/2015/main" val="1"/>
+              </p:ext>
+            </p:extLst>
+          </p:nvPr>
+        </p:nvSpPr>
+        <p:spPr>
+          <a:xfrm rot="5400000">
+            <a:off x="5904923" y="215201"/>
+            <a:ext cx="740664" cy="11833491"/>
+          </a:xfrm>
+          <a:prstGeom prst="rect">
+            <a:avLst/>
+          </a:prstGeom>
+          <a:solidFill>
+            <a:schemeClr val="accent4"/>
+          </a:solidFill>
+          <a:ln>
+            <a:noFill/>
+          </a:ln>
+        </p:spPr>
+        <p:style>
+          <a:lnRef idx="2">
+            <a:schemeClr val="accent1">
+              <a:shade val="50000"/>
+            </a:schemeClr>
+          </a:lnRef>
+          <a:fillRef idx="1">
+            <a:schemeClr val="accent1"/>
+          </a:fillRef>
+          <a:effectRef idx="0">
+            <a:schemeClr val="accent1"/>
+          </a:effectRef>
+          <a:fontRef idx="minor">
+            <a:schemeClr val="lt1"/>
+          </a:fontRef>
+        </p:style>
+        <p:txBody>
+          <a:bodyPr rtlCol="0" anchor="ctr"/>
+          <a:lstStyle/>
+          <a:p>
+            <a:pPr algn="ctr"/>
+            <a:endParaRPr lang="en-US"/>
+          </a:p>
+        </p:txBody>
+      </p:sp>
+      <p:sp>
+        <p:nvSpPr>
+          <p:cNvPr id="19" name="Rectangle 18">
+            <a:extLst>
+              <a:ext uri="{FF2B5EF4-FFF2-40B4-BE49-F238E27FC236}">
+                <a16:creationId xmlns:a16="http://schemas.microsoft.com/office/drawing/2014/main" id="{2C1BBA94-3F40-40AA-8BB9-E69E25E537C1}"/>
+              </a:ext>
+              <a:ext uri="{C183D7F6-B498-43B3-948B-1728B52AA6E4}">
+                <adec:decorative xmlns:adec="http://schemas.microsoft.com/office/drawing/2017/decorative" val="1"/>
+              </a:ext>
+            </a:extLst>
+          </p:cNvPr>
+          <p:cNvSpPr>
+            <a:spLocks noGrp="1" noRot="1" noChangeAspect="1" noMove="1" noResize="1" noEditPoints="1" noAdjustHandles="1" noChangeArrowheads="1" noChangeShapeType="1" noTextEdit="1"/>
+          </p:cNvSpPr>
+          <p:nvPr>
+            <p:extLst>
+              <p:ext uri="{386F3935-93C4-4BCD-93E2-E3B085C9AB24}">
+                <p16:designElem xmlns:p16="http://schemas.microsoft.com/office/powerpoint/2015/main" val="1"/>
+              </p:ext>
+            </p:extLst>
+          </p:nvPr>
+        </p:nvSpPr>
+        <p:spPr>
+          <a:xfrm>
+            <a:off x="5696793" y="354959"/>
+            <a:ext cx="6184973" cy="5915212"/>
+          </a:xfrm>
+          <a:prstGeom prst="rect">
+            <a:avLst/>
+          </a:prstGeom>
+          <a:solidFill>
+            <a:schemeClr val="bg1"/>
+          </a:solidFill>
+          <a:ln>
+            <a:noFill/>
+          </a:ln>
+          <a:effectLst>
+            <a:outerShdw blurRad="139700" dist="127000" dir="5400000" algn="t" rotWithShape="0">
+              <a:prstClr val="black">
+                <a:alpha val="15000"/>
+              </a:prstClr>
+            </a:outerShdw>
+          </a:effectLst>
+        </p:spPr>
+        <p:style>
+          <a:lnRef idx="2">
+            <a:schemeClr val="accent1">
+              <a:shade val="50000"/>
+            </a:schemeClr>
+          </a:lnRef>
+          <a:fillRef idx="1">
+            <a:schemeClr val="accent1"/>
+          </a:fillRef>
+          <a:effectRef idx="0">
+            <a:schemeClr val="accent1"/>
+          </a:effectRef>
+          <a:fontRef idx="minor">
+            <a:schemeClr val="lt1"/>
+          </a:fontRef>
+        </p:style>
+        <p:txBody>
+          <a:bodyPr rtlCol="0" anchor="ctr"/>
+          <a:lstStyle/>
+          <a:p>
+            <a:pPr algn="ctr"/>
+            <a:endParaRPr lang="en-US"/>
+          </a:p>
+        </p:txBody>
+      </p:sp>
+      <p:pic>
+        <p:nvPicPr>
+          <p:cNvPr id="6" name="Picture 5">
+            <a:extLst>
+              <a:ext uri="{FF2B5EF4-FFF2-40B4-BE49-F238E27FC236}">
+                <a16:creationId xmlns:a16="http://schemas.microsoft.com/office/drawing/2014/main" id="{0A06B628-7368-E39D-3605-5F447350774E}"/>
+              </a:ext>
+            </a:extLst>
+          </p:cNvPr>
+          <p:cNvPicPr>
+            <a:picLocks noChangeAspect="1"/>
+          </p:cNvPicPr>
+          <p:nvPr/>
+        </p:nvPicPr>
+        <p:blipFill rotWithShape="1">
+          <a:blip r:embed="rId2"/>
+          <a:srcRect l="19091" r="19333" b="-2"/>
+          <a:stretch/>
+        </p:blipFill>
+        <p:spPr>
+          <a:xfrm>
+            <a:off x="5987738" y="650494"/>
+            <a:ext cx="5628018" cy="5324142"/>
+          </a:xfrm>
+          <a:prstGeom prst="rect">
+            <a:avLst/>
+          </a:prstGeom>
+        </p:spPr>
+      </p:pic>
+    </p:spTree>
+    <p:extLst>
+      <p:ext uri="{BB962C8B-B14F-4D97-AF65-F5344CB8AC3E}">
+        <p14:creationId xmlns:p14="http://schemas.microsoft.com/office/powerpoint/2010/main" val="3046866799"/>
+      </p:ext>
+    </p:extLst>
+  </p:cSld>
+  <p:clrMapOvr>
+    <a:masterClrMapping/>
+  </p:clrMapOvr>
+</p:sld>
+</file>
+
+<file path=ppt/slides/slide7.xml><?xml version="1.0" encoding="utf-8"?>
+<p:sld xmlns:a="http://schemas.openxmlformats.org/drawingml/2006/main" xmlns:r="http://schemas.openxmlformats.org/officeDocument/2006/relationships" xmlns:p="http://schemas.openxmlformats.org/presentationml/2006/main">
+  <p:cSld>
+    <p:bg>
+      <p:bgPr>
+        <a:solidFill>
+          <a:schemeClr val="bg1"/>
+        </a:solidFill>
+        <a:effectLst/>
+      </p:bgPr>
+    </p:bg>
+    <p:spTree>
+      <p:nvGrpSpPr>
+        <p:cNvPr id="1" name=""/>
+        <p:cNvGrpSpPr/>
+        <p:nvPr/>
+      </p:nvGrpSpPr>
+      <p:grpSpPr>
+        <a:xfrm>
+          <a:off x="0" y="0"/>
+          <a:ext cx="0" cy="0"/>
+          <a:chOff x="0" y="0"/>
+          <a:chExt cx="0" cy="0"/>
+        </a:xfrm>
+      </p:grpSpPr>
+      <p:sp useBgFill="1">
+        <p:nvSpPr>
+          <p:cNvPr id="9" name="Rectangle 8">
+            <a:extLst>
+              <a:ext uri="{FF2B5EF4-FFF2-40B4-BE49-F238E27FC236}">
+                <a16:creationId xmlns:a16="http://schemas.microsoft.com/office/drawing/2014/main" id="{B9D7E975-9161-4F2D-AC53-69E1912F6B5D}"/>
+              </a:ext>
+              <a:ext uri="{C183D7F6-B498-43B3-948B-1728B52AA6E4}">
+                <adec:decorative xmlns:adec="http://schemas.microsoft.com/office/drawing/2017/decorative" val="1"/>
+              </a:ext>
+            </a:extLst>
+          </p:cNvPr>
+          <p:cNvSpPr>
+            <a:spLocks noGrp="1" noRot="1" noChangeAspect="1" noMove="1" noResize="1" noEditPoints="1" noAdjustHandles="1" noChangeArrowheads="1" noChangeShapeType="1" noTextEdit="1"/>
+          </p:cNvSpPr>
+          <p:nvPr>
+            <p:extLst>
+              <p:ext uri="{386F3935-93C4-4BCD-93E2-E3B085C9AB24}">
+                <p16:designElem xmlns:p16="http://schemas.microsoft.com/office/powerpoint/2015/main" val="1"/>
+              </p:ext>
+            </p:extLst>
+          </p:nvPr>
+        </p:nvSpPr>
+        <p:spPr>
+          <a:xfrm>
+            <a:off x="0" y="0"/>
+            <a:ext cx="12192000" cy="6858000"/>
+          </a:xfrm>
+          <a:prstGeom prst="rect">
+            <a:avLst/>
+          </a:prstGeom>
+          <a:ln>
+            <a:noFill/>
+          </a:ln>
+        </p:spPr>
+        <p:style>
+          <a:lnRef idx="2">
+            <a:schemeClr val="accent1">
+              <a:shade val="50000"/>
+            </a:schemeClr>
+          </a:lnRef>
+          <a:fillRef idx="1">
+            <a:schemeClr val="accent1"/>
+          </a:fillRef>
+          <a:effectRef idx="0">
+            <a:schemeClr val="accent1"/>
+          </a:effectRef>
+          <a:fontRef idx="minor">
+            <a:schemeClr val="lt1"/>
+          </a:fontRef>
+        </p:style>
+        <p:txBody>
+          <a:bodyPr rtlCol="0" anchor="ctr"/>
+          <a:lstStyle/>
+          <a:p>
+            <a:pPr algn="ctr"/>
+            <a:endParaRPr lang="en-US"/>
+          </a:p>
+        </p:txBody>
+      </p:sp>
+      <p:pic>
+        <p:nvPicPr>
+          <p:cNvPr id="4" name="Picture 3">
+            <a:extLst>
+              <a:ext uri="{FF2B5EF4-FFF2-40B4-BE49-F238E27FC236}">
+                <a16:creationId xmlns:a16="http://schemas.microsoft.com/office/drawing/2014/main" id="{CF762E68-2DA1-4E38-4B65-14AEC93E80D8}"/>
+              </a:ext>
+            </a:extLst>
+          </p:cNvPr>
+          <p:cNvPicPr>
+            <a:picLocks noChangeAspect="1"/>
+          </p:cNvPicPr>
+          <p:nvPr/>
+        </p:nvPicPr>
+        <p:blipFill>
+          <a:blip r:embed="rId2"/>
+          <a:stretch>
+            <a:fillRect/>
+          </a:stretch>
+        </p:blipFill>
+        <p:spPr>
+          <a:xfrm>
+            <a:off x="621675" y="1392696"/>
+            <a:ext cx="6589537" cy="4069039"/>
+          </a:xfrm>
+          <a:prstGeom prst="rect">
+            <a:avLst/>
+          </a:prstGeom>
+        </p:spPr>
+      </p:pic>
+      <p:sp>
+        <p:nvSpPr>
+          <p:cNvPr id="11" name="Right Triangle 10">
+            <a:extLst>
+              <a:ext uri="{FF2B5EF4-FFF2-40B4-BE49-F238E27FC236}">
+                <a16:creationId xmlns:a16="http://schemas.microsoft.com/office/drawing/2014/main" id="{827DC2C4-B485-428A-BF4A-472D2967F47F}"/>
+              </a:ext>
+              <a:ext uri="{C183D7F6-B498-43B3-948B-1728B52AA6E4}">
+                <adec:decorative xmlns:adec="http://schemas.microsoft.com/office/drawing/2017/decorative" val="1"/>
+              </a:ext>
+            </a:extLst>
+          </p:cNvPr>
+          <p:cNvSpPr>
+            <a:spLocks noGrp="1" noRot="1" noChangeAspect="1" noMove="1" noResize="1" noEditPoints="1" noAdjustHandles="1" noChangeArrowheads="1" noChangeShapeType="1" noTextEdit="1"/>
+          </p:cNvSpPr>
+          <p:nvPr>
+            <p:extLst>
+              <p:ext uri="{386F3935-93C4-4BCD-93E2-E3B085C9AB24}">
+                <p16:designElem xmlns:p16="http://schemas.microsoft.com/office/powerpoint/2015/main" val="1"/>
+              </p:ext>
+            </p:extLst>
+          </p:nvPr>
+        </p:nvSpPr>
+        <p:spPr>
+          <a:xfrm flipH="1">
+            <a:off x="8576720" y="3335867"/>
+            <a:ext cx="3291840" cy="3200400"/>
+          </a:xfrm>
+          <a:prstGeom prst="rtTriangle">
+            <a:avLst/>
+          </a:prstGeom>
+          <a:solidFill>
+            <a:schemeClr val="accent4"/>
+          </a:solidFill>
+          <a:ln>
+            <a:noFill/>
+          </a:ln>
+        </p:spPr>
+        <p:style>
+          <a:lnRef idx="2">
+            <a:schemeClr val="accent1">
+              <a:shade val="50000"/>
+            </a:schemeClr>
+          </a:lnRef>
+          <a:fillRef idx="1">
+            <a:schemeClr val="accent1"/>
+          </a:fillRef>
+          <a:effectRef idx="0">
+            <a:schemeClr val="accent1"/>
+          </a:effectRef>
+          <a:fontRef idx="minor">
+            <a:schemeClr val="lt1"/>
+          </a:fontRef>
+        </p:style>
+        <p:txBody>
+          <a:bodyPr rtlCol="0" anchor="ctr"/>
+          <a:lstStyle/>
+          <a:p>
+            <a:pPr algn="ctr"/>
+            <a:endParaRPr lang="en-US" dirty="0"/>
+          </a:p>
+        </p:txBody>
+      </p:sp>
+      <p:sp>
+        <p:nvSpPr>
+          <p:cNvPr id="13" name="Rectangle 12">
+            <a:extLst>
+              <a:ext uri="{FF2B5EF4-FFF2-40B4-BE49-F238E27FC236}">
+                <a16:creationId xmlns:a16="http://schemas.microsoft.com/office/drawing/2014/main" id="{463E6235-1649-4B47-9862-4026FC473B6F}"/>
+              </a:ext>
+              <a:ext uri="{C183D7F6-B498-43B3-948B-1728B52AA6E4}">
+                <adec:decorative xmlns:adec="http://schemas.microsoft.com/office/drawing/2017/decorative" val="1"/>
+              </a:ext>
+            </a:extLst>
+          </p:cNvPr>
+          <p:cNvSpPr>
+            <a:spLocks noGrp="1" noRot="1" noChangeAspect="1" noMove="1" noResize="1" noEditPoints="1" noAdjustHandles="1" noChangeArrowheads="1" noChangeShapeType="1" noTextEdit="1"/>
+          </p:cNvSpPr>
+          <p:nvPr>
+            <p:extLst>
+              <p:ext uri="{386F3935-93C4-4BCD-93E2-E3B085C9AB24}">
+                <p16:designElem xmlns:p16="http://schemas.microsoft.com/office/powerpoint/2015/main" val="1"/>
+              </p:ext>
+            </p:extLst>
+          </p:nvPr>
+        </p:nvSpPr>
+        <p:spPr>
+          <a:xfrm>
+            <a:off x="7534653" y="623275"/>
+            <a:ext cx="4012173" cy="5607882"/>
+          </a:xfrm>
+          <a:prstGeom prst="rect">
+            <a:avLst/>
+          </a:prstGeom>
+          <a:noFill/>
+          <a:ln w="19050">
+            <a:solidFill>
+              <a:schemeClr val="tx1">
+                <a:lumMod val="75000"/>
+                <a:lumOff val="25000"/>
+              </a:schemeClr>
+            </a:solidFill>
+          </a:ln>
+        </p:spPr>
+        <p:style>
+          <a:lnRef idx="2">
+            <a:schemeClr val="accent1">
+              <a:shade val="50000"/>
+            </a:schemeClr>
+          </a:lnRef>
+          <a:fillRef idx="1">
+            <a:schemeClr val="accent1"/>
+          </a:fillRef>
+          <a:effectRef idx="0">
+            <a:schemeClr val="accent1"/>
+          </a:effectRef>
+          <a:fontRef idx="minor">
+            <a:schemeClr val="lt1"/>
+          </a:fontRef>
+        </p:style>
+        <p:txBody>
+          <a:bodyPr rtlCol="0" anchor="ctr"/>
+          <a:lstStyle/>
+          <a:p>
+            <a:pPr algn="ctr"/>
+            <a:endParaRPr lang="en-US"/>
+          </a:p>
+        </p:txBody>
+      </p:sp>
+      <p:sp>
+        <p:nvSpPr>
+          <p:cNvPr id="2" name="Title 1">
+            <a:extLst>
+              <a:ext uri="{FF2B5EF4-FFF2-40B4-BE49-F238E27FC236}">
+                <a16:creationId xmlns:a16="http://schemas.microsoft.com/office/drawing/2014/main" id="{FB026E07-5E8E-908D-8688-B15E182BFF0D}"/>
+              </a:ext>
+            </a:extLst>
+          </p:cNvPr>
+          <p:cNvSpPr>
+            <a:spLocks noGrp="1"/>
+          </p:cNvSpPr>
+          <p:nvPr>
+            <p:ph type="title"/>
+          </p:nvPr>
+        </p:nvSpPr>
+        <p:spPr>
+          <a:xfrm>
+            <a:off x="8052497" y="1056640"/>
+            <a:ext cx="3197660" cy="3125746"/>
+          </a:xfrm>
+        </p:spPr>
+        <p:txBody>
+          <a:bodyPr vert="horz" lIns="91440" tIns="45720" rIns="91440" bIns="45720" rtlCol="0" anchor="b">
+            <a:normAutofit/>
+          </a:bodyPr>
+          <a:lstStyle/>
+          <a:p>
+            <a:r>
+              <a:rPr lang="en-US" sz="5600" kern="1200">
+                <a:solidFill>
+                  <a:schemeClr val="tx1"/>
+                </a:solidFill>
+                <a:latin typeface="+mj-lt"/>
+                <a:ea typeface="+mj-ea"/>
+                <a:cs typeface="+mj-cs"/>
+              </a:rPr>
+              <a:t>Luftwaffe: Atlantic</a:t>
+            </a:r>
+          </a:p>
+        </p:txBody>
+      </p:sp>
+    </p:spTree>
+    <p:extLst>
+      <p:ext uri="{BB962C8B-B14F-4D97-AF65-F5344CB8AC3E}">
+        <p14:creationId xmlns:p14="http://schemas.microsoft.com/office/powerpoint/2010/main" val="443905373"/>
+      </p:ext>
+    </p:extLst>
+  </p:cSld>
+  <p:clrMapOvr>
+    <a:masterClrMapping/>
+  </p:clrMapOvr>
+</p:sld>
+</file>
+
+<file path=ppt/slides/slide8.xml><?xml version="1.0" encoding="utf-8"?>
+<p:sld xmlns:a="http://schemas.openxmlformats.org/drawingml/2006/main" xmlns:r="http://schemas.openxmlformats.org/officeDocument/2006/relationships" xmlns:p="http://schemas.openxmlformats.org/presentationml/2006/main">
+  <p:cSld>
+    <p:bg>
+      <p:bgPr>
+        <a:solidFill>
+          <a:schemeClr val="bg1"/>
+        </a:solidFill>
+        <a:effectLst/>
+      </p:bgPr>
+    </p:bg>
+    <p:spTree>
+      <p:nvGrpSpPr>
+        <p:cNvPr id="1" name=""/>
+        <p:cNvGrpSpPr/>
+        <p:nvPr/>
+      </p:nvGrpSpPr>
+      <p:grpSpPr>
+        <a:xfrm>
+          <a:off x="0" y="0"/>
+          <a:ext cx="0" cy="0"/>
+          <a:chOff x="0" y="0"/>
+          <a:chExt cx="0" cy="0"/>
+        </a:xfrm>
+      </p:grpSpPr>
+      <p:sp useBgFill="1">
+        <p:nvSpPr>
+          <p:cNvPr id="20" name="Rectangle 19">
+            <a:extLst>
+              <a:ext uri="{FF2B5EF4-FFF2-40B4-BE49-F238E27FC236}">
+                <a16:creationId xmlns:a16="http://schemas.microsoft.com/office/drawing/2014/main" id="{BA79A7CF-01AF-4178-9369-94E0C90EB046}"/>
+              </a:ext>
+              <a:ext uri="{C183D7F6-B498-43B3-948B-1728B52AA6E4}">
+                <adec:decorative xmlns:adec="http://schemas.microsoft.com/office/drawing/2017/decorative" val="1"/>
+              </a:ext>
+            </a:extLst>
+          </p:cNvPr>
+          <p:cNvSpPr>
+            <a:spLocks noGrp="1" noRot="1" noChangeAspect="1" noMove="1" noResize="1" noEditPoints="1" noAdjustHandles="1" noChangeArrowheads="1" noChangeShapeType="1" noTextEdit="1"/>
+          </p:cNvSpPr>
+          <p:nvPr>
+            <p:extLst>
+              <p:ext uri="{386F3935-93C4-4BCD-93E2-E3B085C9AB24}">
+                <p16:designElem xmlns:p16="http://schemas.microsoft.com/office/powerpoint/2015/main" val="1"/>
+              </p:ext>
+            </p:extLst>
+          </p:nvPr>
+        </p:nvSpPr>
+        <p:spPr>
+          <a:xfrm>
+            <a:off x="0" y="0"/>
+            <a:ext cx="12191999" cy="6857365"/>
+          </a:xfrm>
+          <a:prstGeom prst="rect">
+            <a:avLst/>
+          </a:prstGeom>
+          <a:ln>
+            <a:noFill/>
+          </a:ln>
+        </p:spPr>
+        <p:style>
+          <a:lnRef idx="2">
+            <a:schemeClr val="accent1">
+              <a:shade val="50000"/>
+            </a:schemeClr>
+          </a:lnRef>
+          <a:fillRef idx="1">
+            <a:schemeClr val="accent1"/>
+          </a:fillRef>
+          <a:effectRef idx="0">
+            <a:schemeClr val="accent1"/>
+          </a:effectRef>
+          <a:fontRef idx="minor">
+            <a:schemeClr val="lt1"/>
+          </a:fontRef>
+        </p:style>
+        <p:txBody>
+          <a:bodyPr rtlCol="0" anchor="ctr"/>
+          <a:lstStyle/>
+          <a:p>
+            <a:pPr algn="ctr"/>
+            <a:endParaRPr lang="en-US"/>
+          </a:p>
+        </p:txBody>
+      </p:sp>
+      <p:sp>
+        <p:nvSpPr>
+          <p:cNvPr id="2" name="Title 1">
+            <a:extLst>
+              <a:ext uri="{FF2B5EF4-FFF2-40B4-BE49-F238E27FC236}">
+                <a16:creationId xmlns:a16="http://schemas.microsoft.com/office/drawing/2014/main" id="{7501294D-A559-A7DD-0DAC-D86BD2FB572F}"/>
+              </a:ext>
+            </a:extLst>
+          </p:cNvPr>
+          <p:cNvSpPr>
+            <a:spLocks noGrp="1"/>
+          </p:cNvSpPr>
+          <p:nvPr>
+            <p:ph type="title"/>
+          </p:nvPr>
+        </p:nvSpPr>
+        <p:spPr>
+          <a:xfrm>
+            <a:off x="9267909" y="2023110"/>
+            <a:ext cx="2469624" cy="2846070"/>
+          </a:xfrm>
+        </p:spPr>
+        <p:txBody>
+          <a:bodyPr vert="horz" lIns="91440" tIns="45720" rIns="91440" bIns="45720" rtlCol="0" anchor="ctr">
+            <a:normAutofit/>
+          </a:bodyPr>
+          <a:lstStyle/>
+          <a:p>
+            <a:r>
+              <a:rPr lang="en-US" sz="2900" kern="1200">
+                <a:solidFill>
+                  <a:schemeClr val="tx1"/>
+                </a:solidFill>
+                <a:latin typeface="+mj-lt"/>
+                <a:ea typeface="+mj-ea"/>
+                <a:cs typeface="+mj-cs"/>
+              </a:rPr>
+              <a:t>Luftwaffe: Mediterranean</a:t>
+            </a:r>
+          </a:p>
+        </p:txBody>
+      </p:sp>
+      <p:sp>
+        <p:nvSpPr>
+          <p:cNvPr id="21" name="Rectangle 20">
+            <a:extLst>
+              <a:ext uri="{FF2B5EF4-FFF2-40B4-BE49-F238E27FC236}">
+                <a16:creationId xmlns:a16="http://schemas.microsoft.com/office/drawing/2014/main" id="{99413ED5-9ED4-4772-BCE4-2BCAE6B12E35}"/>
+              </a:ext>
+              <a:ext uri="{C183D7F6-B498-43B3-948B-1728B52AA6E4}">
+                <adec:decorative xmlns:adec="http://schemas.microsoft.com/office/drawing/2017/decorative" val="1"/>
+              </a:ext>
+            </a:extLst>
+          </p:cNvPr>
+          <p:cNvSpPr>
+            <a:spLocks noGrp="1" noRot="1" noChangeAspect="1" noMove="1" noResize="1" noEditPoints="1" noAdjustHandles="1" noChangeArrowheads="1" noChangeShapeType="1" noTextEdit="1"/>
+          </p:cNvSpPr>
+          <p:nvPr>
+            <p:extLst>
+              <p:ext uri="{386F3935-93C4-4BCD-93E2-E3B085C9AB24}">
+                <p16:designElem xmlns:p16="http://schemas.microsoft.com/office/powerpoint/2015/main" val="1"/>
+              </p:ext>
+            </p:extLst>
+          </p:nvPr>
+        </p:nvSpPr>
+        <p:spPr>
+          <a:xfrm rot="16200000">
+            <a:off x="3433973" y="-827233"/>
+            <a:ext cx="1715478" cy="8583421"/>
+          </a:xfrm>
+          <a:prstGeom prst="rect">
+            <a:avLst/>
+          </a:prstGeom>
+          <a:solidFill>
+            <a:schemeClr val="accent4"/>
+          </a:solidFill>
+          <a:ln>
+            <a:noFill/>
+          </a:ln>
+        </p:spPr>
+        <p:style>
+          <a:lnRef idx="2">
+            <a:schemeClr val="accent1">
+              <a:shade val="50000"/>
+            </a:schemeClr>
+          </a:lnRef>
+          <a:fillRef idx="1">
+            <a:schemeClr val="accent1"/>
+          </a:fillRef>
+          <a:effectRef idx="0">
+            <a:schemeClr val="accent1"/>
+          </a:effectRef>
+          <a:fontRef idx="minor">
+            <a:schemeClr val="lt1"/>
+          </a:fontRef>
+        </p:style>
+        <p:txBody>
+          <a:bodyPr rtlCol="0" anchor="ctr"/>
+          <a:lstStyle/>
+          <a:p>
+            <a:pPr algn="ctr"/>
+            <a:endParaRPr lang="en-US" dirty="0"/>
+          </a:p>
+        </p:txBody>
+      </p:sp>
+      <p:sp>
+        <p:nvSpPr>
+          <p:cNvPr id="22" name="Rectangle 21">
+            <a:extLst>
+              <a:ext uri="{FF2B5EF4-FFF2-40B4-BE49-F238E27FC236}">
+                <a16:creationId xmlns:a16="http://schemas.microsoft.com/office/drawing/2014/main" id="{04357C93-F0CB-4A1C-8F77-4E9063789819}"/>
+              </a:ext>
+              <a:ext uri="{C183D7F6-B498-43B3-948B-1728B52AA6E4}">
+                <adec:decorative xmlns:adec="http://schemas.microsoft.com/office/drawing/2017/decorative" val="1"/>
+              </a:ext>
+            </a:extLst>
+          </p:cNvPr>
+          <p:cNvSpPr>
+            <a:spLocks noGrp="1" noRot="1" noChangeAspect="1" noMove="1" noResize="1" noEditPoints="1" noAdjustHandles="1" noChangeArrowheads="1" noChangeShapeType="1" noTextEdit="1"/>
+          </p:cNvSpPr>
+          <p:nvPr>
+            <p:extLst>
+              <p:ext uri="{386F3935-93C4-4BCD-93E2-E3B085C9AB24}">
+                <p16:designElem xmlns:p16="http://schemas.microsoft.com/office/powerpoint/2015/main" val="1"/>
+              </p:ext>
+            </p:extLst>
+          </p:nvPr>
+        </p:nvSpPr>
+        <p:spPr>
+          <a:xfrm>
+            <a:off x="302085" y="664308"/>
+            <a:ext cx="8082632" cy="5600340"/>
+          </a:xfrm>
+          <a:prstGeom prst="rect">
+            <a:avLst/>
+          </a:prstGeom>
+          <a:solidFill>
+            <a:schemeClr val="bg1"/>
+          </a:solidFill>
+          <a:ln>
+            <a:noFill/>
+          </a:ln>
+          <a:effectLst>
+            <a:outerShdw blurRad="139700" dist="127000" dir="5400000" algn="t" rotWithShape="0">
+              <a:prstClr val="black">
+                <a:alpha val="15000"/>
+              </a:prstClr>
+            </a:outerShdw>
+          </a:effectLst>
+        </p:spPr>
+        <p:style>
+          <a:lnRef idx="2">
+            <a:schemeClr val="accent1">
+              <a:shade val="50000"/>
+            </a:schemeClr>
+          </a:lnRef>
+          <a:fillRef idx="1">
+            <a:schemeClr val="accent1"/>
+          </a:fillRef>
+          <a:effectRef idx="0">
+            <a:schemeClr val="accent1"/>
+          </a:effectRef>
+          <a:fontRef idx="minor">
+            <a:schemeClr val="lt1"/>
+          </a:fontRef>
+        </p:style>
+        <p:txBody>
+          <a:bodyPr rtlCol="0" anchor="ctr"/>
+          <a:lstStyle/>
+          <a:p>
+            <a:pPr algn="ctr"/>
+            <a:endParaRPr lang="en-US"/>
+          </a:p>
+        </p:txBody>
+      </p:sp>
+      <p:pic>
+        <p:nvPicPr>
+          <p:cNvPr id="4" name="Picture 3">
+            <a:extLst>
+              <a:ext uri="{FF2B5EF4-FFF2-40B4-BE49-F238E27FC236}">
+                <a16:creationId xmlns:a16="http://schemas.microsoft.com/office/drawing/2014/main" id="{F9728FE7-B3E6-2722-F10E-DCB8D62DCEF6}"/>
+              </a:ext>
+            </a:extLst>
+          </p:cNvPr>
+          <p:cNvPicPr>
+            <a:picLocks noChangeAspect="1"/>
+          </p:cNvPicPr>
+          <p:nvPr/>
+        </p:nvPicPr>
+        <p:blipFill>
+          <a:blip r:embed="rId2"/>
+          <a:stretch>
+            <a:fillRect/>
+          </a:stretch>
+        </p:blipFill>
+        <p:spPr>
+          <a:xfrm>
+            <a:off x="545238" y="1115414"/>
+            <a:ext cx="7608304" cy="4698128"/>
+          </a:xfrm>
+          <a:prstGeom prst="rect">
+            <a:avLst/>
+          </a:prstGeom>
+        </p:spPr>
+      </p:pic>
+      <p:sp>
+        <p:nvSpPr>
+          <p:cNvPr id="15" name="Rectangle 14">
+            <a:extLst>
+              <a:ext uri="{FF2B5EF4-FFF2-40B4-BE49-F238E27FC236}">
+                <a16:creationId xmlns:a16="http://schemas.microsoft.com/office/drawing/2014/main" id="{90F533E9-6690-41A8-A372-4C6C622D028D}"/>
+              </a:ext>
+              <a:ext uri="{C183D7F6-B498-43B3-948B-1728B52AA6E4}">
+                <adec:decorative xmlns:adec="http://schemas.microsoft.com/office/drawing/2017/decorative" val="1"/>
+              </a:ext>
+            </a:extLst>
+          </p:cNvPr>
+          <p:cNvSpPr>
+            <a:spLocks noGrp="1" noRot="1" noChangeAspect="1" noMove="1" noResize="1" noEditPoints="1" noAdjustHandles="1" noChangeArrowheads="1" noChangeShapeType="1" noTextEdit="1"/>
+          </p:cNvSpPr>
+          <p:nvPr>
+            <p:extLst>
+              <p:ext uri="{386F3935-93C4-4BCD-93E2-E3B085C9AB24}">
+                <p16:designElem xmlns:p16="http://schemas.microsoft.com/office/powerpoint/2015/main" val="1"/>
+              </p:ext>
+            </p:extLst>
+          </p:nvPr>
+        </p:nvSpPr>
+        <p:spPr>
+          <a:xfrm rot="5400000">
+            <a:off x="7950447" y="3392097"/>
+            <a:ext cx="1719072" cy="152382"/>
+          </a:xfrm>
+          <a:prstGeom prst="rect">
+            <a:avLst/>
+          </a:prstGeom>
+          <a:solidFill>
+            <a:schemeClr val="accent4"/>
+          </a:solidFill>
+          <a:ln>
+            <a:noFill/>
+          </a:ln>
+        </p:spPr>
+        <p:style>
+          <a:lnRef idx="2">
+            <a:schemeClr val="accent1">
+              <a:shade val="50000"/>
+            </a:schemeClr>
+          </a:lnRef>
+          <a:fillRef idx="1">
+            <a:schemeClr val="accent1"/>
+          </a:fillRef>
+          <a:effectRef idx="0">
+            <a:schemeClr val="accent1"/>
+          </a:effectRef>
+          <a:fontRef idx="minor">
+            <a:schemeClr val="lt1"/>
+          </a:fontRef>
+        </p:style>
+        <p:txBody>
+          <a:bodyPr rtlCol="0" anchor="ctr"/>
+          <a:lstStyle/>
+          <a:p>
+            <a:pPr algn="ctr"/>
+            <a:endParaRPr lang="en-US"/>
+          </a:p>
+        </p:txBody>
+      </p:sp>
+    </p:spTree>
+    <p:extLst>
+      <p:ext uri="{BB962C8B-B14F-4D97-AF65-F5344CB8AC3E}">
+        <p14:creationId xmlns:p14="http://schemas.microsoft.com/office/powerpoint/2010/main" val="2768572718"/>
+      </p:ext>
+    </p:extLst>
+  </p:cSld>
+  <p:clrMapOvr>
+    <a:masterClrMapping/>
+  </p:clrMapOvr>
+</p:sld>
+</file>
+
+<file path=ppt/slides/slide9.xml><?xml version="1.0" encoding="utf-8"?>
 <p:sld xmlns:a="http://schemas.openxmlformats.org/drawingml/2006/main" xmlns:r="http://schemas.openxmlformats.org/officeDocument/2006/relationships" xmlns:p="http://schemas.openxmlformats.org/presentationml/2006/main">
   <p:cSld>
     <p:bg>
@@ -4228,3211 +7688,6 @@
     <p:extLst>
       <p:ext uri="{BB962C8B-B14F-4D97-AF65-F5344CB8AC3E}">
         <p14:creationId xmlns:p14="http://schemas.microsoft.com/office/powerpoint/2010/main" val="41021841"/>
-      </p:ext>
-    </p:extLst>
-  </p:cSld>
-  <p:clrMapOvr>
-    <a:masterClrMapping/>
-  </p:clrMapOvr>
-</p:sld>
-</file>
-
-<file path=ppt/slides/slide11.xml><?xml version="1.0" encoding="utf-8"?>
-<p:sld xmlns:a="http://schemas.openxmlformats.org/drawingml/2006/main" xmlns:r="http://schemas.openxmlformats.org/officeDocument/2006/relationships" xmlns:p="http://schemas.openxmlformats.org/presentationml/2006/main">
-  <p:cSld>
-    <p:bg>
-      <p:bgPr>
-        <a:solidFill>
-          <a:schemeClr val="bg1"/>
-        </a:solidFill>
-        <a:effectLst/>
-      </p:bgPr>
-    </p:bg>
-    <p:spTree>
-      <p:nvGrpSpPr>
-        <p:cNvPr id="1" name=""/>
-        <p:cNvGrpSpPr/>
-        <p:nvPr/>
-      </p:nvGrpSpPr>
-      <p:grpSpPr>
-        <a:xfrm>
-          <a:off x="0" y="0"/>
-          <a:ext cx="0" cy="0"/>
-          <a:chOff x="0" y="0"/>
-          <a:chExt cx="0" cy="0"/>
-        </a:xfrm>
-      </p:grpSpPr>
-      <p:sp useBgFill="1">
-        <p:nvSpPr>
-          <p:cNvPr id="10" name="Rectangle 9">
-            <a:extLst>
-              <a:ext uri="{FF2B5EF4-FFF2-40B4-BE49-F238E27FC236}">
-                <a16:creationId xmlns:a16="http://schemas.microsoft.com/office/drawing/2014/main" id="{201CC55D-ED54-4C5C-95E6-10947BD1103B}"/>
-              </a:ext>
-              <a:ext uri="{C183D7F6-B498-43B3-948B-1728B52AA6E4}">
-                <adec:decorative xmlns:adec="http://schemas.microsoft.com/office/drawing/2017/decorative" val="1"/>
-              </a:ext>
-            </a:extLst>
-          </p:cNvPr>
-          <p:cNvSpPr>
-            <a:spLocks noGrp="1" noRot="1" noChangeAspect="1" noMove="1" noResize="1" noEditPoints="1" noAdjustHandles="1" noChangeArrowheads="1" noChangeShapeType="1" noTextEdit="1"/>
-          </p:cNvSpPr>
-          <p:nvPr>
-            <p:extLst>
-              <p:ext uri="{386F3935-93C4-4BCD-93E2-E3B085C9AB24}">
-                <p16:designElem xmlns:p16="http://schemas.microsoft.com/office/powerpoint/2015/main" val="1"/>
-              </p:ext>
-            </p:extLst>
-          </p:nvPr>
-        </p:nvSpPr>
-        <p:spPr>
-          <a:xfrm>
-            <a:off x="0" y="0"/>
-            <a:ext cx="12191999" cy="6857365"/>
-          </a:xfrm>
-          <a:prstGeom prst="rect">
-            <a:avLst/>
-          </a:prstGeom>
-          <a:ln>
-            <a:noFill/>
-          </a:ln>
-        </p:spPr>
-        <p:style>
-          <a:lnRef idx="2">
-            <a:schemeClr val="accent1">
-              <a:shade val="50000"/>
-            </a:schemeClr>
-          </a:lnRef>
-          <a:fillRef idx="1">
-            <a:schemeClr val="accent1"/>
-          </a:fillRef>
-          <a:effectRef idx="0">
-            <a:schemeClr val="accent1"/>
-          </a:effectRef>
-          <a:fontRef idx="minor">
-            <a:schemeClr val="lt1"/>
-          </a:fontRef>
-        </p:style>
-        <p:txBody>
-          <a:bodyPr rtlCol="0" anchor="ctr"/>
-          <a:lstStyle/>
-          <a:p>
-            <a:pPr algn="ctr"/>
-            <a:endParaRPr lang="en-US"/>
-          </a:p>
-        </p:txBody>
-      </p:sp>
-      <p:sp>
-        <p:nvSpPr>
-          <p:cNvPr id="2" name="Title 1">
-            <a:extLst>
-              <a:ext uri="{FF2B5EF4-FFF2-40B4-BE49-F238E27FC236}">
-                <a16:creationId xmlns:a16="http://schemas.microsoft.com/office/drawing/2014/main" id="{CD7EFA22-9434-9C54-4752-C35D37326A74}"/>
-              </a:ext>
-            </a:extLst>
-          </p:cNvPr>
-          <p:cNvSpPr>
-            <a:spLocks noGrp="1"/>
-          </p:cNvSpPr>
-          <p:nvPr>
-            <p:ph type="title"/>
-          </p:nvPr>
-        </p:nvSpPr>
-        <p:spPr>
-          <a:xfrm>
-            <a:off x="589560" y="856180"/>
-            <a:ext cx="4560584" cy="1128068"/>
-          </a:xfrm>
-        </p:spPr>
-        <p:txBody>
-          <a:bodyPr anchor="ctr">
-            <a:normAutofit/>
-          </a:bodyPr>
-          <a:lstStyle/>
-          <a:p>
-            <a:r>
-              <a:rPr lang="en-US" sz="4000"/>
-              <a:t>Conclusions</a:t>
-            </a:r>
-          </a:p>
-        </p:txBody>
-      </p:sp>
-      <p:grpSp>
-        <p:nvGrpSpPr>
-          <p:cNvPr id="12" name="Group 11">
-            <a:extLst>
-              <a:ext uri="{FF2B5EF4-FFF2-40B4-BE49-F238E27FC236}">
-                <a16:creationId xmlns:a16="http://schemas.microsoft.com/office/drawing/2014/main" id="{1DE889C7-FAD6-4397-98E2-05D503484459}"/>
-              </a:ext>
-              <a:ext uri="{C183D7F6-B498-43B3-948B-1728B52AA6E4}">
-                <adec:decorative xmlns:adec="http://schemas.microsoft.com/office/drawing/2017/decorative" val="1"/>
-              </a:ext>
-            </a:extLst>
-          </p:cNvPr>
-          <p:cNvGrpSpPr>
-            <a:grpSpLocks noGrp="1" noUngrp="1" noRot="1" noChangeAspect="1" noMove="1" noResize="1"/>
-          </p:cNvGrpSpPr>
-          <p:nvPr>
-            <p:extLst>
-              <p:ext uri="{386F3935-93C4-4BCD-93E2-E3B085C9AB24}">
-                <p16:designElem xmlns:p16="http://schemas.microsoft.com/office/powerpoint/2015/main" val="1"/>
-              </p:ext>
-            </p:extLst>
-          </p:nvPr>
-        </p:nvGrpSpPr>
-        <p:grpSpPr>
-          <a:xfrm>
-            <a:off x="0" y="1083484"/>
-            <a:ext cx="355196" cy="673460"/>
-            <a:chOff x="0" y="823811"/>
-            <a:chExt cx="355196" cy="673460"/>
-          </a:xfrm>
-        </p:grpSpPr>
-        <p:sp>
-          <p:nvSpPr>
-            <p:cNvPr id="13" name="Rectangle 12">
-              <a:extLst>
-                <a:ext uri="{FF2B5EF4-FFF2-40B4-BE49-F238E27FC236}">
-                  <a16:creationId xmlns:a16="http://schemas.microsoft.com/office/drawing/2014/main" id="{F399A70F-F8CD-4992-9EF5-6CF15472E73F}"/>
-                </a:ext>
-                <a:ext uri="{C183D7F6-B498-43B3-948B-1728B52AA6E4}">
-                  <adec:decorative xmlns:adec="http://schemas.microsoft.com/office/drawing/2017/decorative" val="1"/>
-                </a:ext>
-              </a:extLst>
-            </p:cNvPr>
-            <p:cNvSpPr/>
-            <p:nvPr>
-              <p:extLst>
-                <p:ext uri="{386F3935-93C4-4BCD-93E2-E3B085C9AB24}">
-                  <p16:designElem xmlns:p16="http://schemas.microsoft.com/office/powerpoint/2015/main" val="1"/>
-                </p:ext>
-              </p:extLst>
-            </p:nvPr>
-          </p:nvSpPr>
-          <p:spPr>
-            <a:xfrm>
-              <a:off x="0" y="823811"/>
-              <a:ext cx="87363" cy="673460"/>
-            </a:xfrm>
-            <a:prstGeom prst="rect">
-              <a:avLst/>
-            </a:prstGeom>
-            <a:solidFill>
-              <a:schemeClr val="accent4"/>
-            </a:solidFill>
-            <a:ln>
-              <a:noFill/>
-            </a:ln>
-          </p:spPr>
-          <p:style>
-            <a:lnRef idx="2">
-              <a:schemeClr val="accent1">
-                <a:shade val="50000"/>
-              </a:schemeClr>
-            </a:lnRef>
-            <a:fillRef idx="1">
-              <a:schemeClr val="accent1"/>
-            </a:fillRef>
-            <a:effectRef idx="0">
-              <a:schemeClr val="accent1"/>
-            </a:effectRef>
-            <a:fontRef idx="minor">
-              <a:schemeClr val="lt1"/>
-            </a:fontRef>
-          </p:style>
-          <p:txBody>
-            <a:bodyPr rtlCol="0" anchor="ctr"/>
-            <a:lstStyle/>
-            <a:p>
-              <a:pPr algn="ctr"/>
-              <a:endParaRPr lang="en-US"/>
-            </a:p>
-          </p:txBody>
-        </p:sp>
-        <p:sp>
-          <p:nvSpPr>
-            <p:cNvPr id="14" name="Rectangle 13">
-              <a:extLst>
-                <a:ext uri="{FF2B5EF4-FFF2-40B4-BE49-F238E27FC236}">
-                  <a16:creationId xmlns:a16="http://schemas.microsoft.com/office/drawing/2014/main" id="{48F4FEDC-6D80-458C-A665-075D9B9500FD}"/>
-                </a:ext>
-                <a:ext uri="{C183D7F6-B498-43B3-948B-1728B52AA6E4}">
-                  <adec:decorative xmlns:adec="http://schemas.microsoft.com/office/drawing/2017/decorative" val="1"/>
-                </a:ext>
-              </a:extLst>
-            </p:cNvPr>
-            <p:cNvSpPr/>
-            <p:nvPr>
-              <p:extLst>
-                <p:ext uri="{386F3935-93C4-4BCD-93E2-E3B085C9AB24}">
-                  <p16:designElem xmlns:p16="http://schemas.microsoft.com/office/powerpoint/2015/main" val="1"/>
-                </p:ext>
-              </p:extLst>
-            </p:nvPr>
-          </p:nvSpPr>
-          <p:spPr>
-            <a:xfrm>
-              <a:off x="159341" y="823811"/>
-              <a:ext cx="195855" cy="673460"/>
-            </a:xfrm>
-            <a:prstGeom prst="rect">
-              <a:avLst/>
-            </a:prstGeom>
-            <a:solidFill>
-              <a:schemeClr val="accent4"/>
-            </a:solidFill>
-            <a:ln>
-              <a:noFill/>
-            </a:ln>
-          </p:spPr>
-          <p:style>
-            <a:lnRef idx="2">
-              <a:schemeClr val="accent1">
-                <a:shade val="50000"/>
-              </a:schemeClr>
-            </a:lnRef>
-            <a:fillRef idx="1">
-              <a:schemeClr val="accent1"/>
-            </a:fillRef>
-            <a:effectRef idx="0">
-              <a:schemeClr val="accent1"/>
-            </a:effectRef>
-            <a:fontRef idx="minor">
-              <a:schemeClr val="lt1"/>
-            </a:fontRef>
-          </p:style>
-          <p:txBody>
-            <a:bodyPr rtlCol="0" anchor="ctr"/>
-            <a:lstStyle/>
-            <a:p>
-              <a:pPr algn="ctr"/>
-              <a:endParaRPr lang="en-US"/>
-            </a:p>
-          </p:txBody>
-        </p:sp>
-      </p:grpSp>
-      <p:sp>
-        <p:nvSpPr>
-          <p:cNvPr id="16" name="Rectangle 15">
-            <a:extLst>
-              <a:ext uri="{FF2B5EF4-FFF2-40B4-BE49-F238E27FC236}">
-                <a16:creationId xmlns:a16="http://schemas.microsoft.com/office/drawing/2014/main" id="{3873B707-463F-40B0-8227-E8CC6C67EB25}"/>
-              </a:ext>
-              <a:ext uri="{C183D7F6-B498-43B3-948B-1728B52AA6E4}">
-                <adec:decorative xmlns:adec="http://schemas.microsoft.com/office/drawing/2017/decorative" val="1"/>
-              </a:ext>
-            </a:extLst>
-          </p:cNvPr>
-          <p:cNvSpPr>
-            <a:spLocks noGrp="1" noRot="1" noChangeAspect="1" noMove="1" noResize="1" noEditPoints="1" noAdjustHandles="1" noChangeArrowheads="1" noChangeShapeType="1" noTextEdit="1"/>
-          </p:cNvSpPr>
-          <p:nvPr>
-            <p:extLst>
-              <p:ext uri="{386F3935-93C4-4BCD-93E2-E3B085C9AB24}">
-                <p16:designElem xmlns:p16="http://schemas.microsoft.com/office/powerpoint/2015/main" val="1"/>
-              </p:ext>
-            </p:extLst>
-          </p:nvPr>
-        </p:nvSpPr>
-        <p:spPr>
-          <a:xfrm flipH="1">
-            <a:off x="665085" y="2090569"/>
-            <a:ext cx="4297680" cy="27432"/>
-          </a:xfrm>
-          <a:prstGeom prst="rect">
-            <a:avLst/>
-          </a:prstGeom>
-          <a:solidFill>
-            <a:schemeClr val="accent4"/>
-          </a:solidFill>
-          <a:ln>
-            <a:noFill/>
-          </a:ln>
-        </p:spPr>
-        <p:style>
-          <a:lnRef idx="2">
-            <a:schemeClr val="accent1">
-              <a:shade val="50000"/>
-            </a:schemeClr>
-          </a:lnRef>
-          <a:fillRef idx="1">
-            <a:schemeClr val="accent1"/>
-          </a:fillRef>
-          <a:effectRef idx="0">
-            <a:schemeClr val="accent1"/>
-          </a:effectRef>
-          <a:fontRef idx="minor">
-            <a:schemeClr val="lt1"/>
-          </a:fontRef>
-        </p:style>
-        <p:txBody>
-          <a:bodyPr rtlCol="0" anchor="ctr"/>
-          <a:lstStyle/>
-          <a:p>
-            <a:pPr algn="ctr"/>
-            <a:endParaRPr lang="en-US"/>
-          </a:p>
-        </p:txBody>
-      </p:sp>
-      <p:sp>
-        <p:nvSpPr>
-          <p:cNvPr id="3" name="Content Placeholder 2">
-            <a:extLst>
-              <a:ext uri="{FF2B5EF4-FFF2-40B4-BE49-F238E27FC236}">
-                <a16:creationId xmlns:a16="http://schemas.microsoft.com/office/drawing/2014/main" id="{F0E09590-DF5A-6107-AE9F-BD6AB7F86D74}"/>
-              </a:ext>
-            </a:extLst>
-          </p:cNvPr>
-          <p:cNvSpPr>
-            <a:spLocks noGrp="1"/>
-          </p:cNvSpPr>
-          <p:nvPr>
-            <p:ph idx="1"/>
-          </p:nvPr>
-        </p:nvSpPr>
-        <p:spPr>
-          <a:xfrm>
-            <a:off x="590719" y="2330505"/>
-            <a:ext cx="4559425" cy="3979585"/>
-          </a:xfrm>
-        </p:spPr>
-        <p:txBody>
-          <a:bodyPr anchor="ctr">
-            <a:normAutofit fontScale="85000" lnSpcReduction="10000"/>
-          </a:bodyPr>
-          <a:lstStyle/>
-          <a:p>
-            <a:r>
-              <a:rPr lang="en-US" sz="2000" dirty="0"/>
-              <a:t>Some Neutrals are more equal than others.</a:t>
-            </a:r>
-          </a:p>
-          <a:p>
-            <a:r>
-              <a:rPr lang="en-US" sz="2000" dirty="0"/>
-              <a:t>But Greek ships actively carried war materials and supplies for the Allies in spite of the country’s early neutrality before the country was attacked.</a:t>
-            </a:r>
-          </a:p>
-          <a:p>
-            <a:r>
-              <a:rPr lang="en-US" sz="2000" dirty="0"/>
-              <a:t>Air Attacks played a key role in the destruction of the Greek merchant fleet.</a:t>
-            </a:r>
-          </a:p>
-          <a:p>
-            <a:r>
-              <a:rPr lang="en-US" sz="2000" dirty="0"/>
-              <a:t>Dataset-derived information can play a key role in understanding events.</a:t>
-            </a:r>
-          </a:p>
-          <a:p>
-            <a:r>
-              <a:rPr lang="en-US" sz="2000" dirty="0"/>
-              <a:t>Beyond the data, there are faces and names, and wives, sons, daughters . . . And Grandsons.</a:t>
-            </a:r>
-          </a:p>
-          <a:p>
-            <a:r>
-              <a:rPr lang="en-US" sz="2000" dirty="0"/>
-              <a:t>Alexandros Constantinou </a:t>
-            </a:r>
-            <a:r>
-              <a:rPr lang="en-US" sz="2000" dirty="0" err="1"/>
-              <a:t>Billinis</a:t>
-            </a:r>
-            <a:r>
-              <a:rPr lang="en-US" sz="2000" dirty="0"/>
-              <a:t>, martyred at sea February 6, 1942.</a:t>
-            </a:r>
-          </a:p>
-        </p:txBody>
-      </p:sp>
-      <p:sp>
-        <p:nvSpPr>
-          <p:cNvPr id="18" name="Rectangle 17">
-            <a:extLst>
-              <a:ext uri="{FF2B5EF4-FFF2-40B4-BE49-F238E27FC236}">
-                <a16:creationId xmlns:a16="http://schemas.microsoft.com/office/drawing/2014/main" id="{C13237C8-E62C-4F0D-A318-BD6FB6C2D138}"/>
-              </a:ext>
-              <a:ext uri="{C183D7F6-B498-43B3-948B-1728B52AA6E4}">
-                <adec:decorative xmlns:adec="http://schemas.microsoft.com/office/drawing/2017/decorative" val="1"/>
-              </a:ext>
-            </a:extLst>
-          </p:cNvPr>
-          <p:cNvSpPr>
-            <a:spLocks noGrp="1" noRot="1" noChangeAspect="1" noMove="1" noResize="1" noEditPoints="1" noAdjustHandles="1" noChangeArrowheads="1" noChangeShapeType="1" noTextEdit="1"/>
-          </p:cNvSpPr>
-          <p:nvPr>
-            <p:extLst>
-              <p:ext uri="{386F3935-93C4-4BCD-93E2-E3B085C9AB24}">
-                <p16:designElem xmlns:p16="http://schemas.microsoft.com/office/powerpoint/2015/main" val="1"/>
-              </p:ext>
-            </p:extLst>
-          </p:nvPr>
-        </p:nvSpPr>
-        <p:spPr>
-          <a:xfrm flipH="1">
-            <a:off x="10697670" y="0"/>
-            <a:ext cx="1494330" cy="6858000"/>
-          </a:xfrm>
-          <a:prstGeom prst="rect">
-            <a:avLst/>
-          </a:prstGeom>
-          <a:solidFill>
-            <a:schemeClr val="accent4"/>
-          </a:solidFill>
-          <a:ln>
-            <a:noFill/>
-          </a:ln>
-        </p:spPr>
-        <p:style>
-          <a:lnRef idx="2">
-            <a:schemeClr val="accent1">
-              <a:shade val="50000"/>
-            </a:schemeClr>
-          </a:lnRef>
-          <a:fillRef idx="1">
-            <a:schemeClr val="accent1"/>
-          </a:fillRef>
-          <a:effectRef idx="0">
-            <a:schemeClr val="accent1"/>
-          </a:effectRef>
-          <a:fontRef idx="minor">
-            <a:schemeClr val="lt1"/>
-          </a:fontRef>
-        </p:style>
-        <p:txBody>
-          <a:bodyPr rtlCol="0" anchor="ctr"/>
-          <a:lstStyle/>
-          <a:p>
-            <a:pPr algn="ctr"/>
-            <a:endParaRPr lang="en-US"/>
-          </a:p>
-        </p:txBody>
-      </p:sp>
-      <p:sp>
-        <p:nvSpPr>
-          <p:cNvPr id="20" name="Rectangle 19">
-            <a:extLst>
-              <a:ext uri="{FF2B5EF4-FFF2-40B4-BE49-F238E27FC236}">
-                <a16:creationId xmlns:a16="http://schemas.microsoft.com/office/drawing/2014/main" id="{19C9EAEA-39D0-4B0E-A0EB-51E7B26740B1}"/>
-              </a:ext>
-              <a:ext uri="{C183D7F6-B498-43B3-948B-1728B52AA6E4}">
-                <adec:decorative xmlns:adec="http://schemas.microsoft.com/office/drawing/2017/decorative" val="1"/>
-              </a:ext>
-            </a:extLst>
-          </p:cNvPr>
-          <p:cNvSpPr>
-            <a:spLocks noGrp="1" noRot="1" noChangeAspect="1" noMove="1" noResize="1" noEditPoints="1" noAdjustHandles="1" noChangeArrowheads="1" noChangeShapeType="1" noTextEdit="1"/>
-          </p:cNvSpPr>
-          <p:nvPr>
-            <p:extLst>
-              <p:ext uri="{386F3935-93C4-4BCD-93E2-E3B085C9AB24}">
-                <p16:designElem xmlns:p16="http://schemas.microsoft.com/office/powerpoint/2015/main" val="1"/>
-              </p:ext>
-            </p:extLst>
-          </p:nvPr>
-        </p:nvSpPr>
-        <p:spPr>
-          <a:xfrm>
-            <a:off x="5685810" y="513853"/>
-            <a:ext cx="6009366" cy="5834577"/>
-          </a:xfrm>
-          <a:prstGeom prst="rect">
-            <a:avLst/>
-          </a:prstGeom>
-          <a:solidFill>
-            <a:schemeClr val="bg1"/>
-          </a:solidFill>
-          <a:ln>
-            <a:noFill/>
-          </a:ln>
-          <a:effectLst>
-            <a:outerShdw blurRad="139700" dist="127000" dir="5400000" algn="t" rotWithShape="0">
-              <a:prstClr val="black">
-                <a:alpha val="15000"/>
-              </a:prstClr>
-            </a:outerShdw>
-          </a:effectLst>
-        </p:spPr>
-        <p:style>
-          <a:lnRef idx="2">
-            <a:schemeClr val="accent1">
-              <a:shade val="50000"/>
-            </a:schemeClr>
-          </a:lnRef>
-          <a:fillRef idx="1">
-            <a:schemeClr val="accent1"/>
-          </a:fillRef>
-          <a:effectRef idx="0">
-            <a:schemeClr val="accent1"/>
-          </a:effectRef>
-          <a:fontRef idx="minor">
-            <a:schemeClr val="lt1"/>
-          </a:fontRef>
-        </p:style>
-        <p:txBody>
-          <a:bodyPr rtlCol="0" anchor="ctr"/>
-          <a:lstStyle/>
-          <a:p>
-            <a:pPr algn="ctr"/>
-            <a:endParaRPr lang="en-US"/>
-          </a:p>
-        </p:txBody>
-      </p:sp>
-      <p:pic>
-        <p:nvPicPr>
-          <p:cNvPr id="5" name="Picture 4">
-            <a:extLst>
-              <a:ext uri="{FF2B5EF4-FFF2-40B4-BE49-F238E27FC236}">
-                <a16:creationId xmlns:a16="http://schemas.microsoft.com/office/drawing/2014/main" id="{A44EBEC8-E330-F214-2CB3-143898653393}"/>
-              </a:ext>
-            </a:extLst>
-          </p:cNvPr>
-          <p:cNvPicPr>
-            <a:picLocks noChangeAspect="1"/>
-          </p:cNvPicPr>
-          <p:nvPr/>
-        </p:nvPicPr>
-        <p:blipFill rotWithShape="1">
-          <a:blip r:embed="rId2"/>
-          <a:srcRect t="1531" r="-1" b="1530"/>
-          <a:stretch/>
-        </p:blipFill>
-        <p:spPr>
-          <a:xfrm>
-            <a:off x="5977788" y="799352"/>
-            <a:ext cx="5425410" cy="5259296"/>
-          </a:xfrm>
-          <a:prstGeom prst="rect">
-            <a:avLst/>
-          </a:prstGeom>
-        </p:spPr>
-      </p:pic>
-    </p:spTree>
-    <p:extLst>
-      <p:ext uri="{BB962C8B-B14F-4D97-AF65-F5344CB8AC3E}">
-        <p14:creationId xmlns:p14="http://schemas.microsoft.com/office/powerpoint/2010/main" val="1775625063"/>
-      </p:ext>
-    </p:extLst>
-  </p:cSld>
-  <p:clrMapOvr>
-    <a:masterClrMapping/>
-  </p:clrMapOvr>
-</p:sld>
-</file>
-
-<file path=ppt/slides/slide2.xml><?xml version="1.0" encoding="utf-8"?>
-<p:sld xmlns:a="http://schemas.openxmlformats.org/drawingml/2006/main" xmlns:r="http://schemas.openxmlformats.org/officeDocument/2006/relationships" xmlns:p="http://schemas.openxmlformats.org/presentationml/2006/main">
-  <p:cSld>
-    <p:bg>
-      <p:bgPr>
-        <a:solidFill>
-          <a:schemeClr val="bg1"/>
-        </a:solidFill>
-        <a:effectLst/>
-      </p:bgPr>
-    </p:bg>
-    <p:spTree>
-      <p:nvGrpSpPr>
-        <p:cNvPr id="1" name=""/>
-        <p:cNvGrpSpPr/>
-        <p:nvPr/>
-      </p:nvGrpSpPr>
-      <p:grpSpPr>
-        <a:xfrm>
-          <a:off x="0" y="0"/>
-          <a:ext cx="0" cy="0"/>
-          <a:chOff x="0" y="0"/>
-          <a:chExt cx="0" cy="0"/>
-        </a:xfrm>
-      </p:grpSpPr>
-      <p:sp useBgFill="1">
-        <p:nvSpPr>
-          <p:cNvPr id="12" name="Rectangle 11">
-            <a:extLst>
-              <a:ext uri="{FF2B5EF4-FFF2-40B4-BE49-F238E27FC236}">
-                <a16:creationId xmlns:a16="http://schemas.microsoft.com/office/drawing/2014/main" id="{058A14AF-9FB5-4CC7-BA35-E8E85D3EDF0E}"/>
-              </a:ext>
-              <a:ext uri="{C183D7F6-B498-43B3-948B-1728B52AA6E4}">
-                <adec:decorative xmlns:adec="http://schemas.microsoft.com/office/drawing/2017/decorative" val="1"/>
-              </a:ext>
-            </a:extLst>
-          </p:cNvPr>
-          <p:cNvSpPr>
-            <a:spLocks noGrp="1" noRot="1" noChangeAspect="1" noMove="1" noResize="1" noEditPoints="1" noAdjustHandles="1" noChangeArrowheads="1" noChangeShapeType="1" noTextEdit="1"/>
-          </p:cNvSpPr>
-          <p:nvPr>
-            <p:extLst>
-              <p:ext uri="{386F3935-93C4-4BCD-93E2-E3B085C9AB24}">
-                <p16:designElem xmlns:p16="http://schemas.microsoft.com/office/powerpoint/2015/main" val="1"/>
-              </p:ext>
-            </p:extLst>
-          </p:nvPr>
-        </p:nvSpPr>
-        <p:spPr>
-          <a:xfrm>
-            <a:off x="0" y="0"/>
-            <a:ext cx="12191999" cy="6857365"/>
-          </a:xfrm>
-          <a:prstGeom prst="rect">
-            <a:avLst/>
-          </a:prstGeom>
-          <a:ln>
-            <a:noFill/>
-          </a:ln>
-        </p:spPr>
-        <p:style>
-          <a:lnRef idx="2">
-            <a:schemeClr val="accent1">
-              <a:shade val="50000"/>
-            </a:schemeClr>
-          </a:lnRef>
-          <a:fillRef idx="1">
-            <a:schemeClr val="accent1"/>
-          </a:fillRef>
-          <a:effectRef idx="0">
-            <a:schemeClr val="accent1"/>
-          </a:effectRef>
-          <a:fontRef idx="minor">
-            <a:schemeClr val="lt1"/>
-          </a:fontRef>
-        </p:style>
-        <p:txBody>
-          <a:bodyPr rtlCol="0" anchor="ctr"/>
-          <a:lstStyle/>
-          <a:p>
-            <a:pPr algn="ctr"/>
-            <a:endParaRPr lang="en-US"/>
-          </a:p>
-        </p:txBody>
-      </p:sp>
-      <p:sp>
-        <p:nvSpPr>
-          <p:cNvPr id="2" name="Title 1">
-            <a:extLst>
-              <a:ext uri="{FF2B5EF4-FFF2-40B4-BE49-F238E27FC236}">
-                <a16:creationId xmlns:a16="http://schemas.microsoft.com/office/drawing/2014/main" id="{38083BA3-550C-396B-1B76-57A9D7A6C473}"/>
-              </a:ext>
-            </a:extLst>
-          </p:cNvPr>
-          <p:cNvSpPr>
-            <a:spLocks noGrp="1"/>
-          </p:cNvSpPr>
-          <p:nvPr>
-            <p:ph type="title"/>
-          </p:nvPr>
-        </p:nvSpPr>
-        <p:spPr>
-          <a:xfrm>
-            <a:off x="793662" y="386930"/>
-            <a:ext cx="10066122" cy="1298448"/>
-          </a:xfrm>
-        </p:spPr>
-        <p:txBody>
-          <a:bodyPr anchor="b">
-            <a:normAutofit/>
-          </a:bodyPr>
-          <a:lstStyle/>
-          <a:p>
-            <a:r>
-              <a:rPr lang="en-US" sz="4100"/>
-              <a:t>The Dataset: Greek Merchant Ships Sunk in World War Two</a:t>
-            </a:r>
-          </a:p>
-        </p:txBody>
-      </p:sp>
-      <p:sp>
-        <p:nvSpPr>
-          <p:cNvPr id="14" name="Rectangle 13">
-            <a:extLst>
-              <a:ext uri="{FF2B5EF4-FFF2-40B4-BE49-F238E27FC236}">
-                <a16:creationId xmlns:a16="http://schemas.microsoft.com/office/drawing/2014/main" id="{3A9A4357-BD1D-4622-A4FE-766E6AB8DE84}"/>
-              </a:ext>
-              <a:ext uri="{C183D7F6-B498-43B3-948B-1728B52AA6E4}">
-                <adec:decorative xmlns:adec="http://schemas.microsoft.com/office/drawing/2017/decorative" val="1"/>
-              </a:ext>
-            </a:extLst>
-          </p:cNvPr>
-          <p:cNvSpPr>
-            <a:spLocks noGrp="1" noRot="1" noChangeAspect="1" noMove="1" noResize="1" noEditPoints="1" noAdjustHandles="1" noChangeArrowheads="1" noChangeShapeType="1" noTextEdit="1"/>
-          </p:cNvSpPr>
-          <p:nvPr>
-            <p:extLst>
-              <p:ext uri="{386F3935-93C4-4BCD-93E2-E3B085C9AB24}">
-                <p16:designElem xmlns:p16="http://schemas.microsoft.com/office/powerpoint/2015/main" val="1"/>
-              </p:ext>
-            </p:extLst>
-          </p:nvPr>
-        </p:nvSpPr>
-        <p:spPr>
-          <a:xfrm flipH="1" flipV="1">
-            <a:off x="-2" y="1998845"/>
-            <a:ext cx="11454595" cy="781699"/>
-          </a:xfrm>
-          <a:prstGeom prst="rect">
-            <a:avLst/>
-          </a:prstGeom>
-          <a:solidFill>
-            <a:schemeClr val="accent4"/>
-          </a:solidFill>
-          <a:ln>
-            <a:noFill/>
-          </a:ln>
-        </p:spPr>
-        <p:style>
-          <a:lnRef idx="2">
-            <a:schemeClr val="accent1">
-              <a:shade val="50000"/>
-            </a:schemeClr>
-          </a:lnRef>
-          <a:fillRef idx="1">
-            <a:schemeClr val="accent1"/>
-          </a:fillRef>
-          <a:effectRef idx="0">
-            <a:schemeClr val="accent1"/>
-          </a:effectRef>
-          <a:fontRef idx="minor">
-            <a:schemeClr val="lt1"/>
-          </a:fontRef>
-        </p:style>
-        <p:txBody>
-          <a:bodyPr rtlCol="0" anchor="ctr"/>
-          <a:lstStyle/>
-          <a:p>
-            <a:pPr algn="ctr"/>
-            <a:endParaRPr lang="en-US"/>
-          </a:p>
-        </p:txBody>
-      </p:sp>
-      <p:sp>
-        <p:nvSpPr>
-          <p:cNvPr id="16" name="Rectangle 15">
-            <a:extLst>
-              <a:ext uri="{FF2B5EF4-FFF2-40B4-BE49-F238E27FC236}">
-                <a16:creationId xmlns:a16="http://schemas.microsoft.com/office/drawing/2014/main" id="{E659831F-0D9A-4C63-9EBB-8435B85A440F}"/>
-              </a:ext>
-              <a:ext uri="{C183D7F6-B498-43B3-948B-1728B52AA6E4}">
-                <adec:decorative xmlns:adec="http://schemas.microsoft.com/office/drawing/2017/decorative" val="1"/>
-              </a:ext>
-            </a:extLst>
-          </p:cNvPr>
-          <p:cNvSpPr>
-            <a:spLocks noGrp="1" noRot="1" noChangeAspect="1" noMove="1" noResize="1" noEditPoints="1" noAdjustHandles="1" noChangeArrowheads="1" noChangeShapeType="1" noTextEdit="1"/>
-          </p:cNvSpPr>
-          <p:nvPr>
-            <p:extLst>
-              <p:ext uri="{386F3935-93C4-4BCD-93E2-E3B085C9AB24}">
-                <p16:designElem xmlns:p16="http://schemas.microsoft.com/office/powerpoint/2015/main" val="1"/>
-              </p:ext>
-            </p:extLst>
-          </p:nvPr>
-        </p:nvSpPr>
-        <p:spPr>
-          <a:xfrm>
-            <a:off x="0" y="2203079"/>
-            <a:ext cx="11383362" cy="4267991"/>
-          </a:xfrm>
-          <a:prstGeom prst="rect">
-            <a:avLst/>
-          </a:prstGeom>
-          <a:solidFill>
-            <a:schemeClr val="bg1"/>
-          </a:solidFill>
-          <a:ln>
-            <a:noFill/>
-          </a:ln>
-          <a:effectLst>
-            <a:outerShdw blurRad="139700" dist="127000" dir="5400000" algn="t" rotWithShape="0">
-              <a:prstClr val="black">
-                <a:alpha val="15000"/>
-              </a:prstClr>
-            </a:outerShdw>
-          </a:effectLst>
-        </p:spPr>
-        <p:style>
-          <a:lnRef idx="2">
-            <a:schemeClr val="accent1">
-              <a:shade val="50000"/>
-            </a:schemeClr>
-          </a:lnRef>
-          <a:fillRef idx="1">
-            <a:schemeClr val="accent1"/>
-          </a:fillRef>
-          <a:effectRef idx="0">
-            <a:schemeClr val="accent1"/>
-          </a:effectRef>
-          <a:fontRef idx="minor">
-            <a:schemeClr val="lt1"/>
-          </a:fontRef>
-        </p:style>
-        <p:txBody>
-          <a:bodyPr rtlCol="0" anchor="ctr"/>
-          <a:lstStyle/>
-          <a:p>
-            <a:pPr algn="ctr"/>
-            <a:endParaRPr lang="en-US"/>
-          </a:p>
-        </p:txBody>
-      </p:sp>
-      <p:sp>
-        <p:nvSpPr>
-          <p:cNvPr id="9" name="Content Placeholder 8">
-            <a:extLst>
-              <a:ext uri="{FF2B5EF4-FFF2-40B4-BE49-F238E27FC236}">
-                <a16:creationId xmlns:a16="http://schemas.microsoft.com/office/drawing/2014/main" id="{BA06B507-9BC0-6F3A-2629-4B2E650A004D}"/>
-              </a:ext>
-            </a:extLst>
-          </p:cNvPr>
-          <p:cNvSpPr>
-            <a:spLocks noGrp="1"/>
-          </p:cNvSpPr>
-          <p:nvPr>
-            <p:ph idx="1"/>
-          </p:nvPr>
-        </p:nvSpPr>
-        <p:spPr>
-          <a:xfrm>
-            <a:off x="793661" y="2599509"/>
-            <a:ext cx="4530898" cy="3639450"/>
-          </a:xfrm>
-        </p:spPr>
-        <p:txBody>
-          <a:bodyPr anchor="ctr">
-            <a:normAutofit/>
-          </a:bodyPr>
-          <a:lstStyle/>
-          <a:p>
-            <a:r>
-              <a:rPr lang="en-US" sz="2000" dirty="0"/>
-              <a:t>Though Neutral until 1940/1941, Greek Ships were attacked.</a:t>
-            </a:r>
-          </a:p>
-          <a:p>
-            <a:r>
-              <a:rPr lang="en-US" sz="2000" dirty="0"/>
-              <a:t>American Ships were rarely attacked while America was neutral.</a:t>
-            </a:r>
-          </a:p>
-          <a:p>
-            <a:r>
-              <a:rPr lang="en-US" sz="2000" dirty="0"/>
-              <a:t>Why the Difference?</a:t>
-            </a:r>
-          </a:p>
-          <a:p>
-            <a:r>
-              <a:rPr lang="en-US" sz="2000" dirty="0"/>
-              <a:t>What was the role of Aerial Bombing?</a:t>
-            </a:r>
-          </a:p>
-          <a:p>
-            <a:r>
-              <a:rPr lang="en-US" sz="2000" dirty="0"/>
-              <a:t>Some quick figures.</a:t>
-            </a:r>
-          </a:p>
-          <a:p>
-            <a:r>
-              <a:rPr lang="en-US" sz="2000" dirty="0"/>
-              <a:t>Conclusions . . . .</a:t>
-            </a:r>
-          </a:p>
-          <a:p>
-            <a:endParaRPr lang="en-US" sz="2000" dirty="0"/>
-          </a:p>
-        </p:txBody>
-      </p:sp>
-      <p:pic>
-        <p:nvPicPr>
-          <p:cNvPr id="5" name="Content Placeholder 4">
-            <a:extLst>
-              <a:ext uri="{FF2B5EF4-FFF2-40B4-BE49-F238E27FC236}">
-                <a16:creationId xmlns:a16="http://schemas.microsoft.com/office/drawing/2014/main" id="{A82DEA8A-7C3F-3005-AB49-2689DBE5C565}"/>
-              </a:ext>
-            </a:extLst>
-          </p:cNvPr>
-          <p:cNvPicPr>
-            <a:picLocks noChangeAspect="1"/>
-          </p:cNvPicPr>
-          <p:nvPr/>
-        </p:nvPicPr>
-        <p:blipFill>
-          <a:blip r:embed="rId2"/>
-          <a:stretch>
-            <a:fillRect/>
-          </a:stretch>
-        </p:blipFill>
-        <p:spPr>
-          <a:xfrm>
-            <a:off x="5911532" y="2558094"/>
-            <a:ext cx="5150277" cy="3566565"/>
-          </a:xfrm>
-          <a:prstGeom prst="rect">
-            <a:avLst/>
-          </a:prstGeom>
-        </p:spPr>
-      </p:pic>
-      <p:sp>
-        <p:nvSpPr>
-          <p:cNvPr id="18" name="Rectangle 17">
-            <a:extLst>
-              <a:ext uri="{FF2B5EF4-FFF2-40B4-BE49-F238E27FC236}">
-                <a16:creationId xmlns:a16="http://schemas.microsoft.com/office/drawing/2014/main" id="{E6995CE5-F890-4ABA-82A2-26507CE8D2A3}"/>
-              </a:ext>
-              <a:ext uri="{C183D7F6-B498-43B3-948B-1728B52AA6E4}">
-                <adec:decorative xmlns:adec="http://schemas.microsoft.com/office/drawing/2017/decorative" val="1"/>
-              </a:ext>
-            </a:extLst>
-          </p:cNvPr>
-          <p:cNvSpPr>
-            <a:spLocks noGrp="1" noRot="1" noChangeAspect="1" noMove="1" noResize="1" noEditPoints="1" noAdjustHandles="1" noChangeArrowheads="1" noChangeShapeType="1" noTextEdit="1"/>
-          </p:cNvSpPr>
-          <p:nvPr>
-            <p:extLst>
-              <p:ext uri="{386F3935-93C4-4BCD-93E2-E3B085C9AB24}">
-                <p16:designElem xmlns:p16="http://schemas.microsoft.com/office/powerpoint/2015/main" val="1"/>
-              </p:ext>
-            </p:extLst>
-          </p:nvPr>
-        </p:nvSpPr>
-        <p:spPr>
-          <a:xfrm rot="5400000">
-            <a:off x="11228040" y="2313027"/>
-            <a:ext cx="781700" cy="152382"/>
-          </a:xfrm>
-          <a:prstGeom prst="rect">
-            <a:avLst/>
-          </a:prstGeom>
-          <a:solidFill>
-            <a:schemeClr val="accent4"/>
-          </a:solidFill>
-          <a:ln>
-            <a:noFill/>
-          </a:ln>
-        </p:spPr>
-        <p:style>
-          <a:lnRef idx="2">
-            <a:schemeClr val="accent1">
-              <a:shade val="50000"/>
-            </a:schemeClr>
-          </a:lnRef>
-          <a:fillRef idx="1">
-            <a:schemeClr val="accent1"/>
-          </a:fillRef>
-          <a:effectRef idx="0">
-            <a:schemeClr val="accent1"/>
-          </a:effectRef>
-          <a:fontRef idx="minor">
-            <a:schemeClr val="lt1"/>
-          </a:fontRef>
-        </p:style>
-        <p:txBody>
-          <a:bodyPr rtlCol="0" anchor="ctr"/>
-          <a:lstStyle/>
-          <a:p>
-            <a:pPr algn="ctr"/>
-            <a:endParaRPr lang="en-US"/>
-          </a:p>
-        </p:txBody>
-      </p:sp>
-    </p:spTree>
-    <p:extLst>
-      <p:ext uri="{BB962C8B-B14F-4D97-AF65-F5344CB8AC3E}">
-        <p14:creationId xmlns:p14="http://schemas.microsoft.com/office/powerpoint/2010/main" val="1415010200"/>
-      </p:ext>
-    </p:extLst>
-  </p:cSld>
-  <p:clrMapOvr>
-    <a:masterClrMapping/>
-  </p:clrMapOvr>
-</p:sld>
-</file>
-
-<file path=ppt/slides/slide3.xml><?xml version="1.0" encoding="utf-8"?>
-<p:sld xmlns:a="http://schemas.openxmlformats.org/drawingml/2006/main" xmlns:r="http://schemas.openxmlformats.org/officeDocument/2006/relationships" xmlns:p="http://schemas.openxmlformats.org/presentationml/2006/main">
-  <p:cSld>
-    <p:spTree>
-      <p:nvGrpSpPr>
-        <p:cNvPr id="1" name=""/>
-        <p:cNvGrpSpPr/>
-        <p:nvPr/>
-      </p:nvGrpSpPr>
-      <p:grpSpPr>
-        <a:xfrm>
-          <a:off x="0" y="0"/>
-          <a:ext cx="0" cy="0"/>
-          <a:chOff x="0" y="0"/>
-          <a:chExt cx="0" cy="0"/>
-        </a:xfrm>
-      </p:grpSpPr>
-      <p:sp>
-        <p:nvSpPr>
-          <p:cNvPr id="2" name="Title 1">
-            <a:extLst>
-              <a:ext uri="{FF2B5EF4-FFF2-40B4-BE49-F238E27FC236}">
-                <a16:creationId xmlns:a16="http://schemas.microsoft.com/office/drawing/2014/main" id="{29F124FD-9C1D-9BFB-8874-F7D1DDE73880}"/>
-              </a:ext>
-            </a:extLst>
-          </p:cNvPr>
-          <p:cNvSpPr>
-            <a:spLocks noGrp="1"/>
-          </p:cNvSpPr>
-          <p:nvPr>
-            <p:ph type="title"/>
-          </p:nvPr>
-        </p:nvSpPr>
-        <p:spPr/>
-        <p:txBody>
-          <a:bodyPr/>
-          <a:lstStyle/>
-          <a:p>
-            <a:r>
-              <a:rPr lang="en-US" dirty="0"/>
-              <a:t>How did we get here? What do the </a:t>
-            </a:r>
-            <a:r>
-              <a:rPr lang="en-US"/>
-              <a:t>historians say?</a:t>
-            </a:r>
-            <a:endParaRPr lang="en-US" dirty="0"/>
-          </a:p>
-        </p:txBody>
-      </p:sp>
-      <p:sp>
-        <p:nvSpPr>
-          <p:cNvPr id="3" name="Content Placeholder 2">
-            <a:extLst>
-              <a:ext uri="{FF2B5EF4-FFF2-40B4-BE49-F238E27FC236}">
-                <a16:creationId xmlns:a16="http://schemas.microsoft.com/office/drawing/2014/main" id="{7D8FA138-52AE-22EA-20FD-FF200384025A}"/>
-              </a:ext>
-            </a:extLst>
-          </p:cNvPr>
-          <p:cNvSpPr>
-            <a:spLocks noGrp="1"/>
-          </p:cNvSpPr>
-          <p:nvPr>
-            <p:ph idx="1"/>
-          </p:nvPr>
-        </p:nvSpPr>
-        <p:spPr/>
-        <p:txBody>
-          <a:bodyPr/>
-          <a:lstStyle/>
-          <a:p>
-            <a:r>
-              <a:rPr lang="en-US" dirty="0"/>
-              <a:t>The ”</a:t>
-            </a:r>
-            <a:r>
-              <a:rPr lang="en-US" dirty="0" err="1"/>
-              <a:t>ggplot</a:t>
-            </a:r>
-            <a:r>
-              <a:rPr lang="en-US" dirty="0"/>
-              <a:t>” function and I got to know one another quite well, and it is a rocky relationship.</a:t>
-            </a:r>
-          </a:p>
-          <a:p>
-            <a:r>
-              <a:rPr lang="en-US" dirty="0"/>
-              <a:t>I also flirted with mapping functions, such as </a:t>
-            </a:r>
-          </a:p>
-        </p:txBody>
-      </p:sp>
-    </p:spTree>
-    <p:extLst>
-      <p:ext uri="{BB962C8B-B14F-4D97-AF65-F5344CB8AC3E}">
-        <p14:creationId xmlns:p14="http://schemas.microsoft.com/office/powerpoint/2010/main" val="753994396"/>
-      </p:ext>
-    </p:extLst>
-  </p:cSld>
-  <p:clrMapOvr>
-    <a:masterClrMapping/>
-  </p:clrMapOvr>
-</p:sld>
-</file>
-
-<file path=ppt/slides/slide4.xml><?xml version="1.0" encoding="utf-8"?>
-<p:sld xmlns:a="http://schemas.openxmlformats.org/drawingml/2006/main" xmlns:r="http://schemas.openxmlformats.org/officeDocument/2006/relationships" xmlns:p="http://schemas.openxmlformats.org/presentationml/2006/main">
-  <p:cSld>
-    <p:bg>
-      <p:bgPr>
-        <a:solidFill>
-          <a:schemeClr val="bg1"/>
-        </a:solidFill>
-        <a:effectLst/>
-      </p:bgPr>
-    </p:bg>
-    <p:spTree>
-      <p:nvGrpSpPr>
-        <p:cNvPr id="1" name=""/>
-        <p:cNvGrpSpPr/>
-        <p:nvPr/>
-      </p:nvGrpSpPr>
-      <p:grpSpPr>
-        <a:xfrm>
-          <a:off x="0" y="0"/>
-          <a:ext cx="0" cy="0"/>
-          <a:chOff x="0" y="0"/>
-          <a:chExt cx="0" cy="0"/>
-        </a:xfrm>
-      </p:grpSpPr>
-      <p:sp useBgFill="1">
-        <p:nvSpPr>
-          <p:cNvPr id="9" name="Rectangle 8">
-            <a:extLst>
-              <a:ext uri="{FF2B5EF4-FFF2-40B4-BE49-F238E27FC236}">
-                <a16:creationId xmlns:a16="http://schemas.microsoft.com/office/drawing/2014/main" id="{19D32F93-50AC-4C46-A5DB-291C60DDB7BD}"/>
-              </a:ext>
-              <a:ext uri="{C183D7F6-B498-43B3-948B-1728B52AA6E4}">
-                <adec:decorative xmlns:adec="http://schemas.microsoft.com/office/drawing/2017/decorative" val="1"/>
-              </a:ext>
-            </a:extLst>
-          </p:cNvPr>
-          <p:cNvSpPr>
-            <a:spLocks noGrp="1" noRot="1" noChangeAspect="1" noMove="1" noResize="1" noEditPoints="1" noAdjustHandles="1" noChangeArrowheads="1" noChangeShapeType="1" noTextEdit="1"/>
-          </p:cNvSpPr>
-          <p:nvPr>
-            <p:extLst>
-              <p:ext uri="{386F3935-93C4-4BCD-93E2-E3B085C9AB24}">
-                <p16:designElem xmlns:p16="http://schemas.microsoft.com/office/powerpoint/2015/main" val="1"/>
-              </p:ext>
-            </p:extLst>
-          </p:nvPr>
-        </p:nvSpPr>
-        <p:spPr>
-          <a:xfrm>
-            <a:off x="0" y="0"/>
-            <a:ext cx="12192000" cy="6858000"/>
-          </a:xfrm>
-          <a:prstGeom prst="rect">
-            <a:avLst/>
-          </a:prstGeom>
-          <a:ln>
-            <a:noFill/>
-          </a:ln>
-        </p:spPr>
-        <p:style>
-          <a:lnRef idx="2">
-            <a:schemeClr val="accent1">
-              <a:shade val="50000"/>
-            </a:schemeClr>
-          </a:lnRef>
-          <a:fillRef idx="1">
-            <a:schemeClr val="accent1"/>
-          </a:fillRef>
-          <a:effectRef idx="0">
-            <a:schemeClr val="accent1"/>
-          </a:effectRef>
-          <a:fontRef idx="minor">
-            <a:schemeClr val="lt1"/>
-          </a:fontRef>
-        </p:style>
-        <p:txBody>
-          <a:bodyPr rtlCol="0" anchor="ctr"/>
-          <a:lstStyle/>
-          <a:p>
-            <a:pPr algn="ctr"/>
-            <a:endParaRPr lang="en-US"/>
-          </a:p>
-        </p:txBody>
-      </p:sp>
-      <p:sp>
-        <p:nvSpPr>
-          <p:cNvPr id="11" name="Freeform: Shape 10">
-            <a:extLst>
-              <a:ext uri="{FF2B5EF4-FFF2-40B4-BE49-F238E27FC236}">
-                <a16:creationId xmlns:a16="http://schemas.microsoft.com/office/drawing/2014/main" id="{86FD7672-78BE-4D6F-A711-2CDB79B52DFF}"/>
-              </a:ext>
-              <a:ext uri="{C183D7F6-B498-43B3-948B-1728B52AA6E4}">
-                <adec:decorative xmlns:adec="http://schemas.microsoft.com/office/drawing/2017/decorative" val="1"/>
-              </a:ext>
-            </a:extLst>
-          </p:cNvPr>
-          <p:cNvSpPr>
-            <a:spLocks noGrp="1" noRot="1" noChangeAspect="1" noMove="1" noResize="1" noEditPoints="1" noAdjustHandles="1" noChangeArrowheads="1" noChangeShapeType="1" noTextEdit="1"/>
-          </p:cNvSpPr>
-          <p:nvPr>
-            <p:extLst>
-              <p:ext uri="{386F3935-93C4-4BCD-93E2-E3B085C9AB24}">
-                <p16:designElem xmlns:p16="http://schemas.microsoft.com/office/powerpoint/2015/main" val="1"/>
-              </p:ext>
-            </p:extLst>
-          </p:nvPr>
-        </p:nvSpPr>
-        <p:spPr>
-          <a:xfrm>
-            <a:off x="7544662" y="323519"/>
-            <a:ext cx="4323899" cy="6212748"/>
-          </a:xfrm>
-          <a:custGeom>
-            <a:avLst/>
-            <a:gdLst>
-              <a:gd name="connsiteX0" fmla="*/ 0 w 4323899"/>
-              <a:gd name="connsiteY0" fmla="*/ 0 h 6212748"/>
-              <a:gd name="connsiteX1" fmla="*/ 742501 w 4323899"/>
-              <a:gd name="connsiteY1" fmla="*/ 0 h 6212748"/>
-              <a:gd name="connsiteX2" fmla="*/ 4323899 w 4323899"/>
-              <a:gd name="connsiteY2" fmla="*/ 0 h 6212748"/>
-              <a:gd name="connsiteX3" fmla="*/ 4323899 w 4323899"/>
-              <a:gd name="connsiteY3" fmla="*/ 2864954 h 6212748"/>
-              <a:gd name="connsiteX4" fmla="*/ 880454 w 4323899"/>
-              <a:gd name="connsiteY4" fmla="*/ 6212748 h 6212748"/>
-              <a:gd name="connsiteX5" fmla="*/ 0 w 4323899"/>
-              <a:gd name="connsiteY5" fmla="*/ 6212748 h 6212748"/>
-              <a:gd name="connsiteX6" fmla="*/ 0 w 4323899"/>
-              <a:gd name="connsiteY6" fmla="*/ 6210962 h 6212748"/>
-            </a:gdLst>
-            <a:ahLst/>
-            <a:cxnLst>
-              <a:cxn ang="0">
-                <a:pos x="connsiteX0" y="connsiteY0"/>
-              </a:cxn>
-              <a:cxn ang="0">
-                <a:pos x="connsiteX1" y="connsiteY1"/>
-              </a:cxn>
-              <a:cxn ang="0">
-                <a:pos x="connsiteX2" y="connsiteY2"/>
-              </a:cxn>
-              <a:cxn ang="0">
-                <a:pos x="connsiteX3" y="connsiteY3"/>
-              </a:cxn>
-              <a:cxn ang="0">
-                <a:pos x="connsiteX4" y="connsiteY4"/>
-              </a:cxn>
-              <a:cxn ang="0">
-                <a:pos x="connsiteX5" y="connsiteY5"/>
-              </a:cxn>
-              <a:cxn ang="0">
-                <a:pos x="connsiteX6" y="connsiteY6"/>
-              </a:cxn>
-            </a:cxnLst>
-            <a:rect l="l" t="t" r="r" b="b"/>
-            <a:pathLst>
-              <a:path w="4323899" h="6212748">
-                <a:moveTo>
-                  <a:pt x="0" y="0"/>
-                </a:moveTo>
-                <a:lnTo>
-                  <a:pt x="742501" y="0"/>
-                </a:lnTo>
-                <a:lnTo>
-                  <a:pt x="4323899" y="0"/>
-                </a:lnTo>
-                <a:lnTo>
-                  <a:pt x="4323899" y="2864954"/>
-                </a:lnTo>
-                <a:lnTo>
-                  <a:pt x="880454" y="6212748"/>
-                </a:lnTo>
-                <a:lnTo>
-                  <a:pt x="0" y="6212748"/>
-                </a:lnTo>
-                <a:lnTo>
-                  <a:pt x="0" y="6210962"/>
-                </a:lnTo>
-                <a:close/>
-              </a:path>
-            </a:pathLst>
-          </a:custGeom>
-          <a:solidFill>
-            <a:schemeClr val="tx1">
-              <a:lumMod val="50000"/>
-              <a:lumOff val="50000"/>
-              <a:alpha val="25000"/>
-            </a:schemeClr>
-          </a:solidFill>
-          <a:ln>
-            <a:noFill/>
-          </a:ln>
-        </p:spPr>
-        <p:style>
-          <a:lnRef idx="2">
-            <a:schemeClr val="accent1">
-              <a:shade val="50000"/>
-            </a:schemeClr>
-          </a:lnRef>
-          <a:fillRef idx="1">
-            <a:schemeClr val="accent1"/>
-          </a:fillRef>
-          <a:effectRef idx="0">
-            <a:schemeClr val="accent1"/>
-          </a:effectRef>
-          <a:fontRef idx="minor">
-            <a:schemeClr val="lt1"/>
-          </a:fontRef>
-        </p:style>
-        <p:txBody>
-          <a:bodyPr wrap="square" rtlCol="0" anchor="ctr">
-            <a:noAutofit/>
-          </a:bodyPr>
-          <a:lstStyle/>
-          <a:p>
-            <a:pPr algn="ctr"/>
-            <a:endParaRPr lang="en-US"/>
-          </a:p>
-        </p:txBody>
-      </p:sp>
-      <p:sp>
-        <p:nvSpPr>
-          <p:cNvPr id="13" name="Right Triangle 12">
-            <a:extLst>
-              <a:ext uri="{FF2B5EF4-FFF2-40B4-BE49-F238E27FC236}">
-                <a16:creationId xmlns:a16="http://schemas.microsoft.com/office/drawing/2014/main" id="{827DC2C4-B485-428A-BF4A-472D2967F47F}"/>
-              </a:ext>
-              <a:ext uri="{C183D7F6-B498-43B3-948B-1728B52AA6E4}">
-                <adec:decorative xmlns:adec="http://schemas.microsoft.com/office/drawing/2017/decorative" val="1"/>
-              </a:ext>
-            </a:extLst>
-          </p:cNvPr>
-          <p:cNvSpPr>
-            <a:spLocks noGrp="1" noRot="1" noChangeAspect="1" noMove="1" noResize="1" noEditPoints="1" noAdjustHandles="1" noChangeArrowheads="1" noChangeShapeType="1" noTextEdit="1"/>
-          </p:cNvSpPr>
-          <p:nvPr>
-            <p:extLst>
-              <p:ext uri="{386F3935-93C4-4BCD-93E2-E3B085C9AB24}">
-                <p16:designElem xmlns:p16="http://schemas.microsoft.com/office/powerpoint/2015/main" val="1"/>
-              </p:ext>
-            </p:extLst>
-          </p:nvPr>
-        </p:nvSpPr>
-        <p:spPr>
-          <a:xfrm flipH="1">
-            <a:off x="8576720" y="3335867"/>
-            <a:ext cx="3291840" cy="3200400"/>
-          </a:xfrm>
-          <a:prstGeom prst="rtTriangle">
-            <a:avLst/>
-          </a:prstGeom>
-          <a:solidFill>
-            <a:schemeClr val="accent4"/>
-          </a:solidFill>
-          <a:ln>
-            <a:noFill/>
-          </a:ln>
-        </p:spPr>
-        <p:style>
-          <a:lnRef idx="2">
-            <a:schemeClr val="accent1">
-              <a:shade val="50000"/>
-            </a:schemeClr>
-          </a:lnRef>
-          <a:fillRef idx="1">
-            <a:schemeClr val="accent1"/>
-          </a:fillRef>
-          <a:effectRef idx="0">
-            <a:schemeClr val="accent1"/>
-          </a:effectRef>
-          <a:fontRef idx="minor">
-            <a:schemeClr val="lt1"/>
-          </a:fontRef>
-        </p:style>
-        <p:txBody>
-          <a:bodyPr rtlCol="0" anchor="ctr"/>
-          <a:lstStyle/>
-          <a:p>
-            <a:pPr algn="ctr"/>
-            <a:endParaRPr lang="en-US" dirty="0"/>
-          </a:p>
-        </p:txBody>
-      </p:sp>
-      <p:sp>
-        <p:nvSpPr>
-          <p:cNvPr id="15" name="Rectangle 14">
-            <a:extLst>
-              <a:ext uri="{FF2B5EF4-FFF2-40B4-BE49-F238E27FC236}">
-                <a16:creationId xmlns:a16="http://schemas.microsoft.com/office/drawing/2014/main" id="{4A62647B-1222-407C-8740-5A497612B1F5}"/>
-              </a:ext>
-              <a:ext uri="{C183D7F6-B498-43B3-948B-1728B52AA6E4}">
-                <adec:decorative xmlns:adec="http://schemas.microsoft.com/office/drawing/2017/decorative" val="1"/>
-              </a:ext>
-            </a:extLst>
-          </p:cNvPr>
-          <p:cNvSpPr>
-            <a:spLocks noGrp="1" noRot="1" noChangeAspect="1" noMove="1" noResize="1" noEditPoints="1" noAdjustHandles="1" noChangeArrowheads="1" noChangeShapeType="1" noTextEdit="1"/>
-          </p:cNvSpPr>
-          <p:nvPr>
-            <p:extLst>
-              <p:ext uri="{386F3935-93C4-4BCD-93E2-E3B085C9AB24}">
-                <p16:designElem xmlns:p16="http://schemas.microsoft.com/office/powerpoint/2015/main" val="1"/>
-              </p:ext>
-            </p:extLst>
-          </p:nvPr>
-        </p:nvSpPr>
-        <p:spPr>
-          <a:xfrm>
-            <a:off x="641774" y="623275"/>
-            <a:ext cx="10905053" cy="5607882"/>
-          </a:xfrm>
-          <a:prstGeom prst="rect">
-            <a:avLst/>
-          </a:prstGeom>
-          <a:noFill/>
-          <a:ln w="19050">
-            <a:solidFill>
-              <a:schemeClr val="tx1">
-                <a:lumMod val="75000"/>
-                <a:lumOff val="25000"/>
-              </a:schemeClr>
-            </a:solidFill>
-          </a:ln>
-        </p:spPr>
-        <p:style>
-          <a:lnRef idx="2">
-            <a:schemeClr val="accent1">
-              <a:shade val="50000"/>
-            </a:schemeClr>
-          </a:lnRef>
-          <a:fillRef idx="1">
-            <a:schemeClr val="accent1"/>
-          </a:fillRef>
-          <a:effectRef idx="0">
-            <a:schemeClr val="accent1"/>
-          </a:effectRef>
-          <a:fontRef idx="minor">
-            <a:schemeClr val="lt1"/>
-          </a:fontRef>
-        </p:style>
-        <p:txBody>
-          <a:bodyPr rtlCol="0" anchor="ctr"/>
-          <a:lstStyle/>
-          <a:p>
-            <a:pPr algn="ctr"/>
-            <a:endParaRPr lang="en-US"/>
-          </a:p>
-        </p:txBody>
-      </p:sp>
-      <p:sp>
-        <p:nvSpPr>
-          <p:cNvPr id="2" name="Title 1">
-            <a:extLst>
-              <a:ext uri="{FF2B5EF4-FFF2-40B4-BE49-F238E27FC236}">
-                <a16:creationId xmlns:a16="http://schemas.microsoft.com/office/drawing/2014/main" id="{E4450448-23BB-7DAC-6ED2-9F47DB789957}"/>
-              </a:ext>
-            </a:extLst>
-          </p:cNvPr>
-          <p:cNvSpPr>
-            <a:spLocks noGrp="1"/>
-          </p:cNvSpPr>
-          <p:nvPr>
-            <p:ph type="title"/>
-          </p:nvPr>
-        </p:nvSpPr>
-        <p:spPr>
-          <a:xfrm>
-            <a:off x="8029293" y="806364"/>
-            <a:ext cx="3354636" cy="2847413"/>
-          </a:xfrm>
-        </p:spPr>
-        <p:txBody>
-          <a:bodyPr vert="horz" lIns="91440" tIns="45720" rIns="91440" bIns="45720" rtlCol="0" anchor="b">
-            <a:normAutofit/>
-          </a:bodyPr>
-          <a:lstStyle/>
-          <a:p>
-            <a:r>
-              <a:rPr lang="en-US" sz="4700" kern="1200" dirty="0">
-                <a:solidFill>
-                  <a:schemeClr val="tx1"/>
-                </a:solidFill>
-                <a:latin typeface="+mj-lt"/>
-                <a:ea typeface="+mj-ea"/>
-                <a:cs typeface="+mj-cs"/>
-              </a:rPr>
-              <a:t>Greek Ships Sunk, prior to Italian Invasion: 45</a:t>
-            </a:r>
-          </a:p>
-        </p:txBody>
-      </p:sp>
-      <p:pic>
-        <p:nvPicPr>
-          <p:cNvPr id="4" name="Picture 3">
-            <a:extLst>
-              <a:ext uri="{FF2B5EF4-FFF2-40B4-BE49-F238E27FC236}">
-                <a16:creationId xmlns:a16="http://schemas.microsoft.com/office/drawing/2014/main" id="{2A1F6140-0D2B-8BF6-471B-B19DCF8C6234}"/>
-              </a:ext>
-            </a:extLst>
-          </p:cNvPr>
-          <p:cNvPicPr>
-            <a:picLocks noChangeAspect="1"/>
-          </p:cNvPicPr>
-          <p:nvPr/>
-        </p:nvPicPr>
-        <p:blipFill>
-          <a:blip r:embed="rId2"/>
-          <a:stretch>
-            <a:fillRect/>
-          </a:stretch>
-        </p:blipFill>
-        <p:spPr>
-          <a:xfrm>
-            <a:off x="1296558" y="1689810"/>
-            <a:ext cx="5604636" cy="3460862"/>
-          </a:xfrm>
-          <a:prstGeom prst="rect">
-            <a:avLst/>
-          </a:prstGeom>
-        </p:spPr>
-      </p:pic>
-    </p:spTree>
-    <p:extLst>
-      <p:ext uri="{BB962C8B-B14F-4D97-AF65-F5344CB8AC3E}">
-        <p14:creationId xmlns:p14="http://schemas.microsoft.com/office/powerpoint/2010/main" val="3333307330"/>
-      </p:ext>
-    </p:extLst>
-  </p:cSld>
-  <p:clrMapOvr>
-    <a:masterClrMapping/>
-  </p:clrMapOvr>
-</p:sld>
-</file>
-
-<file path=ppt/slides/slide5.xml><?xml version="1.0" encoding="utf-8"?>
-<p:sld xmlns:a="http://schemas.openxmlformats.org/drawingml/2006/main" xmlns:r="http://schemas.openxmlformats.org/officeDocument/2006/relationships" xmlns:p="http://schemas.openxmlformats.org/presentationml/2006/main">
-  <p:cSld>
-    <p:bg>
-      <p:bgPr>
-        <a:solidFill>
-          <a:schemeClr val="bg1"/>
-        </a:solidFill>
-        <a:effectLst/>
-      </p:bgPr>
-    </p:bg>
-    <p:spTree>
-      <p:nvGrpSpPr>
-        <p:cNvPr id="1" name=""/>
-        <p:cNvGrpSpPr/>
-        <p:nvPr/>
-      </p:nvGrpSpPr>
-      <p:grpSpPr>
-        <a:xfrm>
-          <a:off x="0" y="0"/>
-          <a:ext cx="0" cy="0"/>
-          <a:chOff x="0" y="0"/>
-          <a:chExt cx="0" cy="0"/>
-        </a:xfrm>
-      </p:grpSpPr>
-      <p:sp useBgFill="1">
-        <p:nvSpPr>
-          <p:cNvPr id="9" name="Rectangle 8">
-            <a:extLst>
-              <a:ext uri="{FF2B5EF4-FFF2-40B4-BE49-F238E27FC236}">
-                <a16:creationId xmlns:a16="http://schemas.microsoft.com/office/drawing/2014/main" id="{19D32F93-50AC-4C46-A5DB-291C60DDB7BD}"/>
-              </a:ext>
-              <a:ext uri="{C183D7F6-B498-43B3-948B-1728B52AA6E4}">
-                <adec:decorative xmlns:adec="http://schemas.microsoft.com/office/drawing/2017/decorative" val="1"/>
-              </a:ext>
-            </a:extLst>
-          </p:cNvPr>
-          <p:cNvSpPr>
-            <a:spLocks noGrp="1" noRot="1" noChangeAspect="1" noMove="1" noResize="1" noEditPoints="1" noAdjustHandles="1" noChangeArrowheads="1" noChangeShapeType="1" noTextEdit="1"/>
-          </p:cNvSpPr>
-          <p:nvPr>
-            <p:extLst>
-              <p:ext uri="{386F3935-93C4-4BCD-93E2-E3B085C9AB24}">
-                <p16:designElem xmlns:p16="http://schemas.microsoft.com/office/powerpoint/2015/main" val="1"/>
-              </p:ext>
-            </p:extLst>
-          </p:nvPr>
-        </p:nvSpPr>
-        <p:spPr>
-          <a:xfrm>
-            <a:off x="0" y="0"/>
-            <a:ext cx="12192000" cy="6858000"/>
-          </a:xfrm>
-          <a:prstGeom prst="rect">
-            <a:avLst/>
-          </a:prstGeom>
-          <a:ln>
-            <a:noFill/>
-          </a:ln>
-        </p:spPr>
-        <p:style>
-          <a:lnRef idx="2">
-            <a:schemeClr val="accent1">
-              <a:shade val="50000"/>
-            </a:schemeClr>
-          </a:lnRef>
-          <a:fillRef idx="1">
-            <a:schemeClr val="accent1"/>
-          </a:fillRef>
-          <a:effectRef idx="0">
-            <a:schemeClr val="accent1"/>
-          </a:effectRef>
-          <a:fontRef idx="minor">
-            <a:schemeClr val="lt1"/>
-          </a:fontRef>
-        </p:style>
-        <p:txBody>
-          <a:bodyPr rtlCol="0" anchor="ctr"/>
-          <a:lstStyle/>
-          <a:p>
-            <a:pPr algn="ctr"/>
-            <a:endParaRPr lang="en-US"/>
-          </a:p>
-        </p:txBody>
-      </p:sp>
-      <p:sp>
-        <p:nvSpPr>
-          <p:cNvPr id="11" name="Freeform: Shape 10">
-            <a:extLst>
-              <a:ext uri="{FF2B5EF4-FFF2-40B4-BE49-F238E27FC236}">
-                <a16:creationId xmlns:a16="http://schemas.microsoft.com/office/drawing/2014/main" id="{86FD7672-78BE-4D6F-A711-2CDB79B52DFF}"/>
-              </a:ext>
-              <a:ext uri="{C183D7F6-B498-43B3-948B-1728B52AA6E4}">
-                <adec:decorative xmlns:adec="http://schemas.microsoft.com/office/drawing/2017/decorative" val="1"/>
-              </a:ext>
-            </a:extLst>
-          </p:cNvPr>
-          <p:cNvSpPr>
-            <a:spLocks noGrp="1" noRot="1" noChangeAspect="1" noMove="1" noResize="1" noEditPoints="1" noAdjustHandles="1" noChangeArrowheads="1" noChangeShapeType="1" noTextEdit="1"/>
-          </p:cNvSpPr>
-          <p:nvPr>
-            <p:extLst>
-              <p:ext uri="{386F3935-93C4-4BCD-93E2-E3B085C9AB24}">
-                <p16:designElem xmlns:p16="http://schemas.microsoft.com/office/powerpoint/2015/main" val="1"/>
-              </p:ext>
-            </p:extLst>
-          </p:nvPr>
-        </p:nvSpPr>
-        <p:spPr>
-          <a:xfrm>
-            <a:off x="7544662" y="323519"/>
-            <a:ext cx="4323899" cy="6212748"/>
-          </a:xfrm>
-          <a:custGeom>
-            <a:avLst/>
-            <a:gdLst>
-              <a:gd name="connsiteX0" fmla="*/ 0 w 4323899"/>
-              <a:gd name="connsiteY0" fmla="*/ 0 h 6212748"/>
-              <a:gd name="connsiteX1" fmla="*/ 742501 w 4323899"/>
-              <a:gd name="connsiteY1" fmla="*/ 0 h 6212748"/>
-              <a:gd name="connsiteX2" fmla="*/ 4323899 w 4323899"/>
-              <a:gd name="connsiteY2" fmla="*/ 0 h 6212748"/>
-              <a:gd name="connsiteX3" fmla="*/ 4323899 w 4323899"/>
-              <a:gd name="connsiteY3" fmla="*/ 2864954 h 6212748"/>
-              <a:gd name="connsiteX4" fmla="*/ 880454 w 4323899"/>
-              <a:gd name="connsiteY4" fmla="*/ 6212748 h 6212748"/>
-              <a:gd name="connsiteX5" fmla="*/ 0 w 4323899"/>
-              <a:gd name="connsiteY5" fmla="*/ 6212748 h 6212748"/>
-              <a:gd name="connsiteX6" fmla="*/ 0 w 4323899"/>
-              <a:gd name="connsiteY6" fmla="*/ 6210962 h 6212748"/>
-            </a:gdLst>
-            <a:ahLst/>
-            <a:cxnLst>
-              <a:cxn ang="0">
-                <a:pos x="connsiteX0" y="connsiteY0"/>
-              </a:cxn>
-              <a:cxn ang="0">
-                <a:pos x="connsiteX1" y="connsiteY1"/>
-              </a:cxn>
-              <a:cxn ang="0">
-                <a:pos x="connsiteX2" y="connsiteY2"/>
-              </a:cxn>
-              <a:cxn ang="0">
-                <a:pos x="connsiteX3" y="connsiteY3"/>
-              </a:cxn>
-              <a:cxn ang="0">
-                <a:pos x="connsiteX4" y="connsiteY4"/>
-              </a:cxn>
-              <a:cxn ang="0">
-                <a:pos x="connsiteX5" y="connsiteY5"/>
-              </a:cxn>
-              <a:cxn ang="0">
-                <a:pos x="connsiteX6" y="connsiteY6"/>
-              </a:cxn>
-            </a:cxnLst>
-            <a:rect l="l" t="t" r="r" b="b"/>
-            <a:pathLst>
-              <a:path w="4323899" h="6212748">
-                <a:moveTo>
-                  <a:pt x="0" y="0"/>
-                </a:moveTo>
-                <a:lnTo>
-                  <a:pt x="742501" y="0"/>
-                </a:lnTo>
-                <a:lnTo>
-                  <a:pt x="4323899" y="0"/>
-                </a:lnTo>
-                <a:lnTo>
-                  <a:pt x="4323899" y="2864954"/>
-                </a:lnTo>
-                <a:lnTo>
-                  <a:pt x="880454" y="6212748"/>
-                </a:lnTo>
-                <a:lnTo>
-                  <a:pt x="0" y="6212748"/>
-                </a:lnTo>
-                <a:lnTo>
-                  <a:pt x="0" y="6210962"/>
-                </a:lnTo>
-                <a:close/>
-              </a:path>
-            </a:pathLst>
-          </a:custGeom>
-          <a:solidFill>
-            <a:schemeClr val="tx1">
-              <a:lumMod val="50000"/>
-              <a:lumOff val="50000"/>
-              <a:alpha val="25000"/>
-            </a:schemeClr>
-          </a:solidFill>
-          <a:ln>
-            <a:noFill/>
-          </a:ln>
-        </p:spPr>
-        <p:style>
-          <a:lnRef idx="2">
-            <a:schemeClr val="accent1">
-              <a:shade val="50000"/>
-            </a:schemeClr>
-          </a:lnRef>
-          <a:fillRef idx="1">
-            <a:schemeClr val="accent1"/>
-          </a:fillRef>
-          <a:effectRef idx="0">
-            <a:schemeClr val="accent1"/>
-          </a:effectRef>
-          <a:fontRef idx="minor">
-            <a:schemeClr val="lt1"/>
-          </a:fontRef>
-        </p:style>
-        <p:txBody>
-          <a:bodyPr wrap="square" rtlCol="0" anchor="ctr">
-            <a:noAutofit/>
-          </a:bodyPr>
-          <a:lstStyle/>
-          <a:p>
-            <a:pPr algn="ctr"/>
-            <a:endParaRPr lang="en-US"/>
-          </a:p>
-        </p:txBody>
-      </p:sp>
-      <p:sp>
-        <p:nvSpPr>
-          <p:cNvPr id="13" name="Right Triangle 12">
-            <a:extLst>
-              <a:ext uri="{FF2B5EF4-FFF2-40B4-BE49-F238E27FC236}">
-                <a16:creationId xmlns:a16="http://schemas.microsoft.com/office/drawing/2014/main" id="{827DC2C4-B485-428A-BF4A-472D2967F47F}"/>
-              </a:ext>
-              <a:ext uri="{C183D7F6-B498-43B3-948B-1728B52AA6E4}">
-                <adec:decorative xmlns:adec="http://schemas.microsoft.com/office/drawing/2017/decorative" val="1"/>
-              </a:ext>
-            </a:extLst>
-          </p:cNvPr>
-          <p:cNvSpPr>
-            <a:spLocks noGrp="1" noRot="1" noChangeAspect="1" noMove="1" noResize="1" noEditPoints="1" noAdjustHandles="1" noChangeArrowheads="1" noChangeShapeType="1" noTextEdit="1"/>
-          </p:cNvSpPr>
-          <p:nvPr>
-            <p:extLst>
-              <p:ext uri="{386F3935-93C4-4BCD-93E2-E3B085C9AB24}">
-                <p16:designElem xmlns:p16="http://schemas.microsoft.com/office/powerpoint/2015/main" val="1"/>
-              </p:ext>
-            </p:extLst>
-          </p:nvPr>
-        </p:nvSpPr>
-        <p:spPr>
-          <a:xfrm flipH="1">
-            <a:off x="8576720" y="3335867"/>
-            <a:ext cx="3291840" cy="3200400"/>
-          </a:xfrm>
-          <a:prstGeom prst="rtTriangle">
-            <a:avLst/>
-          </a:prstGeom>
-          <a:solidFill>
-            <a:schemeClr val="accent4"/>
-          </a:solidFill>
-          <a:ln>
-            <a:noFill/>
-          </a:ln>
-        </p:spPr>
-        <p:style>
-          <a:lnRef idx="2">
-            <a:schemeClr val="accent1">
-              <a:shade val="50000"/>
-            </a:schemeClr>
-          </a:lnRef>
-          <a:fillRef idx="1">
-            <a:schemeClr val="accent1"/>
-          </a:fillRef>
-          <a:effectRef idx="0">
-            <a:schemeClr val="accent1"/>
-          </a:effectRef>
-          <a:fontRef idx="minor">
-            <a:schemeClr val="lt1"/>
-          </a:fontRef>
-        </p:style>
-        <p:txBody>
-          <a:bodyPr rtlCol="0" anchor="ctr"/>
-          <a:lstStyle/>
-          <a:p>
-            <a:pPr algn="ctr"/>
-            <a:endParaRPr lang="en-US" dirty="0"/>
-          </a:p>
-        </p:txBody>
-      </p:sp>
-      <p:sp>
-        <p:nvSpPr>
-          <p:cNvPr id="15" name="Rectangle 14">
-            <a:extLst>
-              <a:ext uri="{FF2B5EF4-FFF2-40B4-BE49-F238E27FC236}">
-                <a16:creationId xmlns:a16="http://schemas.microsoft.com/office/drawing/2014/main" id="{4A62647B-1222-407C-8740-5A497612B1F5}"/>
-              </a:ext>
-              <a:ext uri="{C183D7F6-B498-43B3-948B-1728B52AA6E4}">
-                <adec:decorative xmlns:adec="http://schemas.microsoft.com/office/drawing/2017/decorative" val="1"/>
-              </a:ext>
-            </a:extLst>
-          </p:cNvPr>
-          <p:cNvSpPr>
-            <a:spLocks noGrp="1" noRot="1" noChangeAspect="1" noMove="1" noResize="1" noEditPoints="1" noAdjustHandles="1" noChangeArrowheads="1" noChangeShapeType="1" noTextEdit="1"/>
-          </p:cNvSpPr>
-          <p:nvPr>
-            <p:extLst>
-              <p:ext uri="{386F3935-93C4-4BCD-93E2-E3B085C9AB24}">
-                <p16:designElem xmlns:p16="http://schemas.microsoft.com/office/powerpoint/2015/main" val="1"/>
-              </p:ext>
-            </p:extLst>
-          </p:nvPr>
-        </p:nvSpPr>
-        <p:spPr>
-          <a:xfrm>
-            <a:off x="641774" y="623275"/>
-            <a:ext cx="10905053" cy="5607882"/>
-          </a:xfrm>
-          <a:prstGeom prst="rect">
-            <a:avLst/>
-          </a:prstGeom>
-          <a:noFill/>
-          <a:ln w="19050">
-            <a:solidFill>
-              <a:schemeClr val="tx1">
-                <a:lumMod val="75000"/>
-                <a:lumOff val="25000"/>
-              </a:schemeClr>
-            </a:solidFill>
-          </a:ln>
-        </p:spPr>
-        <p:style>
-          <a:lnRef idx="2">
-            <a:schemeClr val="accent1">
-              <a:shade val="50000"/>
-            </a:schemeClr>
-          </a:lnRef>
-          <a:fillRef idx="1">
-            <a:schemeClr val="accent1"/>
-          </a:fillRef>
-          <a:effectRef idx="0">
-            <a:schemeClr val="accent1"/>
-          </a:effectRef>
-          <a:fontRef idx="minor">
-            <a:schemeClr val="lt1"/>
-          </a:fontRef>
-        </p:style>
-        <p:txBody>
-          <a:bodyPr rtlCol="0" anchor="ctr"/>
-          <a:lstStyle/>
-          <a:p>
-            <a:pPr algn="ctr"/>
-            <a:endParaRPr lang="en-US"/>
-          </a:p>
-        </p:txBody>
-      </p:sp>
-      <p:sp>
-        <p:nvSpPr>
-          <p:cNvPr id="2" name="Title 1">
-            <a:extLst>
-              <a:ext uri="{FF2B5EF4-FFF2-40B4-BE49-F238E27FC236}">
-                <a16:creationId xmlns:a16="http://schemas.microsoft.com/office/drawing/2014/main" id="{0DF5570C-29EA-FC66-A7EF-4F0DB90914AE}"/>
-              </a:ext>
-            </a:extLst>
-          </p:cNvPr>
-          <p:cNvSpPr>
-            <a:spLocks noGrp="1"/>
-          </p:cNvSpPr>
-          <p:nvPr>
-            <p:ph type="title"/>
-          </p:nvPr>
-        </p:nvSpPr>
-        <p:spPr>
-          <a:xfrm>
-            <a:off x="8029293" y="806364"/>
-            <a:ext cx="3354636" cy="2847413"/>
-          </a:xfrm>
-        </p:spPr>
-        <p:txBody>
-          <a:bodyPr vert="horz" lIns="91440" tIns="45720" rIns="91440" bIns="45720" rtlCol="0" anchor="b">
-            <a:normAutofit/>
-          </a:bodyPr>
-          <a:lstStyle/>
-          <a:p>
-            <a:r>
-              <a:rPr lang="en-US" sz="4700" kern="1200" dirty="0">
-                <a:solidFill>
-                  <a:schemeClr val="tx1"/>
-                </a:solidFill>
-                <a:latin typeface="+mj-lt"/>
-                <a:ea typeface="+mj-ea"/>
-                <a:cs typeface="+mj-cs"/>
-              </a:rPr>
-              <a:t>Greek Ships Sunk, prior to German Invasion: 58</a:t>
-            </a:r>
-          </a:p>
-        </p:txBody>
-      </p:sp>
-      <p:pic>
-        <p:nvPicPr>
-          <p:cNvPr id="4" name="Picture 3">
-            <a:extLst>
-              <a:ext uri="{FF2B5EF4-FFF2-40B4-BE49-F238E27FC236}">
-                <a16:creationId xmlns:a16="http://schemas.microsoft.com/office/drawing/2014/main" id="{366664F3-99A0-FC03-DDF3-8694FC12F624}"/>
-              </a:ext>
-            </a:extLst>
-          </p:cNvPr>
-          <p:cNvPicPr>
-            <a:picLocks noChangeAspect="1"/>
-          </p:cNvPicPr>
-          <p:nvPr/>
-        </p:nvPicPr>
-        <p:blipFill>
-          <a:blip r:embed="rId2"/>
-          <a:stretch>
-            <a:fillRect/>
-          </a:stretch>
-        </p:blipFill>
-        <p:spPr>
-          <a:xfrm>
-            <a:off x="1296558" y="1689810"/>
-            <a:ext cx="5604636" cy="3460862"/>
-          </a:xfrm>
-          <a:prstGeom prst="rect">
-            <a:avLst/>
-          </a:prstGeom>
-        </p:spPr>
-      </p:pic>
-    </p:spTree>
-    <p:extLst>
-      <p:ext uri="{BB962C8B-B14F-4D97-AF65-F5344CB8AC3E}">
-        <p14:creationId xmlns:p14="http://schemas.microsoft.com/office/powerpoint/2010/main" val="4122426507"/>
-      </p:ext>
-    </p:extLst>
-  </p:cSld>
-  <p:clrMapOvr>
-    <a:masterClrMapping/>
-  </p:clrMapOvr>
-</p:sld>
-</file>
-
-<file path=ppt/slides/slide6.xml><?xml version="1.0" encoding="utf-8"?>
-<p:sld xmlns:a="http://schemas.openxmlformats.org/drawingml/2006/main" xmlns:r="http://schemas.openxmlformats.org/officeDocument/2006/relationships" xmlns:p="http://schemas.openxmlformats.org/presentationml/2006/main">
-  <p:cSld>
-    <p:bg>
-      <p:bgPr>
-        <a:solidFill>
-          <a:schemeClr val="bg1"/>
-        </a:solidFill>
-        <a:effectLst/>
-      </p:bgPr>
-    </p:bg>
-    <p:spTree>
-      <p:nvGrpSpPr>
-        <p:cNvPr id="1" name=""/>
-        <p:cNvGrpSpPr/>
-        <p:nvPr/>
-      </p:nvGrpSpPr>
-      <p:grpSpPr>
-        <a:xfrm>
-          <a:off x="0" y="0"/>
-          <a:ext cx="0" cy="0"/>
-          <a:chOff x="0" y="0"/>
-          <a:chExt cx="0" cy="0"/>
-        </a:xfrm>
-      </p:grpSpPr>
-      <p:sp useBgFill="1">
-        <p:nvSpPr>
-          <p:cNvPr id="9" name="Rectangle 8">
-            <a:extLst>
-              <a:ext uri="{FF2B5EF4-FFF2-40B4-BE49-F238E27FC236}">
-                <a16:creationId xmlns:a16="http://schemas.microsoft.com/office/drawing/2014/main" id="{19D32F93-50AC-4C46-A5DB-291C60DDB7BD}"/>
-              </a:ext>
-              <a:ext uri="{C183D7F6-B498-43B3-948B-1728B52AA6E4}">
-                <adec:decorative xmlns:adec="http://schemas.microsoft.com/office/drawing/2017/decorative" val="1"/>
-              </a:ext>
-            </a:extLst>
-          </p:cNvPr>
-          <p:cNvSpPr>
-            <a:spLocks noGrp="1" noRot="1" noChangeAspect="1" noMove="1" noResize="1" noEditPoints="1" noAdjustHandles="1" noChangeArrowheads="1" noChangeShapeType="1" noTextEdit="1"/>
-          </p:cNvSpPr>
-          <p:nvPr>
-            <p:extLst>
-              <p:ext uri="{386F3935-93C4-4BCD-93E2-E3B085C9AB24}">
-                <p16:designElem xmlns:p16="http://schemas.microsoft.com/office/powerpoint/2015/main" val="1"/>
-              </p:ext>
-            </p:extLst>
-          </p:nvPr>
-        </p:nvSpPr>
-        <p:spPr>
-          <a:xfrm>
-            <a:off x="0" y="0"/>
-            <a:ext cx="12192000" cy="6858000"/>
-          </a:xfrm>
-          <a:prstGeom prst="rect">
-            <a:avLst/>
-          </a:prstGeom>
-          <a:ln>
-            <a:noFill/>
-          </a:ln>
-        </p:spPr>
-        <p:style>
-          <a:lnRef idx="2">
-            <a:schemeClr val="accent1">
-              <a:shade val="50000"/>
-            </a:schemeClr>
-          </a:lnRef>
-          <a:fillRef idx="1">
-            <a:schemeClr val="accent1"/>
-          </a:fillRef>
-          <a:effectRef idx="0">
-            <a:schemeClr val="accent1"/>
-          </a:effectRef>
-          <a:fontRef idx="minor">
-            <a:schemeClr val="lt1"/>
-          </a:fontRef>
-        </p:style>
-        <p:txBody>
-          <a:bodyPr rtlCol="0" anchor="ctr"/>
-          <a:lstStyle/>
-          <a:p>
-            <a:pPr algn="ctr"/>
-            <a:endParaRPr lang="en-US"/>
-          </a:p>
-        </p:txBody>
-      </p:sp>
-      <p:sp>
-        <p:nvSpPr>
-          <p:cNvPr id="11" name="Freeform: Shape 10">
-            <a:extLst>
-              <a:ext uri="{FF2B5EF4-FFF2-40B4-BE49-F238E27FC236}">
-                <a16:creationId xmlns:a16="http://schemas.microsoft.com/office/drawing/2014/main" id="{86FD7672-78BE-4D6F-A711-2CDB79B52DFF}"/>
-              </a:ext>
-              <a:ext uri="{C183D7F6-B498-43B3-948B-1728B52AA6E4}">
-                <adec:decorative xmlns:adec="http://schemas.microsoft.com/office/drawing/2017/decorative" val="1"/>
-              </a:ext>
-            </a:extLst>
-          </p:cNvPr>
-          <p:cNvSpPr>
-            <a:spLocks noGrp="1" noRot="1" noChangeAspect="1" noMove="1" noResize="1" noEditPoints="1" noAdjustHandles="1" noChangeArrowheads="1" noChangeShapeType="1" noTextEdit="1"/>
-          </p:cNvSpPr>
-          <p:nvPr>
-            <p:extLst>
-              <p:ext uri="{386F3935-93C4-4BCD-93E2-E3B085C9AB24}">
-                <p16:designElem xmlns:p16="http://schemas.microsoft.com/office/powerpoint/2015/main" val="1"/>
-              </p:ext>
-            </p:extLst>
-          </p:nvPr>
-        </p:nvSpPr>
-        <p:spPr>
-          <a:xfrm>
-            <a:off x="7544662" y="323519"/>
-            <a:ext cx="4323899" cy="6212748"/>
-          </a:xfrm>
-          <a:custGeom>
-            <a:avLst/>
-            <a:gdLst>
-              <a:gd name="connsiteX0" fmla="*/ 0 w 4323899"/>
-              <a:gd name="connsiteY0" fmla="*/ 0 h 6212748"/>
-              <a:gd name="connsiteX1" fmla="*/ 742501 w 4323899"/>
-              <a:gd name="connsiteY1" fmla="*/ 0 h 6212748"/>
-              <a:gd name="connsiteX2" fmla="*/ 4323899 w 4323899"/>
-              <a:gd name="connsiteY2" fmla="*/ 0 h 6212748"/>
-              <a:gd name="connsiteX3" fmla="*/ 4323899 w 4323899"/>
-              <a:gd name="connsiteY3" fmla="*/ 2864954 h 6212748"/>
-              <a:gd name="connsiteX4" fmla="*/ 880454 w 4323899"/>
-              <a:gd name="connsiteY4" fmla="*/ 6212748 h 6212748"/>
-              <a:gd name="connsiteX5" fmla="*/ 0 w 4323899"/>
-              <a:gd name="connsiteY5" fmla="*/ 6212748 h 6212748"/>
-              <a:gd name="connsiteX6" fmla="*/ 0 w 4323899"/>
-              <a:gd name="connsiteY6" fmla="*/ 6210962 h 6212748"/>
-            </a:gdLst>
-            <a:ahLst/>
-            <a:cxnLst>
-              <a:cxn ang="0">
-                <a:pos x="connsiteX0" y="connsiteY0"/>
-              </a:cxn>
-              <a:cxn ang="0">
-                <a:pos x="connsiteX1" y="connsiteY1"/>
-              </a:cxn>
-              <a:cxn ang="0">
-                <a:pos x="connsiteX2" y="connsiteY2"/>
-              </a:cxn>
-              <a:cxn ang="0">
-                <a:pos x="connsiteX3" y="connsiteY3"/>
-              </a:cxn>
-              <a:cxn ang="0">
-                <a:pos x="connsiteX4" y="connsiteY4"/>
-              </a:cxn>
-              <a:cxn ang="0">
-                <a:pos x="connsiteX5" y="connsiteY5"/>
-              </a:cxn>
-              <a:cxn ang="0">
-                <a:pos x="connsiteX6" y="connsiteY6"/>
-              </a:cxn>
-            </a:cxnLst>
-            <a:rect l="l" t="t" r="r" b="b"/>
-            <a:pathLst>
-              <a:path w="4323899" h="6212748">
-                <a:moveTo>
-                  <a:pt x="0" y="0"/>
-                </a:moveTo>
-                <a:lnTo>
-                  <a:pt x="742501" y="0"/>
-                </a:lnTo>
-                <a:lnTo>
-                  <a:pt x="4323899" y="0"/>
-                </a:lnTo>
-                <a:lnTo>
-                  <a:pt x="4323899" y="2864954"/>
-                </a:lnTo>
-                <a:lnTo>
-                  <a:pt x="880454" y="6212748"/>
-                </a:lnTo>
-                <a:lnTo>
-                  <a:pt x="0" y="6212748"/>
-                </a:lnTo>
-                <a:lnTo>
-                  <a:pt x="0" y="6210962"/>
-                </a:lnTo>
-                <a:close/>
-              </a:path>
-            </a:pathLst>
-          </a:custGeom>
-          <a:solidFill>
-            <a:schemeClr val="tx1">
-              <a:lumMod val="50000"/>
-              <a:lumOff val="50000"/>
-              <a:alpha val="25000"/>
-            </a:schemeClr>
-          </a:solidFill>
-          <a:ln>
-            <a:noFill/>
-          </a:ln>
-        </p:spPr>
-        <p:style>
-          <a:lnRef idx="2">
-            <a:schemeClr val="accent1">
-              <a:shade val="50000"/>
-            </a:schemeClr>
-          </a:lnRef>
-          <a:fillRef idx="1">
-            <a:schemeClr val="accent1"/>
-          </a:fillRef>
-          <a:effectRef idx="0">
-            <a:schemeClr val="accent1"/>
-          </a:effectRef>
-          <a:fontRef idx="minor">
-            <a:schemeClr val="lt1"/>
-          </a:fontRef>
-        </p:style>
-        <p:txBody>
-          <a:bodyPr wrap="square" rtlCol="0" anchor="ctr">
-            <a:noAutofit/>
-          </a:bodyPr>
-          <a:lstStyle/>
-          <a:p>
-            <a:pPr algn="ctr"/>
-            <a:endParaRPr lang="en-US"/>
-          </a:p>
-        </p:txBody>
-      </p:sp>
-      <p:sp>
-        <p:nvSpPr>
-          <p:cNvPr id="13" name="Right Triangle 12">
-            <a:extLst>
-              <a:ext uri="{FF2B5EF4-FFF2-40B4-BE49-F238E27FC236}">
-                <a16:creationId xmlns:a16="http://schemas.microsoft.com/office/drawing/2014/main" id="{827DC2C4-B485-428A-BF4A-472D2967F47F}"/>
-              </a:ext>
-              <a:ext uri="{C183D7F6-B498-43B3-948B-1728B52AA6E4}">
-                <adec:decorative xmlns:adec="http://schemas.microsoft.com/office/drawing/2017/decorative" val="1"/>
-              </a:ext>
-            </a:extLst>
-          </p:cNvPr>
-          <p:cNvSpPr>
-            <a:spLocks noGrp="1" noRot="1" noChangeAspect="1" noMove="1" noResize="1" noEditPoints="1" noAdjustHandles="1" noChangeArrowheads="1" noChangeShapeType="1" noTextEdit="1"/>
-          </p:cNvSpPr>
-          <p:nvPr>
-            <p:extLst>
-              <p:ext uri="{386F3935-93C4-4BCD-93E2-E3B085C9AB24}">
-                <p16:designElem xmlns:p16="http://schemas.microsoft.com/office/powerpoint/2015/main" val="1"/>
-              </p:ext>
-            </p:extLst>
-          </p:nvPr>
-        </p:nvSpPr>
-        <p:spPr>
-          <a:xfrm flipH="1">
-            <a:off x="8576720" y="3335867"/>
-            <a:ext cx="3291840" cy="3200400"/>
-          </a:xfrm>
-          <a:prstGeom prst="rtTriangle">
-            <a:avLst/>
-          </a:prstGeom>
-          <a:solidFill>
-            <a:schemeClr val="accent4"/>
-          </a:solidFill>
-          <a:ln>
-            <a:noFill/>
-          </a:ln>
-        </p:spPr>
-        <p:style>
-          <a:lnRef idx="2">
-            <a:schemeClr val="accent1">
-              <a:shade val="50000"/>
-            </a:schemeClr>
-          </a:lnRef>
-          <a:fillRef idx="1">
-            <a:schemeClr val="accent1"/>
-          </a:fillRef>
-          <a:effectRef idx="0">
-            <a:schemeClr val="accent1"/>
-          </a:effectRef>
-          <a:fontRef idx="minor">
-            <a:schemeClr val="lt1"/>
-          </a:fontRef>
-        </p:style>
-        <p:txBody>
-          <a:bodyPr rtlCol="0" anchor="ctr"/>
-          <a:lstStyle/>
-          <a:p>
-            <a:pPr algn="ctr"/>
-            <a:endParaRPr lang="en-US" dirty="0"/>
-          </a:p>
-        </p:txBody>
-      </p:sp>
-      <p:sp>
-        <p:nvSpPr>
-          <p:cNvPr id="15" name="Rectangle 14">
-            <a:extLst>
-              <a:ext uri="{FF2B5EF4-FFF2-40B4-BE49-F238E27FC236}">
-                <a16:creationId xmlns:a16="http://schemas.microsoft.com/office/drawing/2014/main" id="{4A62647B-1222-407C-8740-5A497612B1F5}"/>
-              </a:ext>
-              <a:ext uri="{C183D7F6-B498-43B3-948B-1728B52AA6E4}">
-                <adec:decorative xmlns:adec="http://schemas.microsoft.com/office/drawing/2017/decorative" val="1"/>
-              </a:ext>
-            </a:extLst>
-          </p:cNvPr>
-          <p:cNvSpPr>
-            <a:spLocks noGrp="1" noRot="1" noChangeAspect="1" noMove="1" noResize="1" noEditPoints="1" noAdjustHandles="1" noChangeArrowheads="1" noChangeShapeType="1" noTextEdit="1"/>
-          </p:cNvSpPr>
-          <p:nvPr>
-            <p:extLst>
-              <p:ext uri="{386F3935-93C4-4BCD-93E2-E3B085C9AB24}">
-                <p16:designElem xmlns:p16="http://schemas.microsoft.com/office/powerpoint/2015/main" val="1"/>
-              </p:ext>
-            </p:extLst>
-          </p:nvPr>
-        </p:nvSpPr>
-        <p:spPr>
-          <a:xfrm>
-            <a:off x="641774" y="623275"/>
-            <a:ext cx="10905053" cy="5607882"/>
-          </a:xfrm>
-          <a:prstGeom prst="rect">
-            <a:avLst/>
-          </a:prstGeom>
-          <a:noFill/>
-          <a:ln w="19050">
-            <a:solidFill>
-              <a:schemeClr val="tx1">
-                <a:lumMod val="75000"/>
-                <a:lumOff val="25000"/>
-              </a:schemeClr>
-            </a:solidFill>
-          </a:ln>
-        </p:spPr>
-        <p:style>
-          <a:lnRef idx="2">
-            <a:schemeClr val="accent1">
-              <a:shade val="50000"/>
-            </a:schemeClr>
-          </a:lnRef>
-          <a:fillRef idx="1">
-            <a:schemeClr val="accent1"/>
-          </a:fillRef>
-          <a:effectRef idx="0">
-            <a:schemeClr val="accent1"/>
-          </a:effectRef>
-          <a:fontRef idx="minor">
-            <a:schemeClr val="lt1"/>
-          </a:fontRef>
-        </p:style>
-        <p:txBody>
-          <a:bodyPr rtlCol="0" anchor="ctr"/>
-          <a:lstStyle/>
-          <a:p>
-            <a:pPr algn="ctr"/>
-            <a:endParaRPr lang="en-US"/>
-          </a:p>
-        </p:txBody>
-      </p:sp>
-      <p:sp>
-        <p:nvSpPr>
-          <p:cNvPr id="2" name="Title 1">
-            <a:extLst>
-              <a:ext uri="{FF2B5EF4-FFF2-40B4-BE49-F238E27FC236}">
-                <a16:creationId xmlns:a16="http://schemas.microsoft.com/office/drawing/2014/main" id="{98C1078C-003B-5DCF-7023-21AF78CADB40}"/>
-              </a:ext>
-            </a:extLst>
-          </p:cNvPr>
-          <p:cNvSpPr>
-            <a:spLocks noGrp="1"/>
-          </p:cNvSpPr>
-          <p:nvPr>
-            <p:ph type="title"/>
-          </p:nvPr>
-        </p:nvSpPr>
-        <p:spPr>
-          <a:xfrm>
-            <a:off x="8029293" y="806364"/>
-            <a:ext cx="3354636" cy="2847413"/>
-          </a:xfrm>
-        </p:spPr>
-        <p:txBody>
-          <a:bodyPr vert="horz" lIns="91440" tIns="45720" rIns="91440" bIns="45720" rtlCol="0" anchor="b">
-            <a:normAutofit fontScale="90000"/>
-          </a:bodyPr>
-          <a:lstStyle/>
-          <a:p>
-            <a:r>
-              <a:rPr lang="en-US" sz="4700" kern="1200" dirty="0">
-                <a:solidFill>
-                  <a:schemeClr val="tx1"/>
-                </a:solidFill>
-                <a:latin typeface="+mj-lt"/>
-                <a:ea typeface="+mj-ea"/>
-                <a:cs typeface="+mj-cs"/>
-              </a:rPr>
-              <a:t>US Ships Sunk prior to Japanese Attack: 7 + 9 (Non-US Flag)</a:t>
-            </a:r>
-          </a:p>
-        </p:txBody>
-      </p:sp>
-      <p:pic>
-        <p:nvPicPr>
-          <p:cNvPr id="4" name="Picture 3">
-            <a:extLst>
-              <a:ext uri="{FF2B5EF4-FFF2-40B4-BE49-F238E27FC236}">
-                <a16:creationId xmlns:a16="http://schemas.microsoft.com/office/drawing/2014/main" id="{F0877E77-B8B0-87BA-1344-8A85090B014A}"/>
-              </a:ext>
-            </a:extLst>
-          </p:cNvPr>
-          <p:cNvPicPr>
-            <a:picLocks noChangeAspect="1"/>
-          </p:cNvPicPr>
-          <p:nvPr/>
-        </p:nvPicPr>
-        <p:blipFill>
-          <a:blip r:embed="rId2"/>
-          <a:stretch>
-            <a:fillRect/>
-          </a:stretch>
-        </p:blipFill>
-        <p:spPr>
-          <a:xfrm>
-            <a:off x="1296558" y="1689810"/>
-            <a:ext cx="5604636" cy="3460862"/>
-          </a:xfrm>
-          <a:prstGeom prst="rect">
-            <a:avLst/>
-          </a:prstGeom>
-        </p:spPr>
-      </p:pic>
-    </p:spTree>
-    <p:extLst>
-      <p:ext uri="{BB962C8B-B14F-4D97-AF65-F5344CB8AC3E}">
-        <p14:creationId xmlns:p14="http://schemas.microsoft.com/office/powerpoint/2010/main" val="2460202744"/>
-      </p:ext>
-    </p:extLst>
-  </p:cSld>
-  <p:clrMapOvr>
-    <a:masterClrMapping/>
-  </p:clrMapOvr>
-</p:sld>
-</file>
-
-<file path=ppt/slides/slide7.xml><?xml version="1.0" encoding="utf-8"?>
-<p:sld xmlns:a="http://schemas.openxmlformats.org/drawingml/2006/main" xmlns:r="http://schemas.openxmlformats.org/officeDocument/2006/relationships" xmlns:p="http://schemas.openxmlformats.org/presentationml/2006/main">
-  <p:cSld>
-    <p:spTree>
-      <p:nvGrpSpPr>
-        <p:cNvPr id="1" name=""/>
-        <p:cNvGrpSpPr/>
-        <p:nvPr/>
-      </p:nvGrpSpPr>
-      <p:grpSpPr>
-        <a:xfrm>
-          <a:off x="0" y="0"/>
-          <a:ext cx="0" cy="0"/>
-          <a:chOff x="0" y="0"/>
-          <a:chExt cx="0" cy="0"/>
-        </a:xfrm>
-      </p:grpSpPr>
-      <p:sp>
-        <p:nvSpPr>
-          <p:cNvPr id="2" name="Title 1">
-            <a:extLst>
-              <a:ext uri="{FF2B5EF4-FFF2-40B4-BE49-F238E27FC236}">
-                <a16:creationId xmlns:a16="http://schemas.microsoft.com/office/drawing/2014/main" id="{2B993828-E530-43D5-0FF0-5AE433E365B0}"/>
-              </a:ext>
-            </a:extLst>
-          </p:cNvPr>
-          <p:cNvSpPr>
-            <a:spLocks noGrp="1"/>
-          </p:cNvSpPr>
-          <p:nvPr>
-            <p:ph type="title"/>
-          </p:nvPr>
-        </p:nvSpPr>
-        <p:spPr/>
-        <p:txBody>
-          <a:bodyPr/>
-          <a:lstStyle/>
-          <a:p>
-            <a:r>
-              <a:rPr lang="en-US" dirty="0"/>
-              <a:t>Why The Difference</a:t>
-            </a:r>
-          </a:p>
-        </p:txBody>
-      </p:sp>
-      <p:sp>
-        <p:nvSpPr>
-          <p:cNvPr id="3" name="Content Placeholder 2">
-            <a:extLst>
-              <a:ext uri="{FF2B5EF4-FFF2-40B4-BE49-F238E27FC236}">
-                <a16:creationId xmlns:a16="http://schemas.microsoft.com/office/drawing/2014/main" id="{90266016-68D6-BBD2-D619-69DF5012B398}"/>
-              </a:ext>
-            </a:extLst>
-          </p:cNvPr>
-          <p:cNvSpPr>
-            <a:spLocks noGrp="1"/>
-          </p:cNvSpPr>
-          <p:nvPr>
-            <p:ph idx="1"/>
-          </p:nvPr>
-        </p:nvSpPr>
-        <p:spPr/>
-        <p:txBody>
-          <a:bodyPr>
-            <a:normAutofit lnSpcReduction="10000"/>
-          </a:bodyPr>
-          <a:lstStyle/>
-          <a:p>
-            <a:r>
-              <a:rPr lang="en-US" dirty="0"/>
-              <a:t>Greece was small and poor but with a massive fleet.</a:t>
-            </a:r>
-          </a:p>
-          <a:p>
-            <a:r>
-              <a:rPr lang="en-US" dirty="0"/>
-              <a:t>The British needed the Greek fleet, and basically forced Greek ships to be part of the British supply effort.</a:t>
-            </a:r>
-          </a:p>
-          <a:p>
-            <a:r>
-              <a:rPr lang="en-US" dirty="0"/>
-              <a:t>The US Neutrality Act of 1939 restricted war commerce to “Cash and Carry.”</a:t>
-            </a:r>
-          </a:p>
-          <a:p>
-            <a:r>
-              <a:rPr lang="en-US" dirty="0"/>
-              <a:t>And the US had the second largest navy in the world, and was the world’s premier industrial power.</a:t>
-            </a:r>
-          </a:p>
-          <a:p>
-            <a:r>
-              <a:rPr lang="en-US" dirty="0"/>
-              <a:t>Nearly half of the Greek losses occurred before Greece and Germany were at war.</a:t>
-            </a:r>
-          </a:p>
-          <a:p>
-            <a:r>
-              <a:rPr lang="en-US" dirty="0"/>
-              <a:t>“The Weak suffer what they must.”</a:t>
-            </a:r>
-          </a:p>
-        </p:txBody>
-      </p:sp>
-    </p:spTree>
-    <p:extLst>
-      <p:ext uri="{BB962C8B-B14F-4D97-AF65-F5344CB8AC3E}">
-        <p14:creationId xmlns:p14="http://schemas.microsoft.com/office/powerpoint/2010/main" val="3046866799"/>
-      </p:ext>
-    </p:extLst>
-  </p:cSld>
-  <p:clrMapOvr>
-    <a:masterClrMapping/>
-  </p:clrMapOvr>
-</p:sld>
-</file>
-
-<file path=ppt/slides/slide8.xml><?xml version="1.0" encoding="utf-8"?>
-<p:sld xmlns:a="http://schemas.openxmlformats.org/drawingml/2006/main" xmlns:r="http://schemas.openxmlformats.org/officeDocument/2006/relationships" xmlns:p="http://schemas.openxmlformats.org/presentationml/2006/main">
-  <p:cSld>
-    <p:bg>
-      <p:bgPr>
-        <a:solidFill>
-          <a:schemeClr val="bg1"/>
-        </a:solidFill>
-        <a:effectLst/>
-      </p:bgPr>
-    </p:bg>
-    <p:spTree>
-      <p:nvGrpSpPr>
-        <p:cNvPr id="1" name=""/>
-        <p:cNvGrpSpPr/>
-        <p:nvPr/>
-      </p:nvGrpSpPr>
-      <p:grpSpPr>
-        <a:xfrm>
-          <a:off x="0" y="0"/>
-          <a:ext cx="0" cy="0"/>
-          <a:chOff x="0" y="0"/>
-          <a:chExt cx="0" cy="0"/>
-        </a:xfrm>
-      </p:grpSpPr>
-      <p:sp useBgFill="1">
-        <p:nvSpPr>
-          <p:cNvPr id="9" name="Rectangle 8">
-            <a:extLst>
-              <a:ext uri="{FF2B5EF4-FFF2-40B4-BE49-F238E27FC236}">
-                <a16:creationId xmlns:a16="http://schemas.microsoft.com/office/drawing/2014/main" id="{B9D7E975-9161-4F2D-AC53-69E1912F6B5D}"/>
-              </a:ext>
-              <a:ext uri="{C183D7F6-B498-43B3-948B-1728B52AA6E4}">
-                <adec:decorative xmlns:adec="http://schemas.microsoft.com/office/drawing/2017/decorative" val="1"/>
-              </a:ext>
-            </a:extLst>
-          </p:cNvPr>
-          <p:cNvSpPr>
-            <a:spLocks noGrp="1" noRot="1" noChangeAspect="1" noMove="1" noResize="1" noEditPoints="1" noAdjustHandles="1" noChangeArrowheads="1" noChangeShapeType="1" noTextEdit="1"/>
-          </p:cNvSpPr>
-          <p:nvPr>
-            <p:extLst>
-              <p:ext uri="{386F3935-93C4-4BCD-93E2-E3B085C9AB24}">
-                <p16:designElem xmlns:p16="http://schemas.microsoft.com/office/powerpoint/2015/main" val="1"/>
-              </p:ext>
-            </p:extLst>
-          </p:nvPr>
-        </p:nvSpPr>
-        <p:spPr>
-          <a:xfrm>
-            <a:off x="0" y="0"/>
-            <a:ext cx="12192000" cy="6858000"/>
-          </a:xfrm>
-          <a:prstGeom prst="rect">
-            <a:avLst/>
-          </a:prstGeom>
-          <a:ln>
-            <a:noFill/>
-          </a:ln>
-        </p:spPr>
-        <p:style>
-          <a:lnRef idx="2">
-            <a:schemeClr val="accent1">
-              <a:shade val="50000"/>
-            </a:schemeClr>
-          </a:lnRef>
-          <a:fillRef idx="1">
-            <a:schemeClr val="accent1"/>
-          </a:fillRef>
-          <a:effectRef idx="0">
-            <a:schemeClr val="accent1"/>
-          </a:effectRef>
-          <a:fontRef idx="minor">
-            <a:schemeClr val="lt1"/>
-          </a:fontRef>
-        </p:style>
-        <p:txBody>
-          <a:bodyPr rtlCol="0" anchor="ctr"/>
-          <a:lstStyle/>
-          <a:p>
-            <a:pPr algn="ctr"/>
-            <a:endParaRPr lang="en-US"/>
-          </a:p>
-        </p:txBody>
-      </p:sp>
-      <p:pic>
-        <p:nvPicPr>
-          <p:cNvPr id="4" name="Picture 3">
-            <a:extLst>
-              <a:ext uri="{FF2B5EF4-FFF2-40B4-BE49-F238E27FC236}">
-                <a16:creationId xmlns:a16="http://schemas.microsoft.com/office/drawing/2014/main" id="{CF762E68-2DA1-4E38-4B65-14AEC93E80D8}"/>
-              </a:ext>
-            </a:extLst>
-          </p:cNvPr>
-          <p:cNvPicPr>
-            <a:picLocks noChangeAspect="1"/>
-          </p:cNvPicPr>
-          <p:nvPr/>
-        </p:nvPicPr>
-        <p:blipFill>
-          <a:blip r:embed="rId2"/>
-          <a:stretch>
-            <a:fillRect/>
-          </a:stretch>
-        </p:blipFill>
-        <p:spPr>
-          <a:xfrm>
-            <a:off x="621675" y="1392696"/>
-            <a:ext cx="6589537" cy="4069039"/>
-          </a:xfrm>
-          <a:prstGeom prst="rect">
-            <a:avLst/>
-          </a:prstGeom>
-        </p:spPr>
-      </p:pic>
-      <p:sp>
-        <p:nvSpPr>
-          <p:cNvPr id="11" name="Right Triangle 10">
-            <a:extLst>
-              <a:ext uri="{FF2B5EF4-FFF2-40B4-BE49-F238E27FC236}">
-                <a16:creationId xmlns:a16="http://schemas.microsoft.com/office/drawing/2014/main" id="{827DC2C4-B485-428A-BF4A-472D2967F47F}"/>
-              </a:ext>
-              <a:ext uri="{C183D7F6-B498-43B3-948B-1728B52AA6E4}">
-                <adec:decorative xmlns:adec="http://schemas.microsoft.com/office/drawing/2017/decorative" val="1"/>
-              </a:ext>
-            </a:extLst>
-          </p:cNvPr>
-          <p:cNvSpPr>
-            <a:spLocks noGrp="1" noRot="1" noChangeAspect="1" noMove="1" noResize="1" noEditPoints="1" noAdjustHandles="1" noChangeArrowheads="1" noChangeShapeType="1" noTextEdit="1"/>
-          </p:cNvSpPr>
-          <p:nvPr>
-            <p:extLst>
-              <p:ext uri="{386F3935-93C4-4BCD-93E2-E3B085C9AB24}">
-                <p16:designElem xmlns:p16="http://schemas.microsoft.com/office/powerpoint/2015/main" val="1"/>
-              </p:ext>
-            </p:extLst>
-          </p:nvPr>
-        </p:nvSpPr>
-        <p:spPr>
-          <a:xfrm flipH="1">
-            <a:off x="8576720" y="3335867"/>
-            <a:ext cx="3291840" cy="3200400"/>
-          </a:xfrm>
-          <a:prstGeom prst="rtTriangle">
-            <a:avLst/>
-          </a:prstGeom>
-          <a:solidFill>
-            <a:schemeClr val="accent4"/>
-          </a:solidFill>
-          <a:ln>
-            <a:noFill/>
-          </a:ln>
-        </p:spPr>
-        <p:style>
-          <a:lnRef idx="2">
-            <a:schemeClr val="accent1">
-              <a:shade val="50000"/>
-            </a:schemeClr>
-          </a:lnRef>
-          <a:fillRef idx="1">
-            <a:schemeClr val="accent1"/>
-          </a:fillRef>
-          <a:effectRef idx="0">
-            <a:schemeClr val="accent1"/>
-          </a:effectRef>
-          <a:fontRef idx="minor">
-            <a:schemeClr val="lt1"/>
-          </a:fontRef>
-        </p:style>
-        <p:txBody>
-          <a:bodyPr rtlCol="0" anchor="ctr"/>
-          <a:lstStyle/>
-          <a:p>
-            <a:pPr algn="ctr"/>
-            <a:endParaRPr lang="en-US" dirty="0"/>
-          </a:p>
-        </p:txBody>
-      </p:sp>
-      <p:sp>
-        <p:nvSpPr>
-          <p:cNvPr id="13" name="Rectangle 12">
-            <a:extLst>
-              <a:ext uri="{FF2B5EF4-FFF2-40B4-BE49-F238E27FC236}">
-                <a16:creationId xmlns:a16="http://schemas.microsoft.com/office/drawing/2014/main" id="{463E6235-1649-4B47-9862-4026FC473B6F}"/>
-              </a:ext>
-              <a:ext uri="{C183D7F6-B498-43B3-948B-1728B52AA6E4}">
-                <adec:decorative xmlns:adec="http://schemas.microsoft.com/office/drawing/2017/decorative" val="1"/>
-              </a:ext>
-            </a:extLst>
-          </p:cNvPr>
-          <p:cNvSpPr>
-            <a:spLocks noGrp="1" noRot="1" noChangeAspect="1" noMove="1" noResize="1" noEditPoints="1" noAdjustHandles="1" noChangeArrowheads="1" noChangeShapeType="1" noTextEdit="1"/>
-          </p:cNvSpPr>
-          <p:nvPr>
-            <p:extLst>
-              <p:ext uri="{386F3935-93C4-4BCD-93E2-E3B085C9AB24}">
-                <p16:designElem xmlns:p16="http://schemas.microsoft.com/office/powerpoint/2015/main" val="1"/>
-              </p:ext>
-            </p:extLst>
-          </p:nvPr>
-        </p:nvSpPr>
-        <p:spPr>
-          <a:xfrm>
-            <a:off x="7534653" y="623275"/>
-            <a:ext cx="4012173" cy="5607882"/>
-          </a:xfrm>
-          <a:prstGeom prst="rect">
-            <a:avLst/>
-          </a:prstGeom>
-          <a:noFill/>
-          <a:ln w="19050">
-            <a:solidFill>
-              <a:schemeClr val="tx1">
-                <a:lumMod val="75000"/>
-                <a:lumOff val="25000"/>
-              </a:schemeClr>
-            </a:solidFill>
-          </a:ln>
-        </p:spPr>
-        <p:style>
-          <a:lnRef idx="2">
-            <a:schemeClr val="accent1">
-              <a:shade val="50000"/>
-            </a:schemeClr>
-          </a:lnRef>
-          <a:fillRef idx="1">
-            <a:schemeClr val="accent1"/>
-          </a:fillRef>
-          <a:effectRef idx="0">
-            <a:schemeClr val="accent1"/>
-          </a:effectRef>
-          <a:fontRef idx="minor">
-            <a:schemeClr val="lt1"/>
-          </a:fontRef>
-        </p:style>
-        <p:txBody>
-          <a:bodyPr rtlCol="0" anchor="ctr"/>
-          <a:lstStyle/>
-          <a:p>
-            <a:pPr algn="ctr"/>
-            <a:endParaRPr lang="en-US"/>
-          </a:p>
-        </p:txBody>
-      </p:sp>
-      <p:sp>
-        <p:nvSpPr>
-          <p:cNvPr id="2" name="Title 1">
-            <a:extLst>
-              <a:ext uri="{FF2B5EF4-FFF2-40B4-BE49-F238E27FC236}">
-                <a16:creationId xmlns:a16="http://schemas.microsoft.com/office/drawing/2014/main" id="{FB026E07-5E8E-908D-8688-B15E182BFF0D}"/>
-              </a:ext>
-            </a:extLst>
-          </p:cNvPr>
-          <p:cNvSpPr>
-            <a:spLocks noGrp="1"/>
-          </p:cNvSpPr>
-          <p:nvPr>
-            <p:ph type="title"/>
-          </p:nvPr>
-        </p:nvSpPr>
-        <p:spPr>
-          <a:xfrm>
-            <a:off x="8052497" y="1056640"/>
-            <a:ext cx="3197660" cy="3125746"/>
-          </a:xfrm>
-        </p:spPr>
-        <p:txBody>
-          <a:bodyPr vert="horz" lIns="91440" tIns="45720" rIns="91440" bIns="45720" rtlCol="0" anchor="b">
-            <a:normAutofit/>
-          </a:bodyPr>
-          <a:lstStyle/>
-          <a:p>
-            <a:r>
-              <a:rPr lang="en-US" sz="5600" kern="1200">
-                <a:solidFill>
-                  <a:schemeClr val="tx1"/>
-                </a:solidFill>
-                <a:latin typeface="+mj-lt"/>
-                <a:ea typeface="+mj-ea"/>
-                <a:cs typeface="+mj-cs"/>
-              </a:rPr>
-              <a:t>Luftwaffe: Atlantic</a:t>
-            </a:r>
-          </a:p>
-        </p:txBody>
-      </p:sp>
-    </p:spTree>
-    <p:extLst>
-      <p:ext uri="{BB962C8B-B14F-4D97-AF65-F5344CB8AC3E}">
-        <p14:creationId xmlns:p14="http://schemas.microsoft.com/office/powerpoint/2010/main" val="443905373"/>
-      </p:ext>
-    </p:extLst>
-  </p:cSld>
-  <p:clrMapOvr>
-    <a:masterClrMapping/>
-  </p:clrMapOvr>
-</p:sld>
-</file>
-
-<file path=ppt/slides/slide9.xml><?xml version="1.0" encoding="utf-8"?>
-<p:sld xmlns:a="http://schemas.openxmlformats.org/drawingml/2006/main" xmlns:r="http://schemas.openxmlformats.org/officeDocument/2006/relationships" xmlns:p="http://schemas.openxmlformats.org/presentationml/2006/main">
-  <p:cSld>
-    <p:bg>
-      <p:bgPr>
-        <a:solidFill>
-          <a:schemeClr val="bg1"/>
-        </a:solidFill>
-        <a:effectLst/>
-      </p:bgPr>
-    </p:bg>
-    <p:spTree>
-      <p:nvGrpSpPr>
-        <p:cNvPr id="1" name=""/>
-        <p:cNvGrpSpPr/>
-        <p:nvPr/>
-      </p:nvGrpSpPr>
-      <p:grpSpPr>
-        <a:xfrm>
-          <a:off x="0" y="0"/>
-          <a:ext cx="0" cy="0"/>
-          <a:chOff x="0" y="0"/>
-          <a:chExt cx="0" cy="0"/>
-        </a:xfrm>
-      </p:grpSpPr>
-      <p:sp useBgFill="1">
-        <p:nvSpPr>
-          <p:cNvPr id="20" name="Rectangle 19">
-            <a:extLst>
-              <a:ext uri="{FF2B5EF4-FFF2-40B4-BE49-F238E27FC236}">
-                <a16:creationId xmlns:a16="http://schemas.microsoft.com/office/drawing/2014/main" id="{BA79A7CF-01AF-4178-9369-94E0C90EB046}"/>
-              </a:ext>
-              <a:ext uri="{C183D7F6-B498-43B3-948B-1728B52AA6E4}">
-                <adec:decorative xmlns:adec="http://schemas.microsoft.com/office/drawing/2017/decorative" val="1"/>
-              </a:ext>
-            </a:extLst>
-          </p:cNvPr>
-          <p:cNvSpPr>
-            <a:spLocks noGrp="1" noRot="1" noChangeAspect="1" noMove="1" noResize="1" noEditPoints="1" noAdjustHandles="1" noChangeArrowheads="1" noChangeShapeType="1" noTextEdit="1"/>
-          </p:cNvSpPr>
-          <p:nvPr>
-            <p:extLst>
-              <p:ext uri="{386F3935-93C4-4BCD-93E2-E3B085C9AB24}">
-                <p16:designElem xmlns:p16="http://schemas.microsoft.com/office/powerpoint/2015/main" val="1"/>
-              </p:ext>
-            </p:extLst>
-          </p:nvPr>
-        </p:nvSpPr>
-        <p:spPr>
-          <a:xfrm>
-            <a:off x="0" y="0"/>
-            <a:ext cx="12191999" cy="6857365"/>
-          </a:xfrm>
-          <a:prstGeom prst="rect">
-            <a:avLst/>
-          </a:prstGeom>
-          <a:ln>
-            <a:noFill/>
-          </a:ln>
-        </p:spPr>
-        <p:style>
-          <a:lnRef idx="2">
-            <a:schemeClr val="accent1">
-              <a:shade val="50000"/>
-            </a:schemeClr>
-          </a:lnRef>
-          <a:fillRef idx="1">
-            <a:schemeClr val="accent1"/>
-          </a:fillRef>
-          <a:effectRef idx="0">
-            <a:schemeClr val="accent1"/>
-          </a:effectRef>
-          <a:fontRef idx="minor">
-            <a:schemeClr val="lt1"/>
-          </a:fontRef>
-        </p:style>
-        <p:txBody>
-          <a:bodyPr rtlCol="0" anchor="ctr"/>
-          <a:lstStyle/>
-          <a:p>
-            <a:pPr algn="ctr"/>
-            <a:endParaRPr lang="en-US"/>
-          </a:p>
-        </p:txBody>
-      </p:sp>
-      <p:sp>
-        <p:nvSpPr>
-          <p:cNvPr id="2" name="Title 1">
-            <a:extLst>
-              <a:ext uri="{FF2B5EF4-FFF2-40B4-BE49-F238E27FC236}">
-                <a16:creationId xmlns:a16="http://schemas.microsoft.com/office/drawing/2014/main" id="{7501294D-A559-A7DD-0DAC-D86BD2FB572F}"/>
-              </a:ext>
-            </a:extLst>
-          </p:cNvPr>
-          <p:cNvSpPr>
-            <a:spLocks noGrp="1"/>
-          </p:cNvSpPr>
-          <p:nvPr>
-            <p:ph type="title"/>
-          </p:nvPr>
-        </p:nvSpPr>
-        <p:spPr>
-          <a:xfrm>
-            <a:off x="9267909" y="2023110"/>
-            <a:ext cx="2469624" cy="2846070"/>
-          </a:xfrm>
-        </p:spPr>
-        <p:txBody>
-          <a:bodyPr vert="horz" lIns="91440" tIns="45720" rIns="91440" bIns="45720" rtlCol="0" anchor="ctr">
-            <a:normAutofit/>
-          </a:bodyPr>
-          <a:lstStyle/>
-          <a:p>
-            <a:r>
-              <a:rPr lang="en-US" sz="2900" kern="1200">
-                <a:solidFill>
-                  <a:schemeClr val="tx1"/>
-                </a:solidFill>
-                <a:latin typeface="+mj-lt"/>
-                <a:ea typeface="+mj-ea"/>
-                <a:cs typeface="+mj-cs"/>
-              </a:rPr>
-              <a:t>Luftwaffe: Mediterranean</a:t>
-            </a:r>
-          </a:p>
-        </p:txBody>
-      </p:sp>
-      <p:sp>
-        <p:nvSpPr>
-          <p:cNvPr id="21" name="Rectangle 20">
-            <a:extLst>
-              <a:ext uri="{FF2B5EF4-FFF2-40B4-BE49-F238E27FC236}">
-                <a16:creationId xmlns:a16="http://schemas.microsoft.com/office/drawing/2014/main" id="{99413ED5-9ED4-4772-BCE4-2BCAE6B12E35}"/>
-              </a:ext>
-              <a:ext uri="{C183D7F6-B498-43B3-948B-1728B52AA6E4}">
-                <adec:decorative xmlns:adec="http://schemas.microsoft.com/office/drawing/2017/decorative" val="1"/>
-              </a:ext>
-            </a:extLst>
-          </p:cNvPr>
-          <p:cNvSpPr>
-            <a:spLocks noGrp="1" noRot="1" noChangeAspect="1" noMove="1" noResize="1" noEditPoints="1" noAdjustHandles="1" noChangeArrowheads="1" noChangeShapeType="1" noTextEdit="1"/>
-          </p:cNvSpPr>
-          <p:nvPr>
-            <p:extLst>
-              <p:ext uri="{386F3935-93C4-4BCD-93E2-E3B085C9AB24}">
-                <p16:designElem xmlns:p16="http://schemas.microsoft.com/office/powerpoint/2015/main" val="1"/>
-              </p:ext>
-            </p:extLst>
-          </p:nvPr>
-        </p:nvSpPr>
-        <p:spPr>
-          <a:xfrm rot="16200000">
-            <a:off x="3433973" y="-827233"/>
-            <a:ext cx="1715478" cy="8583421"/>
-          </a:xfrm>
-          <a:prstGeom prst="rect">
-            <a:avLst/>
-          </a:prstGeom>
-          <a:solidFill>
-            <a:schemeClr val="accent4"/>
-          </a:solidFill>
-          <a:ln>
-            <a:noFill/>
-          </a:ln>
-        </p:spPr>
-        <p:style>
-          <a:lnRef idx="2">
-            <a:schemeClr val="accent1">
-              <a:shade val="50000"/>
-            </a:schemeClr>
-          </a:lnRef>
-          <a:fillRef idx="1">
-            <a:schemeClr val="accent1"/>
-          </a:fillRef>
-          <a:effectRef idx="0">
-            <a:schemeClr val="accent1"/>
-          </a:effectRef>
-          <a:fontRef idx="minor">
-            <a:schemeClr val="lt1"/>
-          </a:fontRef>
-        </p:style>
-        <p:txBody>
-          <a:bodyPr rtlCol="0" anchor="ctr"/>
-          <a:lstStyle/>
-          <a:p>
-            <a:pPr algn="ctr"/>
-            <a:endParaRPr lang="en-US" dirty="0"/>
-          </a:p>
-        </p:txBody>
-      </p:sp>
-      <p:sp>
-        <p:nvSpPr>
-          <p:cNvPr id="22" name="Rectangle 21">
-            <a:extLst>
-              <a:ext uri="{FF2B5EF4-FFF2-40B4-BE49-F238E27FC236}">
-                <a16:creationId xmlns:a16="http://schemas.microsoft.com/office/drawing/2014/main" id="{04357C93-F0CB-4A1C-8F77-4E9063789819}"/>
-              </a:ext>
-              <a:ext uri="{C183D7F6-B498-43B3-948B-1728B52AA6E4}">
-                <adec:decorative xmlns:adec="http://schemas.microsoft.com/office/drawing/2017/decorative" val="1"/>
-              </a:ext>
-            </a:extLst>
-          </p:cNvPr>
-          <p:cNvSpPr>
-            <a:spLocks noGrp="1" noRot="1" noChangeAspect="1" noMove="1" noResize="1" noEditPoints="1" noAdjustHandles="1" noChangeArrowheads="1" noChangeShapeType="1" noTextEdit="1"/>
-          </p:cNvSpPr>
-          <p:nvPr>
-            <p:extLst>
-              <p:ext uri="{386F3935-93C4-4BCD-93E2-E3B085C9AB24}">
-                <p16:designElem xmlns:p16="http://schemas.microsoft.com/office/powerpoint/2015/main" val="1"/>
-              </p:ext>
-            </p:extLst>
-          </p:nvPr>
-        </p:nvSpPr>
-        <p:spPr>
-          <a:xfrm>
-            <a:off x="302085" y="664308"/>
-            <a:ext cx="8082632" cy="5600340"/>
-          </a:xfrm>
-          <a:prstGeom prst="rect">
-            <a:avLst/>
-          </a:prstGeom>
-          <a:solidFill>
-            <a:schemeClr val="bg1"/>
-          </a:solidFill>
-          <a:ln>
-            <a:noFill/>
-          </a:ln>
-          <a:effectLst>
-            <a:outerShdw blurRad="139700" dist="127000" dir="5400000" algn="t" rotWithShape="0">
-              <a:prstClr val="black">
-                <a:alpha val="15000"/>
-              </a:prstClr>
-            </a:outerShdw>
-          </a:effectLst>
-        </p:spPr>
-        <p:style>
-          <a:lnRef idx="2">
-            <a:schemeClr val="accent1">
-              <a:shade val="50000"/>
-            </a:schemeClr>
-          </a:lnRef>
-          <a:fillRef idx="1">
-            <a:schemeClr val="accent1"/>
-          </a:fillRef>
-          <a:effectRef idx="0">
-            <a:schemeClr val="accent1"/>
-          </a:effectRef>
-          <a:fontRef idx="minor">
-            <a:schemeClr val="lt1"/>
-          </a:fontRef>
-        </p:style>
-        <p:txBody>
-          <a:bodyPr rtlCol="0" anchor="ctr"/>
-          <a:lstStyle/>
-          <a:p>
-            <a:pPr algn="ctr"/>
-            <a:endParaRPr lang="en-US"/>
-          </a:p>
-        </p:txBody>
-      </p:sp>
-      <p:pic>
-        <p:nvPicPr>
-          <p:cNvPr id="4" name="Picture 3">
-            <a:extLst>
-              <a:ext uri="{FF2B5EF4-FFF2-40B4-BE49-F238E27FC236}">
-                <a16:creationId xmlns:a16="http://schemas.microsoft.com/office/drawing/2014/main" id="{F9728FE7-B3E6-2722-F10E-DCB8D62DCEF6}"/>
-              </a:ext>
-            </a:extLst>
-          </p:cNvPr>
-          <p:cNvPicPr>
-            <a:picLocks noChangeAspect="1"/>
-          </p:cNvPicPr>
-          <p:nvPr/>
-        </p:nvPicPr>
-        <p:blipFill>
-          <a:blip r:embed="rId2"/>
-          <a:stretch>
-            <a:fillRect/>
-          </a:stretch>
-        </p:blipFill>
-        <p:spPr>
-          <a:xfrm>
-            <a:off x="545238" y="1115414"/>
-            <a:ext cx="7608304" cy="4698128"/>
-          </a:xfrm>
-          <a:prstGeom prst="rect">
-            <a:avLst/>
-          </a:prstGeom>
-        </p:spPr>
-      </p:pic>
-      <p:sp>
-        <p:nvSpPr>
-          <p:cNvPr id="15" name="Rectangle 14">
-            <a:extLst>
-              <a:ext uri="{FF2B5EF4-FFF2-40B4-BE49-F238E27FC236}">
-                <a16:creationId xmlns:a16="http://schemas.microsoft.com/office/drawing/2014/main" id="{90F533E9-6690-41A8-A372-4C6C622D028D}"/>
-              </a:ext>
-              <a:ext uri="{C183D7F6-B498-43B3-948B-1728B52AA6E4}">
-                <adec:decorative xmlns:adec="http://schemas.microsoft.com/office/drawing/2017/decorative" val="1"/>
-              </a:ext>
-            </a:extLst>
-          </p:cNvPr>
-          <p:cNvSpPr>
-            <a:spLocks noGrp="1" noRot="1" noChangeAspect="1" noMove="1" noResize="1" noEditPoints="1" noAdjustHandles="1" noChangeArrowheads="1" noChangeShapeType="1" noTextEdit="1"/>
-          </p:cNvSpPr>
-          <p:nvPr>
-            <p:extLst>
-              <p:ext uri="{386F3935-93C4-4BCD-93E2-E3B085C9AB24}">
-                <p16:designElem xmlns:p16="http://schemas.microsoft.com/office/powerpoint/2015/main" val="1"/>
-              </p:ext>
-            </p:extLst>
-          </p:nvPr>
-        </p:nvSpPr>
-        <p:spPr>
-          <a:xfrm rot="5400000">
-            <a:off x="7950447" y="3392097"/>
-            <a:ext cx="1719072" cy="152382"/>
-          </a:xfrm>
-          <a:prstGeom prst="rect">
-            <a:avLst/>
-          </a:prstGeom>
-          <a:solidFill>
-            <a:schemeClr val="accent4"/>
-          </a:solidFill>
-          <a:ln>
-            <a:noFill/>
-          </a:ln>
-        </p:spPr>
-        <p:style>
-          <a:lnRef idx="2">
-            <a:schemeClr val="accent1">
-              <a:shade val="50000"/>
-            </a:schemeClr>
-          </a:lnRef>
-          <a:fillRef idx="1">
-            <a:schemeClr val="accent1"/>
-          </a:fillRef>
-          <a:effectRef idx="0">
-            <a:schemeClr val="accent1"/>
-          </a:effectRef>
-          <a:fontRef idx="minor">
-            <a:schemeClr val="lt1"/>
-          </a:fontRef>
-        </p:style>
-        <p:txBody>
-          <a:bodyPr rtlCol="0" anchor="ctr"/>
-          <a:lstStyle/>
-          <a:p>
-            <a:pPr algn="ctr"/>
-            <a:endParaRPr lang="en-US"/>
-          </a:p>
-        </p:txBody>
-      </p:sp>
-    </p:spTree>
-    <p:extLst>
-      <p:ext uri="{BB962C8B-B14F-4D97-AF65-F5344CB8AC3E}">
-        <p14:creationId xmlns:p14="http://schemas.microsoft.com/office/powerpoint/2010/main" val="2768572718"/>
       </p:ext>
     </p:extLst>
   </p:cSld>
